--- a/RaciocinioAlgoritmico/Tópico 08 - Funções/Tópico 08  - Funções.pptx
+++ b/RaciocinioAlgoritmico/Tópico 08 - Funções/Tópico 08  - Funções.pptx
@@ -70,19 +70,16 @@
             <a:noAutofit/>
           </a:bodyPr>
           <a:p>
+            <a:pPr algn="ctr">
+              <a:buNone/>
+            </a:pPr>
             <a:r>
-              <a:rPr b="0" lang="pt-BR" sz="1800" spc="-1" strike="noStrike">
-                <a:solidFill>
-                  <a:srgbClr val="000000"/>
-                </a:solidFill>
+              <a:rPr b="0" lang="pt-BR" sz="4400" spc="-1" strike="noStrike">
                 <a:latin typeface="Arial"/>
               </a:rPr>
               <a:t>Click to move the slide</a:t>
             </a:r>
-            <a:endParaRPr b="0" lang="pt-BR" sz="1800" spc="-1" strike="noStrike">
-              <a:solidFill>
-                <a:srgbClr val="000000"/>
-              </a:solidFill>
+            <a:endParaRPr b="0" lang="pt-BR" sz="4400" spc="-1" strike="noStrike">
               <a:latin typeface="Arial"/>
             </a:endParaRPr>
           </a:p>
@@ -305,7 +302,7 @@
             <a:pPr algn="r">
               <a:buNone/>
             </a:pPr>
-            <a:fld id="{7C00E90E-B8BA-49DE-8F1D-CE08406A18B9}" type="slidenum">
+            <a:fld id="{D62F5FDB-3DFD-417D-8033-58BD472EE61E}" type="slidenum">
               <a:rPr b="0" lang="pt-BR" sz="1400" spc="-1" strike="noStrike">
                 <a:latin typeface="Times New Roman"/>
               </a:rPr>
@@ -353,7 +350,7 @@
         <p:spPr>
           <a:xfrm>
             <a:off x="1498680" y="1200240"/>
-            <a:ext cx="4311360" cy="3233520"/>
+            <a:ext cx="4311000" cy="3233160"/>
           </a:xfrm>
           <a:prstGeom prst="rect">
             <a:avLst/>
@@ -376,7 +373,7 @@
         <p:spPr>
           <a:xfrm>
             <a:off x="731520" y="4620240"/>
-            <a:ext cx="5844240" cy="3773160"/>
+            <a:ext cx="5843880" cy="3772800"/>
           </a:xfrm>
           <a:prstGeom prst="rect">
             <a:avLst/>
@@ -406,7 +403,7 @@
         <p:spPr>
           <a:xfrm>
             <a:off x="0" y="9119520"/>
-            <a:ext cx="3162240" cy="474480"/>
+            <a:ext cx="3161880" cy="474120"/>
           </a:xfrm>
           <a:prstGeom prst="rect">
             <a:avLst/>
@@ -484,7 +481,7 @@
         <p:spPr>
           <a:xfrm>
             <a:off x="1498680" y="1200240"/>
-            <a:ext cx="4311360" cy="3233520"/>
+            <a:ext cx="4311000" cy="3233160"/>
           </a:xfrm>
           <a:prstGeom prst="rect">
             <a:avLst/>
@@ -507,7 +504,7 @@
         <p:spPr>
           <a:xfrm>
             <a:off x="731520" y="4620240"/>
-            <a:ext cx="5843880" cy="3772800"/>
+            <a:ext cx="5843520" cy="3772440"/>
           </a:xfrm>
           <a:prstGeom prst="rect">
             <a:avLst/>
@@ -537,7 +534,7 @@
         <p:spPr>
           <a:xfrm>
             <a:off x="0" y="9119520"/>
-            <a:ext cx="3161880" cy="474120"/>
+            <a:ext cx="3161520" cy="473760"/>
           </a:xfrm>
           <a:prstGeom prst="rect">
             <a:avLst/>
@@ -615,7 +612,7 @@
         <p:spPr>
           <a:xfrm>
             <a:off x="1498680" y="1200240"/>
-            <a:ext cx="4311360" cy="3233520"/>
+            <a:ext cx="4311000" cy="3233160"/>
           </a:xfrm>
           <a:prstGeom prst="rect">
             <a:avLst/>
@@ -638,7 +635,7 @@
         <p:spPr>
           <a:xfrm>
             <a:off x="731520" y="4620240"/>
-            <a:ext cx="5844240" cy="3773160"/>
+            <a:ext cx="5843880" cy="3772800"/>
           </a:xfrm>
           <a:prstGeom prst="rect">
             <a:avLst/>
@@ -668,7 +665,7 @@
         <p:spPr>
           <a:xfrm>
             <a:off x="0" y="9119520"/>
-            <a:ext cx="3162240" cy="474480"/>
+            <a:ext cx="3161880" cy="474120"/>
           </a:xfrm>
           <a:prstGeom prst="rect">
             <a:avLst/>
@@ -746,7 +743,7 @@
         <p:spPr>
           <a:xfrm>
             <a:off x="1498680" y="1200240"/>
-            <a:ext cx="4311360" cy="3233520"/>
+            <a:ext cx="4311000" cy="3233160"/>
           </a:xfrm>
           <a:prstGeom prst="rect">
             <a:avLst/>
@@ -769,7 +766,7 @@
         <p:spPr>
           <a:xfrm>
             <a:off x="731520" y="4620240"/>
-            <a:ext cx="5844240" cy="3773160"/>
+            <a:ext cx="5843880" cy="3772800"/>
           </a:xfrm>
           <a:prstGeom prst="rect">
             <a:avLst/>
@@ -799,7 +796,7 @@
         <p:spPr>
           <a:xfrm>
             <a:off x="0" y="9119520"/>
-            <a:ext cx="3162240" cy="474480"/>
+            <a:ext cx="3161880" cy="474120"/>
           </a:xfrm>
           <a:prstGeom prst="rect">
             <a:avLst/>
@@ -877,7 +874,7 @@
         <p:spPr>
           <a:xfrm>
             <a:off x="1498680" y="1200240"/>
-            <a:ext cx="4311360" cy="3233520"/>
+            <a:ext cx="4311000" cy="3233160"/>
           </a:xfrm>
           <a:prstGeom prst="rect">
             <a:avLst/>
@@ -900,7 +897,7 @@
         <p:spPr>
           <a:xfrm>
             <a:off x="731520" y="4620240"/>
-            <a:ext cx="5844240" cy="3773160"/>
+            <a:ext cx="5843880" cy="3772800"/>
           </a:xfrm>
           <a:prstGeom prst="rect">
             <a:avLst/>
@@ -930,7 +927,7 @@
         <p:spPr>
           <a:xfrm>
             <a:off x="0" y="9119520"/>
-            <a:ext cx="3162240" cy="474480"/>
+            <a:ext cx="3161880" cy="474120"/>
           </a:xfrm>
           <a:prstGeom prst="rect">
             <a:avLst/>
@@ -1008,7 +1005,7 @@
         <p:spPr>
           <a:xfrm>
             <a:off x="1498680" y="1200240"/>
-            <a:ext cx="4311360" cy="3233520"/>
+            <a:ext cx="4311000" cy="3233160"/>
           </a:xfrm>
           <a:prstGeom prst="rect">
             <a:avLst/>
@@ -1031,7 +1028,7 @@
         <p:spPr>
           <a:xfrm>
             <a:off x="731520" y="4620240"/>
-            <a:ext cx="5844240" cy="3773160"/>
+            <a:ext cx="5843880" cy="3772800"/>
           </a:xfrm>
           <a:prstGeom prst="rect">
             <a:avLst/>
@@ -1061,7 +1058,7 @@
         <p:spPr>
           <a:xfrm>
             <a:off x="0" y="9119520"/>
-            <a:ext cx="3162240" cy="474480"/>
+            <a:ext cx="3161880" cy="474120"/>
           </a:xfrm>
           <a:prstGeom prst="rect">
             <a:avLst/>
@@ -1139,7 +1136,7 @@
         <p:spPr>
           <a:xfrm>
             <a:off x="1498680" y="1200240"/>
-            <a:ext cx="4311360" cy="3233520"/>
+            <a:ext cx="4311000" cy="3233160"/>
           </a:xfrm>
           <a:prstGeom prst="rect">
             <a:avLst/>
@@ -1162,7 +1159,7 @@
         <p:spPr>
           <a:xfrm>
             <a:off x="731520" y="4620240"/>
-            <a:ext cx="5844240" cy="3773160"/>
+            <a:ext cx="5843880" cy="3772800"/>
           </a:xfrm>
           <a:prstGeom prst="rect">
             <a:avLst/>
@@ -1192,7 +1189,7 @@
         <p:spPr>
           <a:xfrm>
             <a:off x="0" y="9119520"/>
-            <a:ext cx="3162240" cy="474480"/>
+            <a:ext cx="3161880" cy="474120"/>
           </a:xfrm>
           <a:prstGeom prst="rect">
             <a:avLst/>
@@ -1270,7 +1267,7 @@
         <p:spPr>
           <a:xfrm>
             <a:off x="1498680" y="1200240"/>
-            <a:ext cx="4311360" cy="3233520"/>
+            <a:ext cx="4311000" cy="3233160"/>
           </a:xfrm>
           <a:prstGeom prst="rect">
             <a:avLst/>
@@ -1293,7 +1290,7 @@
         <p:spPr>
           <a:xfrm>
             <a:off x="731520" y="4620240"/>
-            <a:ext cx="5844240" cy="3773160"/>
+            <a:ext cx="5843880" cy="3772800"/>
           </a:xfrm>
           <a:prstGeom prst="rect">
             <a:avLst/>
@@ -1323,7 +1320,7 @@
         <p:spPr>
           <a:xfrm>
             <a:off x="0" y="9119520"/>
-            <a:ext cx="3162240" cy="474480"/>
+            <a:ext cx="3161880" cy="474120"/>
           </a:xfrm>
           <a:prstGeom prst="rect">
             <a:avLst/>
@@ -1438,10 +1435,10 @@
             <a:noAutofit/>
           </a:bodyPr>
           <a:p>
-            <a:endParaRPr b="0" lang="pt-BR" sz="1800" spc="-1" strike="noStrike">
-              <a:solidFill>
-                <a:srgbClr val="000000"/>
-              </a:solidFill>
+            <a:pPr algn="ctr">
+              <a:buNone/>
+            </a:pPr>
+            <a:endParaRPr b="0" lang="pt-BR" sz="4400" spc="-1" strike="noStrike">
               <a:latin typeface="Arial"/>
             </a:endParaRPr>
           </a:p>
@@ -1475,19 +1472,7 @@
             <a:normAutofit/>
           </a:bodyPr>
           <a:p>
-            <a:pPr>
-              <a:lnSpc>
-                <a:spcPct val="90000"/>
-              </a:lnSpc>
-              <a:spcBef>
-                <a:spcPts val="1417"/>
-              </a:spcBef>
-              <a:buNone/>
-            </a:pPr>
-            <a:endParaRPr b="0" lang="pt-BR" sz="2800" spc="-1" strike="noStrike">
-              <a:solidFill>
-                <a:srgbClr val="000000"/>
-              </a:solidFill>
+            <a:endParaRPr b="0" lang="pt-BR" sz="3200" spc="-1" strike="noStrike">
               <a:latin typeface="Arial"/>
             </a:endParaRPr>
           </a:p>
@@ -1521,19 +1506,7 @@
             <a:normAutofit/>
           </a:bodyPr>
           <a:p>
-            <a:pPr>
-              <a:lnSpc>
-                <a:spcPct val="90000"/>
-              </a:lnSpc>
-              <a:spcBef>
-                <a:spcPts val="1417"/>
-              </a:spcBef>
-              <a:buNone/>
-            </a:pPr>
-            <a:endParaRPr b="0" lang="pt-BR" sz="2800" spc="-1" strike="noStrike">
-              <a:solidFill>
-                <a:srgbClr val="000000"/>
-              </a:solidFill>
+            <a:endParaRPr b="0" lang="pt-BR" sz="3200" spc="-1" strike="noStrike">
               <a:latin typeface="Arial"/>
             </a:endParaRPr>
           </a:p>
@@ -1589,10 +1562,10 @@
             <a:noAutofit/>
           </a:bodyPr>
           <a:p>
-            <a:endParaRPr b="0" lang="pt-BR" sz="1800" spc="-1" strike="noStrike">
-              <a:solidFill>
-                <a:srgbClr val="000000"/>
-              </a:solidFill>
+            <a:pPr algn="ctr">
+              <a:buNone/>
+            </a:pPr>
+            <a:endParaRPr b="0" lang="pt-BR" sz="4400" spc="-1" strike="noStrike">
               <a:latin typeface="Arial"/>
             </a:endParaRPr>
           </a:p>
@@ -1626,19 +1599,7 @@
             <a:normAutofit/>
           </a:bodyPr>
           <a:p>
-            <a:pPr>
-              <a:lnSpc>
-                <a:spcPct val="90000"/>
-              </a:lnSpc>
-              <a:spcBef>
-                <a:spcPts val="1417"/>
-              </a:spcBef>
-              <a:buNone/>
-            </a:pPr>
-            <a:endParaRPr b="0" lang="pt-BR" sz="2800" spc="-1" strike="noStrike">
-              <a:solidFill>
-                <a:srgbClr val="000000"/>
-              </a:solidFill>
+            <a:endParaRPr b="0" lang="pt-BR" sz="3200" spc="-1" strike="noStrike">
               <a:latin typeface="Arial"/>
             </a:endParaRPr>
           </a:p>
@@ -1672,19 +1633,7 @@
             <a:normAutofit/>
           </a:bodyPr>
           <a:p>
-            <a:pPr>
-              <a:lnSpc>
-                <a:spcPct val="90000"/>
-              </a:lnSpc>
-              <a:spcBef>
-                <a:spcPts val="1417"/>
-              </a:spcBef>
-              <a:buNone/>
-            </a:pPr>
-            <a:endParaRPr b="0" lang="pt-BR" sz="2800" spc="-1" strike="noStrike">
-              <a:solidFill>
-                <a:srgbClr val="000000"/>
-              </a:solidFill>
+            <a:endParaRPr b="0" lang="pt-BR" sz="3200" spc="-1" strike="noStrike">
               <a:latin typeface="Arial"/>
             </a:endParaRPr>
           </a:p>
@@ -1718,19 +1667,7 @@
             <a:normAutofit/>
           </a:bodyPr>
           <a:p>
-            <a:pPr>
-              <a:lnSpc>
-                <a:spcPct val="90000"/>
-              </a:lnSpc>
-              <a:spcBef>
-                <a:spcPts val="1417"/>
-              </a:spcBef>
-              <a:buNone/>
-            </a:pPr>
-            <a:endParaRPr b="0" lang="pt-BR" sz="2800" spc="-1" strike="noStrike">
-              <a:solidFill>
-                <a:srgbClr val="000000"/>
-              </a:solidFill>
+            <a:endParaRPr b="0" lang="pt-BR" sz="3200" spc="-1" strike="noStrike">
               <a:latin typeface="Arial"/>
             </a:endParaRPr>
           </a:p>
@@ -1764,19 +1701,7 @@
             <a:normAutofit/>
           </a:bodyPr>
           <a:p>
-            <a:pPr>
-              <a:lnSpc>
-                <a:spcPct val="90000"/>
-              </a:lnSpc>
-              <a:spcBef>
-                <a:spcPts val="1417"/>
-              </a:spcBef>
-              <a:buNone/>
-            </a:pPr>
-            <a:endParaRPr b="0" lang="pt-BR" sz="2800" spc="-1" strike="noStrike">
-              <a:solidFill>
-                <a:srgbClr val="000000"/>
-              </a:solidFill>
+            <a:endParaRPr b="0" lang="pt-BR" sz="3200" spc="-1" strike="noStrike">
               <a:latin typeface="Arial"/>
             </a:endParaRPr>
           </a:p>
@@ -1832,10 +1757,10 @@
             <a:noAutofit/>
           </a:bodyPr>
           <a:p>
-            <a:endParaRPr b="0" lang="pt-BR" sz="1800" spc="-1" strike="noStrike">
-              <a:solidFill>
-                <a:srgbClr val="000000"/>
-              </a:solidFill>
+            <a:pPr algn="ctr">
+              <a:buNone/>
+            </a:pPr>
+            <a:endParaRPr b="0" lang="pt-BR" sz="4400" spc="-1" strike="noStrike">
               <a:latin typeface="Arial"/>
             </a:endParaRPr>
           </a:p>
@@ -1869,19 +1794,7 @@
             <a:normAutofit/>
           </a:bodyPr>
           <a:p>
-            <a:pPr>
-              <a:lnSpc>
-                <a:spcPct val="90000"/>
-              </a:lnSpc>
-              <a:spcBef>
-                <a:spcPts val="1417"/>
-              </a:spcBef>
-              <a:buNone/>
-            </a:pPr>
-            <a:endParaRPr b="0" lang="pt-BR" sz="2800" spc="-1" strike="noStrike">
-              <a:solidFill>
-                <a:srgbClr val="000000"/>
-              </a:solidFill>
+            <a:endParaRPr b="0" lang="pt-BR" sz="3200" spc="-1" strike="noStrike">
               <a:latin typeface="Arial"/>
             </a:endParaRPr>
           </a:p>
@@ -1915,19 +1828,7 @@
             <a:normAutofit/>
           </a:bodyPr>
           <a:p>
-            <a:pPr>
-              <a:lnSpc>
-                <a:spcPct val="90000"/>
-              </a:lnSpc>
-              <a:spcBef>
-                <a:spcPts val="1417"/>
-              </a:spcBef>
-              <a:buNone/>
-            </a:pPr>
-            <a:endParaRPr b="0" lang="pt-BR" sz="2800" spc="-1" strike="noStrike">
-              <a:solidFill>
-                <a:srgbClr val="000000"/>
-              </a:solidFill>
+            <a:endParaRPr b="0" lang="pt-BR" sz="3200" spc="-1" strike="noStrike">
               <a:latin typeface="Arial"/>
             </a:endParaRPr>
           </a:p>
@@ -1961,19 +1862,7 @@
             <a:normAutofit/>
           </a:bodyPr>
           <a:p>
-            <a:pPr>
-              <a:lnSpc>
-                <a:spcPct val="90000"/>
-              </a:lnSpc>
-              <a:spcBef>
-                <a:spcPts val="1417"/>
-              </a:spcBef>
-              <a:buNone/>
-            </a:pPr>
-            <a:endParaRPr b="0" lang="pt-BR" sz="2800" spc="-1" strike="noStrike">
-              <a:solidFill>
-                <a:srgbClr val="000000"/>
-              </a:solidFill>
+            <a:endParaRPr b="0" lang="pt-BR" sz="3200" spc="-1" strike="noStrike">
               <a:latin typeface="Arial"/>
             </a:endParaRPr>
           </a:p>
@@ -2007,19 +1896,7 @@
             <a:normAutofit/>
           </a:bodyPr>
           <a:p>
-            <a:pPr>
-              <a:lnSpc>
-                <a:spcPct val="90000"/>
-              </a:lnSpc>
-              <a:spcBef>
-                <a:spcPts val="1417"/>
-              </a:spcBef>
-              <a:buNone/>
-            </a:pPr>
-            <a:endParaRPr b="0" lang="pt-BR" sz="2800" spc="-1" strike="noStrike">
-              <a:solidFill>
-                <a:srgbClr val="000000"/>
-              </a:solidFill>
+            <a:endParaRPr b="0" lang="pt-BR" sz="3200" spc="-1" strike="noStrike">
               <a:latin typeface="Arial"/>
             </a:endParaRPr>
           </a:p>
@@ -2053,19 +1930,7 @@
             <a:normAutofit/>
           </a:bodyPr>
           <a:p>
-            <a:pPr>
-              <a:lnSpc>
-                <a:spcPct val="90000"/>
-              </a:lnSpc>
-              <a:spcBef>
-                <a:spcPts val="1417"/>
-              </a:spcBef>
-              <a:buNone/>
-            </a:pPr>
-            <a:endParaRPr b="0" lang="pt-BR" sz="2800" spc="-1" strike="noStrike">
-              <a:solidFill>
-                <a:srgbClr val="000000"/>
-              </a:solidFill>
+            <a:endParaRPr b="0" lang="pt-BR" sz="3200" spc="-1" strike="noStrike">
               <a:latin typeface="Arial"/>
             </a:endParaRPr>
           </a:p>
@@ -2099,19 +1964,7 @@
             <a:normAutofit/>
           </a:bodyPr>
           <a:p>
-            <a:pPr>
-              <a:lnSpc>
-                <a:spcPct val="90000"/>
-              </a:lnSpc>
-              <a:spcBef>
-                <a:spcPts val="1417"/>
-              </a:spcBef>
-              <a:buNone/>
-            </a:pPr>
-            <a:endParaRPr b="0" lang="pt-BR" sz="2800" spc="-1" strike="noStrike">
-              <a:solidFill>
-                <a:srgbClr val="000000"/>
-              </a:solidFill>
+            <a:endParaRPr b="0" lang="pt-BR" sz="3200" spc="-1" strike="noStrike">
               <a:latin typeface="Arial"/>
             </a:endParaRPr>
           </a:p>
@@ -2189,10 +2042,10 @@
             <a:noAutofit/>
           </a:bodyPr>
           <a:p>
-            <a:endParaRPr b="0" lang="pt-BR" sz="1800" spc="-1" strike="noStrike">
-              <a:solidFill>
-                <a:srgbClr val="000000"/>
-              </a:solidFill>
+            <a:pPr algn="ctr">
+              <a:buNone/>
+            </a:pPr>
+            <a:endParaRPr b="0" lang="pt-BR" sz="4400" spc="-1" strike="noStrike">
               <a:latin typeface="Arial"/>
             </a:endParaRPr>
           </a:p>
@@ -2285,10 +2138,10 @@
             <a:noAutofit/>
           </a:bodyPr>
           <a:p>
-            <a:endParaRPr b="0" lang="pt-BR" sz="1800" spc="-1" strike="noStrike">
-              <a:solidFill>
-                <a:srgbClr val="000000"/>
-              </a:solidFill>
+            <a:pPr algn="ctr">
+              <a:buNone/>
+            </a:pPr>
+            <a:endParaRPr b="0" lang="pt-BR" sz="4400" spc="-1" strike="noStrike">
               <a:latin typeface="Arial"/>
             </a:endParaRPr>
           </a:p>
@@ -2322,19 +2175,7 @@
             <a:normAutofit/>
           </a:bodyPr>
           <a:p>
-            <a:pPr>
-              <a:lnSpc>
-                <a:spcPct val="90000"/>
-              </a:lnSpc>
-              <a:spcBef>
-                <a:spcPts val="1417"/>
-              </a:spcBef>
-              <a:buNone/>
-            </a:pPr>
-            <a:endParaRPr b="0" lang="pt-BR" sz="2800" spc="-1" strike="noStrike">
-              <a:solidFill>
-                <a:srgbClr val="000000"/>
-              </a:solidFill>
+            <a:endParaRPr b="0" lang="pt-BR" sz="3200" spc="-1" strike="noStrike">
               <a:latin typeface="Arial"/>
             </a:endParaRPr>
           </a:p>
@@ -2390,10 +2231,10 @@
             <a:noAutofit/>
           </a:bodyPr>
           <a:p>
-            <a:endParaRPr b="0" lang="pt-BR" sz="1800" spc="-1" strike="noStrike">
-              <a:solidFill>
-                <a:srgbClr val="000000"/>
-              </a:solidFill>
+            <a:pPr algn="ctr">
+              <a:buNone/>
+            </a:pPr>
+            <a:endParaRPr b="0" lang="pt-BR" sz="4400" spc="-1" strike="noStrike">
               <a:latin typeface="Arial"/>
             </a:endParaRPr>
           </a:p>
@@ -2427,19 +2268,7 @@
             <a:normAutofit/>
           </a:bodyPr>
           <a:p>
-            <a:pPr>
-              <a:lnSpc>
-                <a:spcPct val="90000"/>
-              </a:lnSpc>
-              <a:spcBef>
-                <a:spcPts val="1417"/>
-              </a:spcBef>
-              <a:buNone/>
-            </a:pPr>
-            <a:endParaRPr b="0" lang="pt-BR" sz="2800" spc="-1" strike="noStrike">
-              <a:solidFill>
-                <a:srgbClr val="000000"/>
-              </a:solidFill>
+            <a:endParaRPr b="0" lang="pt-BR" sz="3200" spc="-1" strike="noStrike">
               <a:latin typeface="Arial"/>
             </a:endParaRPr>
           </a:p>
@@ -2473,19 +2302,7 @@
             <a:normAutofit/>
           </a:bodyPr>
           <a:p>
-            <a:pPr>
-              <a:lnSpc>
-                <a:spcPct val="90000"/>
-              </a:lnSpc>
-              <a:spcBef>
-                <a:spcPts val="1417"/>
-              </a:spcBef>
-              <a:buNone/>
-            </a:pPr>
-            <a:endParaRPr b="0" lang="pt-BR" sz="2800" spc="-1" strike="noStrike">
-              <a:solidFill>
-                <a:srgbClr val="000000"/>
-              </a:solidFill>
+            <a:endParaRPr b="0" lang="pt-BR" sz="3200" spc="-1" strike="noStrike">
               <a:latin typeface="Arial"/>
             </a:endParaRPr>
           </a:p>
@@ -2541,10 +2358,10 @@
             <a:noAutofit/>
           </a:bodyPr>
           <a:p>
-            <a:endParaRPr b="0" lang="pt-BR" sz="1800" spc="-1" strike="noStrike">
-              <a:solidFill>
-                <a:srgbClr val="000000"/>
-              </a:solidFill>
+            <a:pPr algn="ctr">
+              <a:buNone/>
+            </a:pPr>
+            <a:endParaRPr b="0" lang="pt-BR" sz="4400" spc="-1" strike="noStrike">
               <a:latin typeface="Arial"/>
             </a:endParaRPr>
           </a:p>
@@ -2659,10 +2476,10 @@
             <a:noAutofit/>
           </a:bodyPr>
           <a:p>
-            <a:endParaRPr b="0" lang="pt-BR" sz="1800" spc="-1" strike="noStrike">
-              <a:solidFill>
-                <a:srgbClr val="000000"/>
-              </a:solidFill>
+            <a:pPr algn="ctr">
+              <a:buNone/>
+            </a:pPr>
+            <a:endParaRPr b="0" lang="pt-BR" sz="4400" spc="-1" strike="noStrike">
               <a:latin typeface="Arial"/>
             </a:endParaRPr>
           </a:p>
@@ -2696,19 +2513,7 @@
             <a:normAutofit/>
           </a:bodyPr>
           <a:p>
-            <a:pPr>
-              <a:lnSpc>
-                <a:spcPct val="90000"/>
-              </a:lnSpc>
-              <a:spcBef>
-                <a:spcPts val="1417"/>
-              </a:spcBef>
-              <a:buNone/>
-            </a:pPr>
-            <a:endParaRPr b="0" lang="pt-BR" sz="2800" spc="-1" strike="noStrike">
-              <a:solidFill>
-                <a:srgbClr val="000000"/>
-              </a:solidFill>
+            <a:endParaRPr b="0" lang="pt-BR" sz="3200" spc="-1" strike="noStrike">
               <a:latin typeface="Arial"/>
             </a:endParaRPr>
           </a:p>
@@ -2742,19 +2547,7 @@
             <a:normAutofit/>
           </a:bodyPr>
           <a:p>
-            <a:pPr>
-              <a:lnSpc>
-                <a:spcPct val="90000"/>
-              </a:lnSpc>
-              <a:spcBef>
-                <a:spcPts val="1417"/>
-              </a:spcBef>
-              <a:buNone/>
-            </a:pPr>
-            <a:endParaRPr b="0" lang="pt-BR" sz="2800" spc="-1" strike="noStrike">
-              <a:solidFill>
-                <a:srgbClr val="000000"/>
-              </a:solidFill>
+            <a:endParaRPr b="0" lang="pt-BR" sz="3200" spc="-1" strike="noStrike">
               <a:latin typeface="Arial"/>
             </a:endParaRPr>
           </a:p>
@@ -2788,19 +2581,7 @@
             <a:normAutofit/>
           </a:bodyPr>
           <a:p>
-            <a:pPr>
-              <a:lnSpc>
-                <a:spcPct val="90000"/>
-              </a:lnSpc>
-              <a:spcBef>
-                <a:spcPts val="1417"/>
-              </a:spcBef>
-              <a:buNone/>
-            </a:pPr>
-            <a:endParaRPr b="0" lang="pt-BR" sz="2800" spc="-1" strike="noStrike">
-              <a:solidFill>
-                <a:srgbClr val="000000"/>
-              </a:solidFill>
+            <a:endParaRPr b="0" lang="pt-BR" sz="3200" spc="-1" strike="noStrike">
               <a:latin typeface="Arial"/>
             </a:endParaRPr>
           </a:p>
@@ -2856,10 +2637,10 @@
             <a:noAutofit/>
           </a:bodyPr>
           <a:p>
-            <a:endParaRPr b="0" lang="pt-BR" sz="1800" spc="-1" strike="noStrike">
-              <a:solidFill>
-                <a:srgbClr val="000000"/>
-              </a:solidFill>
+            <a:pPr algn="ctr">
+              <a:buNone/>
+            </a:pPr>
+            <a:endParaRPr b="0" lang="pt-BR" sz="4400" spc="-1" strike="noStrike">
               <a:latin typeface="Arial"/>
             </a:endParaRPr>
           </a:p>
@@ -2952,10 +2733,10 @@
             <a:noAutofit/>
           </a:bodyPr>
           <a:p>
-            <a:endParaRPr b="0" lang="pt-BR" sz="1800" spc="-1" strike="noStrike">
-              <a:solidFill>
-                <a:srgbClr val="000000"/>
-              </a:solidFill>
+            <a:pPr algn="ctr">
+              <a:buNone/>
+            </a:pPr>
+            <a:endParaRPr b="0" lang="pt-BR" sz="4400" spc="-1" strike="noStrike">
               <a:latin typeface="Arial"/>
             </a:endParaRPr>
           </a:p>
@@ -2989,19 +2770,7 @@
             <a:normAutofit/>
           </a:bodyPr>
           <a:p>
-            <a:pPr>
-              <a:lnSpc>
-                <a:spcPct val="90000"/>
-              </a:lnSpc>
-              <a:spcBef>
-                <a:spcPts val="1417"/>
-              </a:spcBef>
-              <a:buNone/>
-            </a:pPr>
-            <a:endParaRPr b="0" lang="pt-BR" sz="2800" spc="-1" strike="noStrike">
-              <a:solidFill>
-                <a:srgbClr val="000000"/>
-              </a:solidFill>
+            <a:endParaRPr b="0" lang="pt-BR" sz="3200" spc="-1" strike="noStrike">
               <a:latin typeface="Arial"/>
             </a:endParaRPr>
           </a:p>
@@ -3035,19 +2804,7 @@
             <a:normAutofit/>
           </a:bodyPr>
           <a:p>
-            <a:pPr>
-              <a:lnSpc>
-                <a:spcPct val="90000"/>
-              </a:lnSpc>
-              <a:spcBef>
-                <a:spcPts val="1417"/>
-              </a:spcBef>
-              <a:buNone/>
-            </a:pPr>
-            <a:endParaRPr b="0" lang="pt-BR" sz="2800" spc="-1" strike="noStrike">
-              <a:solidFill>
-                <a:srgbClr val="000000"/>
-              </a:solidFill>
+            <a:endParaRPr b="0" lang="pt-BR" sz="3200" spc="-1" strike="noStrike">
               <a:latin typeface="Arial"/>
             </a:endParaRPr>
           </a:p>
@@ -3081,19 +2838,7 @@
             <a:normAutofit/>
           </a:bodyPr>
           <a:p>
-            <a:pPr>
-              <a:lnSpc>
-                <a:spcPct val="90000"/>
-              </a:lnSpc>
-              <a:spcBef>
-                <a:spcPts val="1417"/>
-              </a:spcBef>
-              <a:buNone/>
-            </a:pPr>
-            <a:endParaRPr b="0" lang="pt-BR" sz="2800" spc="-1" strike="noStrike">
-              <a:solidFill>
-                <a:srgbClr val="000000"/>
-              </a:solidFill>
+            <a:endParaRPr b="0" lang="pt-BR" sz="3200" spc="-1" strike="noStrike">
               <a:latin typeface="Arial"/>
             </a:endParaRPr>
           </a:p>
@@ -3149,10 +2894,10 @@
             <a:noAutofit/>
           </a:bodyPr>
           <a:p>
-            <a:endParaRPr b="0" lang="pt-BR" sz="1800" spc="-1" strike="noStrike">
-              <a:solidFill>
-                <a:srgbClr val="000000"/>
-              </a:solidFill>
+            <a:pPr algn="ctr">
+              <a:buNone/>
+            </a:pPr>
+            <a:endParaRPr b="0" lang="pt-BR" sz="4400" spc="-1" strike="noStrike">
               <a:latin typeface="Arial"/>
             </a:endParaRPr>
           </a:p>
@@ -3186,19 +2931,7 @@
             <a:normAutofit/>
           </a:bodyPr>
           <a:p>
-            <a:pPr>
-              <a:lnSpc>
-                <a:spcPct val="90000"/>
-              </a:lnSpc>
-              <a:spcBef>
-                <a:spcPts val="1417"/>
-              </a:spcBef>
-              <a:buNone/>
-            </a:pPr>
-            <a:endParaRPr b="0" lang="pt-BR" sz="2800" spc="-1" strike="noStrike">
-              <a:solidFill>
-                <a:srgbClr val="000000"/>
-              </a:solidFill>
+            <a:endParaRPr b="0" lang="pt-BR" sz="3200" spc="-1" strike="noStrike">
               <a:latin typeface="Arial"/>
             </a:endParaRPr>
           </a:p>
@@ -3232,19 +2965,7 @@
             <a:normAutofit/>
           </a:bodyPr>
           <a:p>
-            <a:pPr>
-              <a:lnSpc>
-                <a:spcPct val="90000"/>
-              </a:lnSpc>
-              <a:spcBef>
-                <a:spcPts val="1417"/>
-              </a:spcBef>
-              <a:buNone/>
-            </a:pPr>
-            <a:endParaRPr b="0" lang="pt-BR" sz="2800" spc="-1" strike="noStrike">
-              <a:solidFill>
-                <a:srgbClr val="000000"/>
-              </a:solidFill>
+            <a:endParaRPr b="0" lang="pt-BR" sz="3200" spc="-1" strike="noStrike">
               <a:latin typeface="Arial"/>
             </a:endParaRPr>
           </a:p>
@@ -3278,19 +2999,7 @@
             <a:normAutofit/>
           </a:bodyPr>
           <a:p>
-            <a:pPr>
-              <a:lnSpc>
-                <a:spcPct val="90000"/>
-              </a:lnSpc>
-              <a:spcBef>
-                <a:spcPts val="1417"/>
-              </a:spcBef>
-              <a:buNone/>
-            </a:pPr>
-            <a:endParaRPr b="0" lang="pt-BR" sz="2800" spc="-1" strike="noStrike">
-              <a:solidFill>
-                <a:srgbClr val="000000"/>
-              </a:solidFill>
+            <a:endParaRPr b="0" lang="pt-BR" sz="3200" spc="-1" strike="noStrike">
               <a:latin typeface="Arial"/>
             </a:endParaRPr>
           </a:p>
@@ -3346,10 +3055,10 @@
             <a:noAutofit/>
           </a:bodyPr>
           <a:p>
-            <a:endParaRPr b="0" lang="pt-BR" sz="1800" spc="-1" strike="noStrike">
-              <a:solidFill>
-                <a:srgbClr val="000000"/>
-              </a:solidFill>
+            <a:pPr algn="ctr">
+              <a:buNone/>
+            </a:pPr>
+            <a:endParaRPr b="0" lang="pt-BR" sz="4400" spc="-1" strike="noStrike">
               <a:latin typeface="Arial"/>
             </a:endParaRPr>
           </a:p>
@@ -3383,19 +3092,7 @@
             <a:normAutofit/>
           </a:bodyPr>
           <a:p>
-            <a:pPr>
-              <a:lnSpc>
-                <a:spcPct val="90000"/>
-              </a:lnSpc>
-              <a:spcBef>
-                <a:spcPts val="1417"/>
-              </a:spcBef>
-              <a:buNone/>
-            </a:pPr>
-            <a:endParaRPr b="0" lang="pt-BR" sz="2800" spc="-1" strike="noStrike">
-              <a:solidFill>
-                <a:srgbClr val="000000"/>
-              </a:solidFill>
+            <a:endParaRPr b="0" lang="pt-BR" sz="3200" spc="-1" strike="noStrike">
               <a:latin typeface="Arial"/>
             </a:endParaRPr>
           </a:p>
@@ -3429,19 +3126,7 @@
             <a:normAutofit/>
           </a:bodyPr>
           <a:p>
-            <a:pPr>
-              <a:lnSpc>
-                <a:spcPct val="90000"/>
-              </a:lnSpc>
-              <a:spcBef>
-                <a:spcPts val="1417"/>
-              </a:spcBef>
-              <a:buNone/>
-            </a:pPr>
-            <a:endParaRPr b="0" lang="pt-BR" sz="2800" spc="-1" strike="noStrike">
-              <a:solidFill>
-                <a:srgbClr val="000000"/>
-              </a:solidFill>
+            <a:endParaRPr b="0" lang="pt-BR" sz="3200" spc="-1" strike="noStrike">
               <a:latin typeface="Arial"/>
             </a:endParaRPr>
           </a:p>
@@ -3497,10 +3182,10 @@
             <a:noAutofit/>
           </a:bodyPr>
           <a:p>
-            <a:endParaRPr b="0" lang="pt-BR" sz="1800" spc="-1" strike="noStrike">
-              <a:solidFill>
-                <a:srgbClr val="000000"/>
-              </a:solidFill>
+            <a:pPr algn="ctr">
+              <a:buNone/>
+            </a:pPr>
+            <a:endParaRPr b="0" lang="pt-BR" sz="4400" spc="-1" strike="noStrike">
               <a:latin typeface="Arial"/>
             </a:endParaRPr>
           </a:p>
@@ -3534,19 +3219,7 @@
             <a:normAutofit/>
           </a:bodyPr>
           <a:p>
-            <a:pPr>
-              <a:lnSpc>
-                <a:spcPct val="90000"/>
-              </a:lnSpc>
-              <a:spcBef>
-                <a:spcPts val="1417"/>
-              </a:spcBef>
-              <a:buNone/>
-            </a:pPr>
-            <a:endParaRPr b="0" lang="pt-BR" sz="2800" spc="-1" strike="noStrike">
-              <a:solidFill>
-                <a:srgbClr val="000000"/>
-              </a:solidFill>
+            <a:endParaRPr b="0" lang="pt-BR" sz="3200" spc="-1" strike="noStrike">
               <a:latin typeface="Arial"/>
             </a:endParaRPr>
           </a:p>
@@ -3580,19 +3253,7 @@
             <a:normAutofit/>
           </a:bodyPr>
           <a:p>
-            <a:pPr>
-              <a:lnSpc>
-                <a:spcPct val="90000"/>
-              </a:lnSpc>
-              <a:spcBef>
-                <a:spcPts val="1417"/>
-              </a:spcBef>
-              <a:buNone/>
-            </a:pPr>
-            <a:endParaRPr b="0" lang="pt-BR" sz="2800" spc="-1" strike="noStrike">
-              <a:solidFill>
-                <a:srgbClr val="000000"/>
-              </a:solidFill>
+            <a:endParaRPr b="0" lang="pt-BR" sz="3200" spc="-1" strike="noStrike">
               <a:latin typeface="Arial"/>
             </a:endParaRPr>
           </a:p>
@@ -3626,19 +3287,7 @@
             <a:normAutofit/>
           </a:bodyPr>
           <a:p>
-            <a:pPr>
-              <a:lnSpc>
-                <a:spcPct val="90000"/>
-              </a:lnSpc>
-              <a:spcBef>
-                <a:spcPts val="1417"/>
-              </a:spcBef>
-              <a:buNone/>
-            </a:pPr>
-            <a:endParaRPr b="0" lang="pt-BR" sz="2800" spc="-1" strike="noStrike">
-              <a:solidFill>
-                <a:srgbClr val="000000"/>
-              </a:solidFill>
+            <a:endParaRPr b="0" lang="pt-BR" sz="3200" spc="-1" strike="noStrike">
               <a:latin typeface="Arial"/>
             </a:endParaRPr>
           </a:p>
@@ -3672,19 +3321,7 @@
             <a:normAutofit/>
           </a:bodyPr>
           <a:p>
-            <a:pPr>
-              <a:lnSpc>
-                <a:spcPct val="90000"/>
-              </a:lnSpc>
-              <a:spcBef>
-                <a:spcPts val="1417"/>
-              </a:spcBef>
-              <a:buNone/>
-            </a:pPr>
-            <a:endParaRPr b="0" lang="pt-BR" sz="2800" spc="-1" strike="noStrike">
-              <a:solidFill>
-                <a:srgbClr val="000000"/>
-              </a:solidFill>
+            <a:endParaRPr b="0" lang="pt-BR" sz="3200" spc="-1" strike="noStrike">
               <a:latin typeface="Arial"/>
             </a:endParaRPr>
           </a:p>
@@ -3740,10 +3377,10 @@
             <a:noAutofit/>
           </a:bodyPr>
           <a:p>
-            <a:endParaRPr b="0" lang="pt-BR" sz="1800" spc="-1" strike="noStrike">
-              <a:solidFill>
-                <a:srgbClr val="000000"/>
-              </a:solidFill>
+            <a:pPr algn="ctr">
+              <a:buNone/>
+            </a:pPr>
+            <a:endParaRPr b="0" lang="pt-BR" sz="4400" spc="-1" strike="noStrike">
               <a:latin typeface="Arial"/>
             </a:endParaRPr>
           </a:p>
@@ -3777,19 +3414,7 @@
             <a:normAutofit/>
           </a:bodyPr>
           <a:p>
-            <a:pPr>
-              <a:lnSpc>
-                <a:spcPct val="90000"/>
-              </a:lnSpc>
-              <a:spcBef>
-                <a:spcPts val="1417"/>
-              </a:spcBef>
-              <a:buNone/>
-            </a:pPr>
-            <a:endParaRPr b="0" lang="pt-BR" sz="2800" spc="-1" strike="noStrike">
-              <a:solidFill>
-                <a:srgbClr val="000000"/>
-              </a:solidFill>
+            <a:endParaRPr b="0" lang="pt-BR" sz="3200" spc="-1" strike="noStrike">
               <a:latin typeface="Arial"/>
             </a:endParaRPr>
           </a:p>
@@ -3823,19 +3448,7 @@
             <a:normAutofit/>
           </a:bodyPr>
           <a:p>
-            <a:pPr>
-              <a:lnSpc>
-                <a:spcPct val="90000"/>
-              </a:lnSpc>
-              <a:spcBef>
-                <a:spcPts val="1417"/>
-              </a:spcBef>
-              <a:buNone/>
-            </a:pPr>
-            <a:endParaRPr b="0" lang="pt-BR" sz="2800" spc="-1" strike="noStrike">
-              <a:solidFill>
-                <a:srgbClr val="000000"/>
-              </a:solidFill>
+            <a:endParaRPr b="0" lang="pt-BR" sz="3200" spc="-1" strike="noStrike">
               <a:latin typeface="Arial"/>
             </a:endParaRPr>
           </a:p>
@@ -3869,19 +3482,7 @@
             <a:normAutofit/>
           </a:bodyPr>
           <a:p>
-            <a:pPr>
-              <a:lnSpc>
-                <a:spcPct val="90000"/>
-              </a:lnSpc>
-              <a:spcBef>
-                <a:spcPts val="1417"/>
-              </a:spcBef>
-              <a:buNone/>
-            </a:pPr>
-            <a:endParaRPr b="0" lang="pt-BR" sz="2800" spc="-1" strike="noStrike">
-              <a:solidFill>
-                <a:srgbClr val="000000"/>
-              </a:solidFill>
+            <a:endParaRPr b="0" lang="pt-BR" sz="3200" spc="-1" strike="noStrike">
               <a:latin typeface="Arial"/>
             </a:endParaRPr>
           </a:p>
@@ -3915,19 +3516,7 @@
             <a:normAutofit/>
           </a:bodyPr>
           <a:p>
-            <a:pPr>
-              <a:lnSpc>
-                <a:spcPct val="90000"/>
-              </a:lnSpc>
-              <a:spcBef>
-                <a:spcPts val="1417"/>
-              </a:spcBef>
-              <a:buNone/>
-            </a:pPr>
-            <a:endParaRPr b="0" lang="pt-BR" sz="2800" spc="-1" strike="noStrike">
-              <a:solidFill>
-                <a:srgbClr val="000000"/>
-              </a:solidFill>
+            <a:endParaRPr b="0" lang="pt-BR" sz="3200" spc="-1" strike="noStrike">
               <a:latin typeface="Arial"/>
             </a:endParaRPr>
           </a:p>
@@ -3961,19 +3550,7 @@
             <a:normAutofit/>
           </a:bodyPr>
           <a:p>
-            <a:pPr>
-              <a:lnSpc>
-                <a:spcPct val="90000"/>
-              </a:lnSpc>
-              <a:spcBef>
-                <a:spcPts val="1417"/>
-              </a:spcBef>
-              <a:buNone/>
-            </a:pPr>
-            <a:endParaRPr b="0" lang="pt-BR" sz="2800" spc="-1" strike="noStrike">
-              <a:solidFill>
-                <a:srgbClr val="000000"/>
-              </a:solidFill>
+            <a:endParaRPr b="0" lang="pt-BR" sz="3200" spc="-1" strike="noStrike">
               <a:latin typeface="Arial"/>
             </a:endParaRPr>
           </a:p>
@@ -4007,19 +3584,7 @@
             <a:normAutofit/>
           </a:bodyPr>
           <a:p>
-            <a:pPr>
-              <a:lnSpc>
-                <a:spcPct val="90000"/>
-              </a:lnSpc>
-              <a:spcBef>
-                <a:spcPts val="1417"/>
-              </a:spcBef>
-              <a:buNone/>
-            </a:pPr>
-            <a:endParaRPr b="0" lang="pt-BR" sz="2800" spc="-1" strike="noStrike">
-              <a:solidFill>
-                <a:srgbClr val="000000"/>
-              </a:solidFill>
+            <a:endParaRPr b="0" lang="pt-BR" sz="3200" spc="-1" strike="noStrike">
               <a:latin typeface="Arial"/>
             </a:endParaRPr>
           </a:p>
@@ -4097,10 +3662,10 @@
             <a:noAutofit/>
           </a:bodyPr>
           <a:p>
-            <a:endParaRPr b="0" lang="pt-BR" sz="1800" spc="-1" strike="noStrike">
-              <a:solidFill>
-                <a:srgbClr val="000000"/>
-              </a:solidFill>
+            <a:pPr algn="ctr">
+              <a:buNone/>
+            </a:pPr>
+            <a:endParaRPr b="0" lang="pt-BR" sz="4400" spc="-1" strike="noStrike">
               <a:latin typeface="Arial"/>
             </a:endParaRPr>
           </a:p>
@@ -4193,10 +3758,10 @@
             <a:noAutofit/>
           </a:bodyPr>
           <a:p>
-            <a:endParaRPr b="0" lang="pt-BR" sz="1800" spc="-1" strike="noStrike">
-              <a:solidFill>
-                <a:srgbClr val="000000"/>
-              </a:solidFill>
+            <a:pPr algn="ctr">
+              <a:buNone/>
+            </a:pPr>
+            <a:endParaRPr b="0" lang="pt-BR" sz="4400" spc="-1" strike="noStrike">
               <a:latin typeface="Arial"/>
             </a:endParaRPr>
           </a:p>
@@ -4230,19 +3795,7 @@
             <a:normAutofit/>
           </a:bodyPr>
           <a:p>
-            <a:pPr>
-              <a:lnSpc>
-                <a:spcPct val="90000"/>
-              </a:lnSpc>
-              <a:spcBef>
-                <a:spcPts val="1417"/>
-              </a:spcBef>
-              <a:buNone/>
-            </a:pPr>
-            <a:endParaRPr b="0" lang="pt-BR" sz="2800" spc="-1" strike="noStrike">
-              <a:solidFill>
-                <a:srgbClr val="000000"/>
-              </a:solidFill>
+            <a:endParaRPr b="0" lang="pt-BR" sz="3200" spc="-1" strike="noStrike">
               <a:latin typeface="Arial"/>
             </a:endParaRPr>
           </a:p>
@@ -4298,10 +3851,10 @@
             <a:noAutofit/>
           </a:bodyPr>
           <a:p>
-            <a:endParaRPr b="0" lang="pt-BR" sz="1800" spc="-1" strike="noStrike">
-              <a:solidFill>
-                <a:srgbClr val="000000"/>
-              </a:solidFill>
+            <a:pPr algn="ctr">
+              <a:buNone/>
+            </a:pPr>
+            <a:endParaRPr b="0" lang="pt-BR" sz="4400" spc="-1" strike="noStrike">
               <a:latin typeface="Arial"/>
             </a:endParaRPr>
           </a:p>
@@ -4335,19 +3888,7 @@
             <a:normAutofit/>
           </a:bodyPr>
           <a:p>
-            <a:pPr>
-              <a:lnSpc>
-                <a:spcPct val="90000"/>
-              </a:lnSpc>
-              <a:spcBef>
-                <a:spcPts val="1417"/>
-              </a:spcBef>
-              <a:buNone/>
-            </a:pPr>
-            <a:endParaRPr b="0" lang="pt-BR" sz="2800" spc="-1" strike="noStrike">
-              <a:solidFill>
-                <a:srgbClr val="000000"/>
-              </a:solidFill>
+            <a:endParaRPr b="0" lang="pt-BR" sz="3200" spc="-1" strike="noStrike">
               <a:latin typeface="Arial"/>
             </a:endParaRPr>
           </a:p>
@@ -4381,19 +3922,7 @@
             <a:normAutofit/>
           </a:bodyPr>
           <a:p>
-            <a:pPr>
-              <a:lnSpc>
-                <a:spcPct val="90000"/>
-              </a:lnSpc>
-              <a:spcBef>
-                <a:spcPts val="1417"/>
-              </a:spcBef>
-              <a:buNone/>
-            </a:pPr>
-            <a:endParaRPr b="0" lang="pt-BR" sz="2800" spc="-1" strike="noStrike">
-              <a:solidFill>
-                <a:srgbClr val="000000"/>
-              </a:solidFill>
+            <a:endParaRPr b="0" lang="pt-BR" sz="3200" spc="-1" strike="noStrike">
               <a:latin typeface="Arial"/>
             </a:endParaRPr>
           </a:p>
@@ -4449,10 +3978,10 @@
             <a:noAutofit/>
           </a:bodyPr>
           <a:p>
-            <a:endParaRPr b="0" lang="pt-BR" sz="1800" spc="-1" strike="noStrike">
-              <a:solidFill>
-                <a:srgbClr val="000000"/>
-              </a:solidFill>
+            <a:pPr algn="ctr">
+              <a:buNone/>
+            </a:pPr>
+            <a:endParaRPr b="0" lang="pt-BR" sz="4400" spc="-1" strike="noStrike">
               <a:latin typeface="Arial"/>
             </a:endParaRPr>
           </a:p>
@@ -4508,10 +4037,10 @@
             <a:noAutofit/>
           </a:bodyPr>
           <a:p>
-            <a:endParaRPr b="0" lang="pt-BR" sz="1800" spc="-1" strike="noStrike">
-              <a:solidFill>
-                <a:srgbClr val="000000"/>
-              </a:solidFill>
+            <a:pPr algn="ctr">
+              <a:buNone/>
+            </a:pPr>
+            <a:endParaRPr b="0" lang="pt-BR" sz="4400" spc="-1" strike="noStrike">
               <a:latin typeface="Arial"/>
             </a:endParaRPr>
           </a:p>
@@ -4545,19 +4074,7 @@
             <a:normAutofit/>
           </a:bodyPr>
           <a:p>
-            <a:pPr>
-              <a:lnSpc>
-                <a:spcPct val="90000"/>
-              </a:lnSpc>
-              <a:spcBef>
-                <a:spcPts val="1417"/>
-              </a:spcBef>
-              <a:buNone/>
-            </a:pPr>
-            <a:endParaRPr b="0" lang="pt-BR" sz="2800" spc="-1" strike="noStrike">
-              <a:solidFill>
-                <a:srgbClr val="000000"/>
-              </a:solidFill>
+            <a:endParaRPr b="0" lang="pt-BR" sz="3200" spc="-1" strike="noStrike">
               <a:latin typeface="Arial"/>
             </a:endParaRPr>
           </a:p>
@@ -4672,10 +4189,10 @@
             <a:noAutofit/>
           </a:bodyPr>
           <a:p>
-            <a:endParaRPr b="0" lang="pt-BR" sz="1800" spc="-1" strike="noStrike">
-              <a:solidFill>
-                <a:srgbClr val="000000"/>
-              </a:solidFill>
+            <a:pPr algn="ctr">
+              <a:buNone/>
+            </a:pPr>
+            <a:endParaRPr b="0" lang="pt-BR" sz="4400" spc="-1" strike="noStrike">
               <a:latin typeface="Arial"/>
             </a:endParaRPr>
           </a:p>
@@ -4709,19 +4226,7 @@
             <a:normAutofit/>
           </a:bodyPr>
           <a:p>
-            <a:pPr>
-              <a:lnSpc>
-                <a:spcPct val="90000"/>
-              </a:lnSpc>
-              <a:spcBef>
-                <a:spcPts val="1417"/>
-              </a:spcBef>
-              <a:buNone/>
-            </a:pPr>
-            <a:endParaRPr b="0" lang="pt-BR" sz="2800" spc="-1" strike="noStrike">
-              <a:solidFill>
-                <a:srgbClr val="000000"/>
-              </a:solidFill>
+            <a:endParaRPr b="0" lang="pt-BR" sz="3200" spc="-1" strike="noStrike">
               <a:latin typeface="Arial"/>
             </a:endParaRPr>
           </a:p>
@@ -4755,19 +4260,7 @@
             <a:normAutofit/>
           </a:bodyPr>
           <a:p>
-            <a:pPr>
-              <a:lnSpc>
-                <a:spcPct val="90000"/>
-              </a:lnSpc>
-              <a:spcBef>
-                <a:spcPts val="1417"/>
-              </a:spcBef>
-              <a:buNone/>
-            </a:pPr>
-            <a:endParaRPr b="0" lang="pt-BR" sz="2800" spc="-1" strike="noStrike">
-              <a:solidFill>
-                <a:srgbClr val="000000"/>
-              </a:solidFill>
+            <a:endParaRPr b="0" lang="pt-BR" sz="3200" spc="-1" strike="noStrike">
               <a:latin typeface="Arial"/>
             </a:endParaRPr>
           </a:p>
@@ -4801,19 +4294,7 @@
             <a:normAutofit/>
           </a:bodyPr>
           <a:p>
-            <a:pPr>
-              <a:lnSpc>
-                <a:spcPct val="90000"/>
-              </a:lnSpc>
-              <a:spcBef>
-                <a:spcPts val="1417"/>
-              </a:spcBef>
-              <a:buNone/>
-            </a:pPr>
-            <a:endParaRPr b="0" lang="pt-BR" sz="2800" spc="-1" strike="noStrike">
-              <a:solidFill>
-                <a:srgbClr val="000000"/>
-              </a:solidFill>
+            <a:endParaRPr b="0" lang="pt-BR" sz="3200" spc="-1" strike="noStrike">
               <a:latin typeface="Arial"/>
             </a:endParaRPr>
           </a:p>
@@ -4869,10 +4350,10 @@
             <a:noAutofit/>
           </a:bodyPr>
           <a:p>
-            <a:endParaRPr b="0" lang="pt-BR" sz="1800" spc="-1" strike="noStrike">
-              <a:solidFill>
-                <a:srgbClr val="000000"/>
-              </a:solidFill>
+            <a:pPr algn="ctr">
+              <a:buNone/>
+            </a:pPr>
+            <a:endParaRPr b="0" lang="pt-BR" sz="4400" spc="-1" strike="noStrike">
               <a:latin typeface="Arial"/>
             </a:endParaRPr>
           </a:p>
@@ -4906,19 +4387,7 @@
             <a:normAutofit/>
           </a:bodyPr>
           <a:p>
-            <a:pPr>
-              <a:lnSpc>
-                <a:spcPct val="90000"/>
-              </a:lnSpc>
-              <a:spcBef>
-                <a:spcPts val="1417"/>
-              </a:spcBef>
-              <a:buNone/>
-            </a:pPr>
-            <a:endParaRPr b="0" lang="pt-BR" sz="2800" spc="-1" strike="noStrike">
-              <a:solidFill>
-                <a:srgbClr val="000000"/>
-              </a:solidFill>
+            <a:endParaRPr b="0" lang="pt-BR" sz="3200" spc="-1" strike="noStrike">
               <a:latin typeface="Arial"/>
             </a:endParaRPr>
           </a:p>
@@ -4952,19 +4421,7 @@
             <a:normAutofit/>
           </a:bodyPr>
           <a:p>
-            <a:pPr>
-              <a:lnSpc>
-                <a:spcPct val="90000"/>
-              </a:lnSpc>
-              <a:spcBef>
-                <a:spcPts val="1417"/>
-              </a:spcBef>
-              <a:buNone/>
-            </a:pPr>
-            <a:endParaRPr b="0" lang="pt-BR" sz="2800" spc="-1" strike="noStrike">
-              <a:solidFill>
-                <a:srgbClr val="000000"/>
-              </a:solidFill>
+            <a:endParaRPr b="0" lang="pt-BR" sz="3200" spc="-1" strike="noStrike">
               <a:latin typeface="Arial"/>
             </a:endParaRPr>
           </a:p>
@@ -4998,19 +4455,7 @@
             <a:normAutofit/>
           </a:bodyPr>
           <a:p>
-            <a:pPr>
-              <a:lnSpc>
-                <a:spcPct val="90000"/>
-              </a:lnSpc>
-              <a:spcBef>
-                <a:spcPts val="1417"/>
-              </a:spcBef>
-              <a:buNone/>
-            </a:pPr>
-            <a:endParaRPr b="0" lang="pt-BR" sz="2800" spc="-1" strike="noStrike">
-              <a:solidFill>
-                <a:srgbClr val="000000"/>
-              </a:solidFill>
+            <a:endParaRPr b="0" lang="pt-BR" sz="3200" spc="-1" strike="noStrike">
               <a:latin typeface="Arial"/>
             </a:endParaRPr>
           </a:p>
@@ -5066,10 +4511,10 @@
             <a:noAutofit/>
           </a:bodyPr>
           <a:p>
-            <a:endParaRPr b="0" lang="pt-BR" sz="1800" spc="-1" strike="noStrike">
-              <a:solidFill>
-                <a:srgbClr val="000000"/>
-              </a:solidFill>
+            <a:pPr algn="ctr">
+              <a:buNone/>
+            </a:pPr>
+            <a:endParaRPr b="0" lang="pt-BR" sz="4400" spc="-1" strike="noStrike">
               <a:latin typeface="Arial"/>
             </a:endParaRPr>
           </a:p>
@@ -5103,19 +4548,7 @@
             <a:normAutofit/>
           </a:bodyPr>
           <a:p>
-            <a:pPr>
-              <a:lnSpc>
-                <a:spcPct val="90000"/>
-              </a:lnSpc>
-              <a:spcBef>
-                <a:spcPts val="1417"/>
-              </a:spcBef>
-              <a:buNone/>
-            </a:pPr>
-            <a:endParaRPr b="0" lang="pt-BR" sz="2800" spc="-1" strike="noStrike">
-              <a:solidFill>
-                <a:srgbClr val="000000"/>
-              </a:solidFill>
+            <a:endParaRPr b="0" lang="pt-BR" sz="3200" spc="-1" strike="noStrike">
               <a:latin typeface="Arial"/>
             </a:endParaRPr>
           </a:p>
@@ -5149,19 +4582,7 @@
             <a:normAutofit/>
           </a:bodyPr>
           <a:p>
-            <a:pPr>
-              <a:lnSpc>
-                <a:spcPct val="90000"/>
-              </a:lnSpc>
-              <a:spcBef>
-                <a:spcPts val="1417"/>
-              </a:spcBef>
-              <a:buNone/>
-            </a:pPr>
-            <a:endParaRPr b="0" lang="pt-BR" sz="2800" spc="-1" strike="noStrike">
-              <a:solidFill>
-                <a:srgbClr val="000000"/>
-              </a:solidFill>
+            <a:endParaRPr b="0" lang="pt-BR" sz="3200" spc="-1" strike="noStrike">
               <a:latin typeface="Arial"/>
             </a:endParaRPr>
           </a:p>
@@ -5195,19 +4616,7 @@
             <a:normAutofit/>
           </a:bodyPr>
           <a:p>
-            <a:pPr>
-              <a:lnSpc>
-                <a:spcPct val="90000"/>
-              </a:lnSpc>
-              <a:spcBef>
-                <a:spcPts val="1417"/>
-              </a:spcBef>
-              <a:buNone/>
-            </a:pPr>
-            <a:endParaRPr b="0" lang="pt-BR" sz="2800" spc="-1" strike="noStrike">
-              <a:solidFill>
-                <a:srgbClr val="000000"/>
-              </a:solidFill>
+            <a:endParaRPr b="0" lang="pt-BR" sz="3200" spc="-1" strike="noStrike">
               <a:latin typeface="Arial"/>
             </a:endParaRPr>
           </a:p>
@@ -5263,10 +4672,10 @@
             <a:noAutofit/>
           </a:bodyPr>
           <a:p>
-            <a:endParaRPr b="0" lang="pt-BR" sz="1800" spc="-1" strike="noStrike">
-              <a:solidFill>
-                <a:srgbClr val="000000"/>
-              </a:solidFill>
+            <a:pPr algn="ctr">
+              <a:buNone/>
+            </a:pPr>
+            <a:endParaRPr b="0" lang="pt-BR" sz="4400" spc="-1" strike="noStrike">
               <a:latin typeface="Arial"/>
             </a:endParaRPr>
           </a:p>
@@ -5300,19 +4709,7 @@
             <a:normAutofit/>
           </a:bodyPr>
           <a:p>
-            <a:pPr>
-              <a:lnSpc>
-                <a:spcPct val="90000"/>
-              </a:lnSpc>
-              <a:spcBef>
-                <a:spcPts val="1417"/>
-              </a:spcBef>
-              <a:buNone/>
-            </a:pPr>
-            <a:endParaRPr b="0" lang="pt-BR" sz="2800" spc="-1" strike="noStrike">
-              <a:solidFill>
-                <a:srgbClr val="000000"/>
-              </a:solidFill>
+            <a:endParaRPr b="0" lang="pt-BR" sz="3200" spc="-1" strike="noStrike">
               <a:latin typeface="Arial"/>
             </a:endParaRPr>
           </a:p>
@@ -5346,19 +4743,7 @@
             <a:normAutofit/>
           </a:bodyPr>
           <a:p>
-            <a:pPr>
-              <a:lnSpc>
-                <a:spcPct val="90000"/>
-              </a:lnSpc>
-              <a:spcBef>
-                <a:spcPts val="1417"/>
-              </a:spcBef>
-              <a:buNone/>
-            </a:pPr>
-            <a:endParaRPr b="0" lang="pt-BR" sz="2800" spc="-1" strike="noStrike">
-              <a:solidFill>
-                <a:srgbClr val="000000"/>
-              </a:solidFill>
+            <a:endParaRPr b="0" lang="pt-BR" sz="3200" spc="-1" strike="noStrike">
               <a:latin typeface="Arial"/>
             </a:endParaRPr>
           </a:p>
@@ -5414,10 +4799,10 @@
             <a:noAutofit/>
           </a:bodyPr>
           <a:p>
-            <a:endParaRPr b="0" lang="pt-BR" sz="1800" spc="-1" strike="noStrike">
-              <a:solidFill>
-                <a:srgbClr val="000000"/>
-              </a:solidFill>
+            <a:pPr algn="ctr">
+              <a:buNone/>
+            </a:pPr>
+            <a:endParaRPr b="0" lang="pt-BR" sz="4400" spc="-1" strike="noStrike">
               <a:latin typeface="Arial"/>
             </a:endParaRPr>
           </a:p>
@@ -5451,19 +4836,7 @@
             <a:normAutofit/>
           </a:bodyPr>
           <a:p>
-            <a:pPr>
-              <a:lnSpc>
-                <a:spcPct val="90000"/>
-              </a:lnSpc>
-              <a:spcBef>
-                <a:spcPts val="1417"/>
-              </a:spcBef>
-              <a:buNone/>
-            </a:pPr>
-            <a:endParaRPr b="0" lang="pt-BR" sz="2800" spc="-1" strike="noStrike">
-              <a:solidFill>
-                <a:srgbClr val="000000"/>
-              </a:solidFill>
+            <a:endParaRPr b="0" lang="pt-BR" sz="3200" spc="-1" strike="noStrike">
               <a:latin typeface="Arial"/>
             </a:endParaRPr>
           </a:p>
@@ -5497,19 +4870,7 @@
             <a:normAutofit/>
           </a:bodyPr>
           <a:p>
-            <a:pPr>
-              <a:lnSpc>
-                <a:spcPct val="90000"/>
-              </a:lnSpc>
-              <a:spcBef>
-                <a:spcPts val="1417"/>
-              </a:spcBef>
-              <a:buNone/>
-            </a:pPr>
-            <a:endParaRPr b="0" lang="pt-BR" sz="2800" spc="-1" strike="noStrike">
-              <a:solidFill>
-                <a:srgbClr val="000000"/>
-              </a:solidFill>
+            <a:endParaRPr b="0" lang="pt-BR" sz="3200" spc="-1" strike="noStrike">
               <a:latin typeface="Arial"/>
             </a:endParaRPr>
           </a:p>
@@ -5543,19 +4904,7 @@
             <a:normAutofit/>
           </a:bodyPr>
           <a:p>
-            <a:pPr>
-              <a:lnSpc>
-                <a:spcPct val="90000"/>
-              </a:lnSpc>
-              <a:spcBef>
-                <a:spcPts val="1417"/>
-              </a:spcBef>
-              <a:buNone/>
-            </a:pPr>
-            <a:endParaRPr b="0" lang="pt-BR" sz="2800" spc="-1" strike="noStrike">
-              <a:solidFill>
-                <a:srgbClr val="000000"/>
-              </a:solidFill>
+            <a:endParaRPr b="0" lang="pt-BR" sz="3200" spc="-1" strike="noStrike">
               <a:latin typeface="Arial"/>
             </a:endParaRPr>
           </a:p>
@@ -5589,19 +4938,7 @@
             <a:normAutofit/>
           </a:bodyPr>
           <a:p>
-            <a:pPr>
-              <a:lnSpc>
-                <a:spcPct val="90000"/>
-              </a:lnSpc>
-              <a:spcBef>
-                <a:spcPts val="1417"/>
-              </a:spcBef>
-              <a:buNone/>
-            </a:pPr>
-            <a:endParaRPr b="0" lang="pt-BR" sz="2800" spc="-1" strike="noStrike">
-              <a:solidFill>
-                <a:srgbClr val="000000"/>
-              </a:solidFill>
+            <a:endParaRPr b="0" lang="pt-BR" sz="3200" spc="-1" strike="noStrike">
               <a:latin typeface="Arial"/>
             </a:endParaRPr>
           </a:p>
@@ -5657,10 +4994,10 @@
             <a:noAutofit/>
           </a:bodyPr>
           <a:p>
-            <a:endParaRPr b="0" lang="pt-BR" sz="1800" spc="-1" strike="noStrike">
-              <a:solidFill>
-                <a:srgbClr val="000000"/>
-              </a:solidFill>
+            <a:pPr algn="ctr">
+              <a:buNone/>
+            </a:pPr>
+            <a:endParaRPr b="0" lang="pt-BR" sz="4400" spc="-1" strike="noStrike">
               <a:latin typeface="Arial"/>
             </a:endParaRPr>
           </a:p>
@@ -5694,19 +5031,7 @@
             <a:normAutofit/>
           </a:bodyPr>
           <a:p>
-            <a:pPr>
-              <a:lnSpc>
-                <a:spcPct val="90000"/>
-              </a:lnSpc>
-              <a:spcBef>
-                <a:spcPts val="1417"/>
-              </a:spcBef>
-              <a:buNone/>
-            </a:pPr>
-            <a:endParaRPr b="0" lang="pt-BR" sz="2800" spc="-1" strike="noStrike">
-              <a:solidFill>
-                <a:srgbClr val="000000"/>
-              </a:solidFill>
+            <a:endParaRPr b="0" lang="pt-BR" sz="3200" spc="-1" strike="noStrike">
               <a:latin typeface="Arial"/>
             </a:endParaRPr>
           </a:p>
@@ -5740,19 +5065,7 @@
             <a:normAutofit/>
           </a:bodyPr>
           <a:p>
-            <a:pPr>
-              <a:lnSpc>
-                <a:spcPct val="90000"/>
-              </a:lnSpc>
-              <a:spcBef>
-                <a:spcPts val="1417"/>
-              </a:spcBef>
-              <a:buNone/>
-            </a:pPr>
-            <a:endParaRPr b="0" lang="pt-BR" sz="2800" spc="-1" strike="noStrike">
-              <a:solidFill>
-                <a:srgbClr val="000000"/>
-              </a:solidFill>
+            <a:endParaRPr b="0" lang="pt-BR" sz="3200" spc="-1" strike="noStrike">
               <a:latin typeface="Arial"/>
             </a:endParaRPr>
           </a:p>
@@ -5786,19 +5099,7 @@
             <a:normAutofit/>
           </a:bodyPr>
           <a:p>
-            <a:pPr>
-              <a:lnSpc>
-                <a:spcPct val="90000"/>
-              </a:lnSpc>
-              <a:spcBef>
-                <a:spcPts val="1417"/>
-              </a:spcBef>
-              <a:buNone/>
-            </a:pPr>
-            <a:endParaRPr b="0" lang="pt-BR" sz="2800" spc="-1" strike="noStrike">
-              <a:solidFill>
-                <a:srgbClr val="000000"/>
-              </a:solidFill>
+            <a:endParaRPr b="0" lang="pt-BR" sz="3200" spc="-1" strike="noStrike">
               <a:latin typeface="Arial"/>
             </a:endParaRPr>
           </a:p>
@@ -5832,19 +5133,7 @@
             <a:normAutofit/>
           </a:bodyPr>
           <a:p>
-            <a:pPr>
-              <a:lnSpc>
-                <a:spcPct val="90000"/>
-              </a:lnSpc>
-              <a:spcBef>
-                <a:spcPts val="1417"/>
-              </a:spcBef>
-              <a:buNone/>
-            </a:pPr>
-            <a:endParaRPr b="0" lang="pt-BR" sz="2800" spc="-1" strike="noStrike">
-              <a:solidFill>
-                <a:srgbClr val="000000"/>
-              </a:solidFill>
+            <a:endParaRPr b="0" lang="pt-BR" sz="3200" spc="-1" strike="noStrike">
               <a:latin typeface="Arial"/>
             </a:endParaRPr>
           </a:p>
@@ -5878,19 +5167,7 @@
             <a:normAutofit/>
           </a:bodyPr>
           <a:p>
-            <a:pPr>
-              <a:lnSpc>
-                <a:spcPct val="90000"/>
-              </a:lnSpc>
-              <a:spcBef>
-                <a:spcPts val="1417"/>
-              </a:spcBef>
-              <a:buNone/>
-            </a:pPr>
-            <a:endParaRPr b="0" lang="pt-BR" sz="2800" spc="-1" strike="noStrike">
-              <a:solidFill>
-                <a:srgbClr val="000000"/>
-              </a:solidFill>
+            <a:endParaRPr b="0" lang="pt-BR" sz="3200" spc="-1" strike="noStrike">
               <a:latin typeface="Arial"/>
             </a:endParaRPr>
           </a:p>
@@ -5924,19 +5201,7 @@
             <a:normAutofit/>
           </a:bodyPr>
           <a:p>
-            <a:pPr>
-              <a:lnSpc>
-                <a:spcPct val="90000"/>
-              </a:lnSpc>
-              <a:spcBef>
-                <a:spcPts val="1417"/>
-              </a:spcBef>
-              <a:buNone/>
-            </a:pPr>
-            <a:endParaRPr b="0" lang="pt-BR" sz="2800" spc="-1" strike="noStrike">
-              <a:solidFill>
-                <a:srgbClr val="000000"/>
-              </a:solidFill>
+            <a:endParaRPr b="0" lang="pt-BR" sz="3200" spc="-1" strike="noStrike">
               <a:latin typeface="Arial"/>
             </a:endParaRPr>
           </a:p>
@@ -6014,10 +5279,10 @@
             <a:noAutofit/>
           </a:bodyPr>
           <a:p>
-            <a:endParaRPr b="0" lang="pt-BR" sz="1800" spc="-1" strike="noStrike">
-              <a:solidFill>
-                <a:srgbClr val="000000"/>
-              </a:solidFill>
+            <a:pPr algn="ctr">
+              <a:buNone/>
+            </a:pPr>
+            <a:endParaRPr b="0" lang="pt-BR" sz="4400" spc="-1" strike="noStrike">
               <a:latin typeface="Arial"/>
             </a:endParaRPr>
           </a:p>
@@ -6110,10 +5375,10 @@
             <a:noAutofit/>
           </a:bodyPr>
           <a:p>
-            <a:endParaRPr b="0" lang="pt-BR" sz="1800" spc="-1" strike="noStrike">
-              <a:solidFill>
-                <a:srgbClr val="000000"/>
-              </a:solidFill>
+            <a:pPr algn="ctr">
+              <a:buNone/>
+            </a:pPr>
+            <a:endParaRPr b="0" lang="pt-BR" sz="4400" spc="-1" strike="noStrike">
               <a:latin typeface="Arial"/>
             </a:endParaRPr>
           </a:p>
@@ -6147,19 +5412,7 @@
             <a:normAutofit/>
           </a:bodyPr>
           <a:p>
-            <a:pPr>
-              <a:lnSpc>
-                <a:spcPct val="90000"/>
-              </a:lnSpc>
-              <a:spcBef>
-                <a:spcPts val="1417"/>
-              </a:spcBef>
-              <a:buNone/>
-            </a:pPr>
-            <a:endParaRPr b="0" lang="pt-BR" sz="2800" spc="-1" strike="noStrike">
-              <a:solidFill>
-                <a:srgbClr val="000000"/>
-              </a:solidFill>
+            <a:endParaRPr b="0" lang="pt-BR" sz="3200" spc="-1" strike="noStrike">
               <a:latin typeface="Arial"/>
             </a:endParaRPr>
           </a:p>
@@ -6215,10 +5468,10 @@
             <a:noAutofit/>
           </a:bodyPr>
           <a:p>
-            <a:endParaRPr b="0" lang="pt-BR" sz="1800" spc="-1" strike="noStrike">
-              <a:solidFill>
-                <a:srgbClr val="000000"/>
-              </a:solidFill>
+            <a:pPr algn="ctr">
+              <a:buNone/>
+            </a:pPr>
+            <a:endParaRPr b="0" lang="pt-BR" sz="4400" spc="-1" strike="noStrike">
               <a:latin typeface="Arial"/>
             </a:endParaRPr>
           </a:p>
@@ -6252,19 +5505,7 @@
             <a:normAutofit/>
           </a:bodyPr>
           <a:p>
-            <a:pPr>
-              <a:lnSpc>
-                <a:spcPct val="90000"/>
-              </a:lnSpc>
-              <a:spcBef>
-                <a:spcPts val="1417"/>
-              </a:spcBef>
-              <a:buNone/>
-            </a:pPr>
-            <a:endParaRPr b="0" lang="pt-BR" sz="2800" spc="-1" strike="noStrike">
-              <a:solidFill>
-                <a:srgbClr val="000000"/>
-              </a:solidFill>
+            <a:endParaRPr b="0" lang="pt-BR" sz="3200" spc="-1" strike="noStrike">
               <a:latin typeface="Arial"/>
             </a:endParaRPr>
           </a:p>
@@ -6298,19 +5539,7 @@
             <a:normAutofit/>
           </a:bodyPr>
           <a:p>
-            <a:pPr>
-              <a:lnSpc>
-                <a:spcPct val="90000"/>
-              </a:lnSpc>
-              <a:spcBef>
-                <a:spcPts val="1417"/>
-              </a:spcBef>
-              <a:buNone/>
-            </a:pPr>
-            <a:endParaRPr b="0" lang="pt-BR" sz="2800" spc="-1" strike="noStrike">
-              <a:solidFill>
-                <a:srgbClr val="000000"/>
-              </a:solidFill>
+            <a:endParaRPr b="0" lang="pt-BR" sz="3200" spc="-1" strike="noStrike">
               <a:latin typeface="Arial"/>
             </a:endParaRPr>
           </a:p>
@@ -6366,10 +5595,10 @@
             <a:noAutofit/>
           </a:bodyPr>
           <a:p>
-            <a:endParaRPr b="0" lang="pt-BR" sz="1800" spc="-1" strike="noStrike">
-              <a:solidFill>
-                <a:srgbClr val="000000"/>
-              </a:solidFill>
+            <a:pPr algn="ctr">
+              <a:buNone/>
+            </a:pPr>
+            <a:endParaRPr b="0" lang="pt-BR" sz="4400" spc="-1" strike="noStrike">
               <a:latin typeface="Arial"/>
             </a:endParaRPr>
           </a:p>
@@ -6403,19 +5632,7 @@
             <a:normAutofit/>
           </a:bodyPr>
           <a:p>
-            <a:pPr>
-              <a:lnSpc>
-                <a:spcPct val="90000"/>
-              </a:lnSpc>
-              <a:spcBef>
-                <a:spcPts val="1417"/>
-              </a:spcBef>
-              <a:buNone/>
-            </a:pPr>
-            <a:endParaRPr b="0" lang="pt-BR" sz="2800" spc="-1" strike="noStrike">
-              <a:solidFill>
-                <a:srgbClr val="000000"/>
-              </a:solidFill>
+            <a:endParaRPr b="0" lang="pt-BR" sz="3200" spc="-1" strike="noStrike">
               <a:latin typeface="Arial"/>
             </a:endParaRPr>
           </a:p>
@@ -6449,19 +5666,7 @@
             <a:normAutofit/>
           </a:bodyPr>
           <a:p>
-            <a:pPr>
-              <a:lnSpc>
-                <a:spcPct val="90000"/>
-              </a:lnSpc>
-              <a:spcBef>
-                <a:spcPts val="1417"/>
-              </a:spcBef>
-              <a:buNone/>
-            </a:pPr>
-            <a:endParaRPr b="0" lang="pt-BR" sz="2800" spc="-1" strike="noStrike">
-              <a:solidFill>
-                <a:srgbClr val="000000"/>
-              </a:solidFill>
+            <a:endParaRPr b="0" lang="pt-BR" sz="3200" spc="-1" strike="noStrike">
               <a:latin typeface="Arial"/>
             </a:endParaRPr>
           </a:p>
@@ -6517,10 +5722,10 @@
             <a:noAutofit/>
           </a:bodyPr>
           <a:p>
-            <a:endParaRPr b="0" lang="pt-BR" sz="1800" spc="-1" strike="noStrike">
-              <a:solidFill>
-                <a:srgbClr val="000000"/>
-              </a:solidFill>
+            <a:pPr algn="ctr">
+              <a:buNone/>
+            </a:pPr>
+            <a:endParaRPr b="0" lang="pt-BR" sz="4400" spc="-1" strike="noStrike">
               <a:latin typeface="Arial"/>
             </a:endParaRPr>
           </a:p>
@@ -6635,10 +5840,10 @@
             <a:noAutofit/>
           </a:bodyPr>
           <a:p>
-            <a:endParaRPr b="0" lang="pt-BR" sz="1800" spc="-1" strike="noStrike">
-              <a:solidFill>
-                <a:srgbClr val="000000"/>
-              </a:solidFill>
+            <a:pPr algn="ctr">
+              <a:buNone/>
+            </a:pPr>
+            <a:endParaRPr b="0" lang="pt-BR" sz="4400" spc="-1" strike="noStrike">
               <a:latin typeface="Arial"/>
             </a:endParaRPr>
           </a:p>
@@ -6672,19 +5877,7 @@
             <a:normAutofit/>
           </a:bodyPr>
           <a:p>
-            <a:pPr>
-              <a:lnSpc>
-                <a:spcPct val="90000"/>
-              </a:lnSpc>
-              <a:spcBef>
-                <a:spcPts val="1417"/>
-              </a:spcBef>
-              <a:buNone/>
-            </a:pPr>
-            <a:endParaRPr b="0" lang="pt-BR" sz="2800" spc="-1" strike="noStrike">
-              <a:solidFill>
-                <a:srgbClr val="000000"/>
-              </a:solidFill>
+            <a:endParaRPr b="0" lang="pt-BR" sz="3200" spc="-1" strike="noStrike">
               <a:latin typeface="Arial"/>
             </a:endParaRPr>
           </a:p>
@@ -6718,19 +5911,7 @@
             <a:normAutofit/>
           </a:bodyPr>
           <a:p>
-            <a:pPr>
-              <a:lnSpc>
-                <a:spcPct val="90000"/>
-              </a:lnSpc>
-              <a:spcBef>
-                <a:spcPts val="1417"/>
-              </a:spcBef>
-              <a:buNone/>
-            </a:pPr>
-            <a:endParaRPr b="0" lang="pt-BR" sz="2800" spc="-1" strike="noStrike">
-              <a:solidFill>
-                <a:srgbClr val="000000"/>
-              </a:solidFill>
+            <a:endParaRPr b="0" lang="pt-BR" sz="3200" spc="-1" strike="noStrike">
               <a:latin typeface="Arial"/>
             </a:endParaRPr>
           </a:p>
@@ -6764,19 +5945,7 @@
             <a:normAutofit/>
           </a:bodyPr>
           <a:p>
-            <a:pPr>
-              <a:lnSpc>
-                <a:spcPct val="90000"/>
-              </a:lnSpc>
-              <a:spcBef>
-                <a:spcPts val="1417"/>
-              </a:spcBef>
-              <a:buNone/>
-            </a:pPr>
-            <a:endParaRPr b="0" lang="pt-BR" sz="2800" spc="-1" strike="noStrike">
-              <a:solidFill>
-                <a:srgbClr val="000000"/>
-              </a:solidFill>
+            <a:endParaRPr b="0" lang="pt-BR" sz="3200" spc="-1" strike="noStrike">
               <a:latin typeface="Arial"/>
             </a:endParaRPr>
           </a:p>
@@ -6832,10 +6001,10 @@
             <a:noAutofit/>
           </a:bodyPr>
           <a:p>
-            <a:endParaRPr b="0" lang="pt-BR" sz="1800" spc="-1" strike="noStrike">
-              <a:solidFill>
-                <a:srgbClr val="000000"/>
-              </a:solidFill>
+            <a:pPr algn="ctr">
+              <a:buNone/>
+            </a:pPr>
+            <a:endParaRPr b="0" lang="pt-BR" sz="4400" spc="-1" strike="noStrike">
               <a:latin typeface="Arial"/>
             </a:endParaRPr>
           </a:p>
@@ -6869,19 +6038,7 @@
             <a:normAutofit/>
           </a:bodyPr>
           <a:p>
-            <a:pPr>
-              <a:lnSpc>
-                <a:spcPct val="90000"/>
-              </a:lnSpc>
-              <a:spcBef>
-                <a:spcPts val="1417"/>
-              </a:spcBef>
-              <a:buNone/>
-            </a:pPr>
-            <a:endParaRPr b="0" lang="pt-BR" sz="2800" spc="-1" strike="noStrike">
-              <a:solidFill>
-                <a:srgbClr val="000000"/>
-              </a:solidFill>
+            <a:endParaRPr b="0" lang="pt-BR" sz="3200" spc="-1" strike="noStrike">
               <a:latin typeface="Arial"/>
             </a:endParaRPr>
           </a:p>
@@ -6915,19 +6072,7 @@
             <a:normAutofit/>
           </a:bodyPr>
           <a:p>
-            <a:pPr>
-              <a:lnSpc>
-                <a:spcPct val="90000"/>
-              </a:lnSpc>
-              <a:spcBef>
-                <a:spcPts val="1417"/>
-              </a:spcBef>
-              <a:buNone/>
-            </a:pPr>
-            <a:endParaRPr b="0" lang="pt-BR" sz="2800" spc="-1" strike="noStrike">
-              <a:solidFill>
-                <a:srgbClr val="000000"/>
-              </a:solidFill>
+            <a:endParaRPr b="0" lang="pt-BR" sz="3200" spc="-1" strike="noStrike">
               <a:latin typeface="Arial"/>
             </a:endParaRPr>
           </a:p>
@@ -6961,19 +6106,7 @@
             <a:normAutofit/>
           </a:bodyPr>
           <a:p>
-            <a:pPr>
-              <a:lnSpc>
-                <a:spcPct val="90000"/>
-              </a:lnSpc>
-              <a:spcBef>
-                <a:spcPts val="1417"/>
-              </a:spcBef>
-              <a:buNone/>
-            </a:pPr>
-            <a:endParaRPr b="0" lang="pt-BR" sz="2800" spc="-1" strike="noStrike">
-              <a:solidFill>
-                <a:srgbClr val="000000"/>
-              </a:solidFill>
+            <a:endParaRPr b="0" lang="pt-BR" sz="3200" spc="-1" strike="noStrike">
               <a:latin typeface="Arial"/>
             </a:endParaRPr>
           </a:p>
@@ -7029,10 +6162,10 @@
             <a:noAutofit/>
           </a:bodyPr>
           <a:p>
-            <a:endParaRPr b="0" lang="pt-BR" sz="1800" spc="-1" strike="noStrike">
-              <a:solidFill>
-                <a:srgbClr val="000000"/>
-              </a:solidFill>
+            <a:pPr algn="ctr">
+              <a:buNone/>
+            </a:pPr>
+            <a:endParaRPr b="0" lang="pt-BR" sz="4400" spc="-1" strike="noStrike">
               <a:latin typeface="Arial"/>
             </a:endParaRPr>
           </a:p>
@@ -7066,19 +6199,7 @@
             <a:normAutofit/>
           </a:bodyPr>
           <a:p>
-            <a:pPr>
-              <a:lnSpc>
-                <a:spcPct val="90000"/>
-              </a:lnSpc>
-              <a:spcBef>
-                <a:spcPts val="1417"/>
-              </a:spcBef>
-              <a:buNone/>
-            </a:pPr>
-            <a:endParaRPr b="0" lang="pt-BR" sz="2800" spc="-1" strike="noStrike">
-              <a:solidFill>
-                <a:srgbClr val="000000"/>
-              </a:solidFill>
+            <a:endParaRPr b="0" lang="pt-BR" sz="3200" spc="-1" strike="noStrike">
               <a:latin typeface="Arial"/>
             </a:endParaRPr>
           </a:p>
@@ -7112,19 +6233,7 @@
             <a:normAutofit/>
           </a:bodyPr>
           <a:p>
-            <a:pPr>
-              <a:lnSpc>
-                <a:spcPct val="90000"/>
-              </a:lnSpc>
-              <a:spcBef>
-                <a:spcPts val="1417"/>
-              </a:spcBef>
-              <a:buNone/>
-            </a:pPr>
-            <a:endParaRPr b="0" lang="pt-BR" sz="2800" spc="-1" strike="noStrike">
-              <a:solidFill>
-                <a:srgbClr val="000000"/>
-              </a:solidFill>
+            <a:endParaRPr b="0" lang="pt-BR" sz="3200" spc="-1" strike="noStrike">
               <a:latin typeface="Arial"/>
             </a:endParaRPr>
           </a:p>
@@ -7158,19 +6267,7 @@
             <a:normAutofit/>
           </a:bodyPr>
           <a:p>
-            <a:pPr>
-              <a:lnSpc>
-                <a:spcPct val="90000"/>
-              </a:lnSpc>
-              <a:spcBef>
-                <a:spcPts val="1417"/>
-              </a:spcBef>
-              <a:buNone/>
-            </a:pPr>
-            <a:endParaRPr b="0" lang="pt-BR" sz="2800" spc="-1" strike="noStrike">
-              <a:solidFill>
-                <a:srgbClr val="000000"/>
-              </a:solidFill>
+            <a:endParaRPr b="0" lang="pt-BR" sz="3200" spc="-1" strike="noStrike">
               <a:latin typeface="Arial"/>
             </a:endParaRPr>
           </a:p>
@@ -7226,10 +6323,10 @@
             <a:noAutofit/>
           </a:bodyPr>
           <a:p>
-            <a:endParaRPr b="0" lang="pt-BR" sz="1800" spc="-1" strike="noStrike">
-              <a:solidFill>
-                <a:srgbClr val="000000"/>
-              </a:solidFill>
+            <a:pPr algn="ctr">
+              <a:buNone/>
+            </a:pPr>
+            <a:endParaRPr b="0" lang="pt-BR" sz="4400" spc="-1" strike="noStrike">
               <a:latin typeface="Arial"/>
             </a:endParaRPr>
           </a:p>
@@ -7263,19 +6360,7 @@
             <a:normAutofit/>
           </a:bodyPr>
           <a:p>
-            <a:pPr>
-              <a:lnSpc>
-                <a:spcPct val="90000"/>
-              </a:lnSpc>
-              <a:spcBef>
-                <a:spcPts val="1417"/>
-              </a:spcBef>
-              <a:buNone/>
-            </a:pPr>
-            <a:endParaRPr b="0" lang="pt-BR" sz="2800" spc="-1" strike="noStrike">
-              <a:solidFill>
-                <a:srgbClr val="000000"/>
-              </a:solidFill>
+            <a:endParaRPr b="0" lang="pt-BR" sz="3200" spc="-1" strike="noStrike">
               <a:latin typeface="Arial"/>
             </a:endParaRPr>
           </a:p>
@@ -7309,19 +6394,7 @@
             <a:normAutofit/>
           </a:bodyPr>
           <a:p>
-            <a:pPr>
-              <a:lnSpc>
-                <a:spcPct val="90000"/>
-              </a:lnSpc>
-              <a:spcBef>
-                <a:spcPts val="1417"/>
-              </a:spcBef>
-              <a:buNone/>
-            </a:pPr>
-            <a:endParaRPr b="0" lang="pt-BR" sz="2800" spc="-1" strike="noStrike">
-              <a:solidFill>
-                <a:srgbClr val="000000"/>
-              </a:solidFill>
+            <a:endParaRPr b="0" lang="pt-BR" sz="3200" spc="-1" strike="noStrike">
               <a:latin typeface="Arial"/>
             </a:endParaRPr>
           </a:p>
@@ -7377,10 +6450,10 @@
             <a:noAutofit/>
           </a:bodyPr>
           <a:p>
-            <a:endParaRPr b="0" lang="pt-BR" sz="1800" spc="-1" strike="noStrike">
-              <a:solidFill>
-                <a:srgbClr val="000000"/>
-              </a:solidFill>
+            <a:pPr algn="ctr">
+              <a:buNone/>
+            </a:pPr>
+            <a:endParaRPr b="0" lang="pt-BR" sz="4400" spc="-1" strike="noStrike">
               <a:latin typeface="Arial"/>
             </a:endParaRPr>
           </a:p>
@@ -7414,19 +6487,7 @@
             <a:normAutofit/>
           </a:bodyPr>
           <a:p>
-            <a:pPr>
-              <a:lnSpc>
-                <a:spcPct val="90000"/>
-              </a:lnSpc>
-              <a:spcBef>
-                <a:spcPts val="1417"/>
-              </a:spcBef>
-              <a:buNone/>
-            </a:pPr>
-            <a:endParaRPr b="0" lang="pt-BR" sz="2800" spc="-1" strike="noStrike">
-              <a:solidFill>
-                <a:srgbClr val="000000"/>
-              </a:solidFill>
+            <a:endParaRPr b="0" lang="pt-BR" sz="3200" spc="-1" strike="noStrike">
               <a:latin typeface="Arial"/>
             </a:endParaRPr>
           </a:p>
@@ -7460,19 +6521,7 @@
             <a:normAutofit/>
           </a:bodyPr>
           <a:p>
-            <a:pPr>
-              <a:lnSpc>
-                <a:spcPct val="90000"/>
-              </a:lnSpc>
-              <a:spcBef>
-                <a:spcPts val="1417"/>
-              </a:spcBef>
-              <a:buNone/>
-            </a:pPr>
-            <a:endParaRPr b="0" lang="pt-BR" sz="2800" spc="-1" strike="noStrike">
-              <a:solidFill>
-                <a:srgbClr val="000000"/>
-              </a:solidFill>
+            <a:endParaRPr b="0" lang="pt-BR" sz="3200" spc="-1" strike="noStrike">
               <a:latin typeface="Arial"/>
             </a:endParaRPr>
           </a:p>
@@ -7506,19 +6555,7 @@
             <a:normAutofit/>
           </a:bodyPr>
           <a:p>
-            <a:pPr>
-              <a:lnSpc>
-                <a:spcPct val="90000"/>
-              </a:lnSpc>
-              <a:spcBef>
-                <a:spcPts val="1417"/>
-              </a:spcBef>
-              <a:buNone/>
-            </a:pPr>
-            <a:endParaRPr b="0" lang="pt-BR" sz="2800" spc="-1" strike="noStrike">
-              <a:solidFill>
-                <a:srgbClr val="000000"/>
-              </a:solidFill>
+            <a:endParaRPr b="0" lang="pt-BR" sz="3200" spc="-1" strike="noStrike">
               <a:latin typeface="Arial"/>
             </a:endParaRPr>
           </a:p>
@@ -7552,19 +6589,7 @@
             <a:normAutofit/>
           </a:bodyPr>
           <a:p>
-            <a:pPr>
-              <a:lnSpc>
-                <a:spcPct val="90000"/>
-              </a:lnSpc>
-              <a:spcBef>
-                <a:spcPts val="1417"/>
-              </a:spcBef>
-              <a:buNone/>
-            </a:pPr>
-            <a:endParaRPr b="0" lang="pt-BR" sz="2800" spc="-1" strike="noStrike">
-              <a:solidFill>
-                <a:srgbClr val="000000"/>
-              </a:solidFill>
+            <a:endParaRPr b="0" lang="pt-BR" sz="3200" spc="-1" strike="noStrike">
               <a:latin typeface="Arial"/>
             </a:endParaRPr>
           </a:p>
@@ -7620,10 +6645,10 @@
             <a:noAutofit/>
           </a:bodyPr>
           <a:p>
-            <a:endParaRPr b="0" lang="pt-BR" sz="1800" spc="-1" strike="noStrike">
-              <a:solidFill>
-                <a:srgbClr val="000000"/>
-              </a:solidFill>
+            <a:pPr algn="ctr">
+              <a:buNone/>
+            </a:pPr>
+            <a:endParaRPr b="0" lang="pt-BR" sz="4400" spc="-1" strike="noStrike">
               <a:latin typeface="Arial"/>
             </a:endParaRPr>
           </a:p>
@@ -7657,19 +6682,7 @@
             <a:normAutofit/>
           </a:bodyPr>
           <a:p>
-            <a:pPr>
-              <a:lnSpc>
-                <a:spcPct val="90000"/>
-              </a:lnSpc>
-              <a:spcBef>
-                <a:spcPts val="1417"/>
-              </a:spcBef>
-              <a:buNone/>
-            </a:pPr>
-            <a:endParaRPr b="0" lang="pt-BR" sz="2800" spc="-1" strike="noStrike">
-              <a:solidFill>
-                <a:srgbClr val="000000"/>
-              </a:solidFill>
+            <a:endParaRPr b="0" lang="pt-BR" sz="3200" spc="-1" strike="noStrike">
               <a:latin typeface="Arial"/>
             </a:endParaRPr>
           </a:p>
@@ -7703,19 +6716,7 @@
             <a:normAutofit/>
           </a:bodyPr>
           <a:p>
-            <a:pPr>
-              <a:lnSpc>
-                <a:spcPct val="90000"/>
-              </a:lnSpc>
-              <a:spcBef>
-                <a:spcPts val="1417"/>
-              </a:spcBef>
-              <a:buNone/>
-            </a:pPr>
-            <a:endParaRPr b="0" lang="pt-BR" sz="2800" spc="-1" strike="noStrike">
-              <a:solidFill>
-                <a:srgbClr val="000000"/>
-              </a:solidFill>
+            <a:endParaRPr b="0" lang="pt-BR" sz="3200" spc="-1" strike="noStrike">
               <a:latin typeface="Arial"/>
             </a:endParaRPr>
           </a:p>
@@ -7749,19 +6750,7 @@
             <a:normAutofit/>
           </a:bodyPr>
           <a:p>
-            <a:pPr>
-              <a:lnSpc>
-                <a:spcPct val="90000"/>
-              </a:lnSpc>
-              <a:spcBef>
-                <a:spcPts val="1417"/>
-              </a:spcBef>
-              <a:buNone/>
-            </a:pPr>
-            <a:endParaRPr b="0" lang="pt-BR" sz="2800" spc="-1" strike="noStrike">
-              <a:solidFill>
-                <a:srgbClr val="000000"/>
-              </a:solidFill>
+            <a:endParaRPr b="0" lang="pt-BR" sz="3200" spc="-1" strike="noStrike">
               <a:latin typeface="Arial"/>
             </a:endParaRPr>
           </a:p>
@@ -7795,19 +6784,7 @@
             <a:normAutofit/>
           </a:bodyPr>
           <a:p>
-            <a:pPr>
-              <a:lnSpc>
-                <a:spcPct val="90000"/>
-              </a:lnSpc>
-              <a:spcBef>
-                <a:spcPts val="1417"/>
-              </a:spcBef>
-              <a:buNone/>
-            </a:pPr>
-            <a:endParaRPr b="0" lang="pt-BR" sz="2800" spc="-1" strike="noStrike">
-              <a:solidFill>
-                <a:srgbClr val="000000"/>
-              </a:solidFill>
+            <a:endParaRPr b="0" lang="pt-BR" sz="3200" spc="-1" strike="noStrike">
               <a:latin typeface="Arial"/>
             </a:endParaRPr>
           </a:p>
@@ -7841,19 +6818,7 @@
             <a:normAutofit/>
           </a:bodyPr>
           <a:p>
-            <a:pPr>
-              <a:lnSpc>
-                <a:spcPct val="90000"/>
-              </a:lnSpc>
-              <a:spcBef>
-                <a:spcPts val="1417"/>
-              </a:spcBef>
-              <a:buNone/>
-            </a:pPr>
-            <a:endParaRPr b="0" lang="pt-BR" sz="2800" spc="-1" strike="noStrike">
-              <a:solidFill>
-                <a:srgbClr val="000000"/>
-              </a:solidFill>
+            <a:endParaRPr b="0" lang="pt-BR" sz="3200" spc="-1" strike="noStrike">
               <a:latin typeface="Arial"/>
             </a:endParaRPr>
           </a:p>
@@ -7887,19 +6852,7 @@
             <a:normAutofit/>
           </a:bodyPr>
           <a:p>
-            <a:pPr>
-              <a:lnSpc>
-                <a:spcPct val="90000"/>
-              </a:lnSpc>
-              <a:spcBef>
-                <a:spcPts val="1417"/>
-              </a:spcBef>
-              <a:buNone/>
-            </a:pPr>
-            <a:endParaRPr b="0" lang="pt-BR" sz="2800" spc="-1" strike="noStrike">
-              <a:solidFill>
-                <a:srgbClr val="000000"/>
-              </a:solidFill>
+            <a:endParaRPr b="0" lang="pt-BR" sz="3200" spc="-1" strike="noStrike">
               <a:latin typeface="Arial"/>
             </a:endParaRPr>
           </a:p>
@@ -7955,10 +6908,10 @@
             <a:noAutofit/>
           </a:bodyPr>
           <a:p>
-            <a:endParaRPr b="0" lang="pt-BR" sz="1800" spc="-1" strike="noStrike">
-              <a:solidFill>
-                <a:srgbClr val="000000"/>
-              </a:solidFill>
+            <a:pPr algn="ctr">
+              <a:buNone/>
+            </a:pPr>
+            <a:endParaRPr b="0" lang="pt-BR" sz="4400" spc="-1" strike="noStrike">
               <a:latin typeface="Arial"/>
             </a:endParaRPr>
           </a:p>
@@ -8073,10 +7026,10 @@
             <a:noAutofit/>
           </a:bodyPr>
           <a:p>
-            <a:endParaRPr b="0" lang="pt-BR" sz="1800" spc="-1" strike="noStrike">
-              <a:solidFill>
-                <a:srgbClr val="000000"/>
-              </a:solidFill>
+            <a:pPr algn="ctr">
+              <a:buNone/>
+            </a:pPr>
+            <a:endParaRPr b="0" lang="pt-BR" sz="4400" spc="-1" strike="noStrike">
               <a:latin typeface="Arial"/>
             </a:endParaRPr>
           </a:p>
@@ -8110,19 +7063,7 @@
             <a:normAutofit/>
           </a:bodyPr>
           <a:p>
-            <a:pPr>
-              <a:lnSpc>
-                <a:spcPct val="90000"/>
-              </a:lnSpc>
-              <a:spcBef>
-                <a:spcPts val="1417"/>
-              </a:spcBef>
-              <a:buNone/>
-            </a:pPr>
-            <a:endParaRPr b="0" lang="pt-BR" sz="2800" spc="-1" strike="noStrike">
-              <a:solidFill>
-                <a:srgbClr val="000000"/>
-              </a:solidFill>
+            <a:endParaRPr b="0" lang="pt-BR" sz="3200" spc="-1" strike="noStrike">
               <a:latin typeface="Arial"/>
             </a:endParaRPr>
           </a:p>
@@ -8156,19 +7097,7 @@
             <a:normAutofit/>
           </a:bodyPr>
           <a:p>
-            <a:pPr>
-              <a:lnSpc>
-                <a:spcPct val="90000"/>
-              </a:lnSpc>
-              <a:spcBef>
-                <a:spcPts val="1417"/>
-              </a:spcBef>
-              <a:buNone/>
-            </a:pPr>
-            <a:endParaRPr b="0" lang="pt-BR" sz="2800" spc="-1" strike="noStrike">
-              <a:solidFill>
-                <a:srgbClr val="000000"/>
-              </a:solidFill>
+            <a:endParaRPr b="0" lang="pt-BR" sz="3200" spc="-1" strike="noStrike">
               <a:latin typeface="Arial"/>
             </a:endParaRPr>
           </a:p>
@@ -8202,19 +7131,7 @@
             <a:normAutofit/>
           </a:bodyPr>
           <a:p>
-            <a:pPr>
-              <a:lnSpc>
-                <a:spcPct val="90000"/>
-              </a:lnSpc>
-              <a:spcBef>
-                <a:spcPts val="1417"/>
-              </a:spcBef>
-              <a:buNone/>
-            </a:pPr>
-            <a:endParaRPr b="0" lang="pt-BR" sz="2800" spc="-1" strike="noStrike">
-              <a:solidFill>
-                <a:srgbClr val="000000"/>
-              </a:solidFill>
+            <a:endParaRPr b="0" lang="pt-BR" sz="3200" spc="-1" strike="noStrike">
               <a:latin typeface="Arial"/>
             </a:endParaRPr>
           </a:p>
@@ -8270,10 +7187,10 @@
             <a:noAutofit/>
           </a:bodyPr>
           <a:p>
-            <a:endParaRPr b="0" lang="pt-BR" sz="1800" spc="-1" strike="noStrike">
-              <a:solidFill>
-                <a:srgbClr val="000000"/>
-              </a:solidFill>
+            <a:pPr algn="ctr">
+              <a:buNone/>
+            </a:pPr>
+            <a:endParaRPr b="0" lang="pt-BR" sz="4400" spc="-1" strike="noStrike">
               <a:latin typeface="Arial"/>
             </a:endParaRPr>
           </a:p>
@@ -8307,19 +7224,7 @@
             <a:normAutofit/>
           </a:bodyPr>
           <a:p>
-            <a:pPr>
-              <a:lnSpc>
-                <a:spcPct val="90000"/>
-              </a:lnSpc>
-              <a:spcBef>
-                <a:spcPts val="1417"/>
-              </a:spcBef>
-              <a:buNone/>
-            </a:pPr>
-            <a:endParaRPr b="0" lang="pt-BR" sz="2800" spc="-1" strike="noStrike">
-              <a:solidFill>
-                <a:srgbClr val="000000"/>
-              </a:solidFill>
+            <a:endParaRPr b="0" lang="pt-BR" sz="3200" spc="-1" strike="noStrike">
               <a:latin typeface="Arial"/>
             </a:endParaRPr>
           </a:p>
@@ -8353,19 +7258,7 @@
             <a:normAutofit/>
           </a:bodyPr>
           <a:p>
-            <a:pPr>
-              <a:lnSpc>
-                <a:spcPct val="90000"/>
-              </a:lnSpc>
-              <a:spcBef>
-                <a:spcPts val="1417"/>
-              </a:spcBef>
-              <a:buNone/>
-            </a:pPr>
-            <a:endParaRPr b="0" lang="pt-BR" sz="2800" spc="-1" strike="noStrike">
-              <a:solidFill>
-                <a:srgbClr val="000000"/>
-              </a:solidFill>
+            <a:endParaRPr b="0" lang="pt-BR" sz="3200" spc="-1" strike="noStrike">
               <a:latin typeface="Arial"/>
             </a:endParaRPr>
           </a:p>
@@ -8399,19 +7292,7 @@
             <a:normAutofit/>
           </a:bodyPr>
           <a:p>
-            <a:pPr>
-              <a:lnSpc>
-                <a:spcPct val="90000"/>
-              </a:lnSpc>
-              <a:spcBef>
-                <a:spcPts val="1417"/>
-              </a:spcBef>
-              <a:buNone/>
-            </a:pPr>
-            <a:endParaRPr b="0" lang="pt-BR" sz="2800" spc="-1" strike="noStrike">
-              <a:solidFill>
-                <a:srgbClr val="000000"/>
-              </a:solidFill>
+            <a:endParaRPr b="0" lang="pt-BR" sz="3200" spc="-1" strike="noStrike">
               <a:latin typeface="Arial"/>
             </a:endParaRPr>
           </a:p>
@@ -8467,10 +7348,10 @@
             <a:noAutofit/>
           </a:bodyPr>
           <a:p>
-            <a:endParaRPr b="0" lang="pt-BR" sz="1800" spc="-1" strike="noStrike">
-              <a:solidFill>
-                <a:srgbClr val="000000"/>
-              </a:solidFill>
+            <a:pPr algn="ctr">
+              <a:buNone/>
+            </a:pPr>
+            <a:endParaRPr b="0" lang="pt-BR" sz="4400" spc="-1" strike="noStrike">
               <a:latin typeface="Arial"/>
             </a:endParaRPr>
           </a:p>
@@ -8504,19 +7385,7 @@
             <a:normAutofit/>
           </a:bodyPr>
           <a:p>
-            <a:pPr>
-              <a:lnSpc>
-                <a:spcPct val="90000"/>
-              </a:lnSpc>
-              <a:spcBef>
-                <a:spcPts val="1417"/>
-              </a:spcBef>
-              <a:buNone/>
-            </a:pPr>
-            <a:endParaRPr b="0" lang="pt-BR" sz="2800" spc="-1" strike="noStrike">
-              <a:solidFill>
-                <a:srgbClr val="000000"/>
-              </a:solidFill>
+            <a:endParaRPr b="0" lang="pt-BR" sz="3200" spc="-1" strike="noStrike">
               <a:latin typeface="Arial"/>
             </a:endParaRPr>
           </a:p>
@@ -8550,19 +7419,7 @@
             <a:normAutofit/>
           </a:bodyPr>
           <a:p>
-            <a:pPr>
-              <a:lnSpc>
-                <a:spcPct val="90000"/>
-              </a:lnSpc>
-              <a:spcBef>
-                <a:spcPts val="1417"/>
-              </a:spcBef>
-              <a:buNone/>
-            </a:pPr>
-            <a:endParaRPr b="0" lang="pt-BR" sz="2800" spc="-1" strike="noStrike">
-              <a:solidFill>
-                <a:srgbClr val="000000"/>
-              </a:solidFill>
+            <a:endParaRPr b="0" lang="pt-BR" sz="3200" spc="-1" strike="noStrike">
               <a:latin typeface="Arial"/>
             </a:endParaRPr>
           </a:p>
@@ -8596,19 +7453,7 @@
             <a:normAutofit/>
           </a:bodyPr>
           <a:p>
-            <a:pPr>
-              <a:lnSpc>
-                <a:spcPct val="90000"/>
-              </a:lnSpc>
-              <a:spcBef>
-                <a:spcPts val="1417"/>
-              </a:spcBef>
-              <a:buNone/>
-            </a:pPr>
-            <a:endParaRPr b="0" lang="pt-BR" sz="2800" spc="-1" strike="noStrike">
-              <a:solidFill>
-                <a:srgbClr val="000000"/>
-              </a:solidFill>
+            <a:endParaRPr b="0" lang="pt-BR" sz="3200" spc="-1" strike="noStrike">
               <a:latin typeface="Arial"/>
             </a:endParaRPr>
           </a:p>
@@ -8652,7 +7497,7 @@
         <p:spPr>
           <a:xfrm>
             <a:off x="0" y="3150000"/>
-            <a:ext cx="9712080" cy="1252080"/>
+            <a:ext cx="9711720" cy="1251720"/>
           </a:xfrm>
           <a:prstGeom prst="rect">
             <a:avLst/>
@@ -8684,7 +7529,7 @@
         <p:spPr>
           <a:xfrm>
             <a:off x="504000" y="301320"/>
-            <a:ext cx="9071640" cy="1261440"/>
+            <a:ext cx="9072000" cy="1261800"/>
           </a:xfrm>
           <a:prstGeom prst="rect">
             <a:avLst/>
@@ -8699,19 +7544,16 @@
             <a:noAutofit/>
           </a:bodyPr>
           <a:p>
+            <a:pPr algn="ctr">
+              <a:buNone/>
+            </a:pPr>
             <a:r>
               <a:rPr b="0" lang="pt-BR" sz="4400" spc="-1" strike="noStrike">
-                <a:solidFill>
-                  <a:srgbClr val="000000"/>
-                </a:solidFill>
                 <a:latin typeface="Arial"/>
               </a:rPr>
               <a:t>Click to edit the title text format</a:t>
             </a:r>
             <a:endParaRPr b="0" lang="pt-BR" sz="4400" spc="-1" strike="noStrike">
-              <a:solidFill>
-                <a:srgbClr val="000000"/>
-              </a:solidFill>
               <a:latin typeface="Arial"/>
             </a:endParaRPr>
           </a:p>
@@ -8730,7 +7572,7 @@
         <p:spPr>
           <a:xfrm>
             <a:off x="504000" y="1768680"/>
-            <a:ext cx="9071640" cy="4383720"/>
+            <a:ext cx="9072000" cy="4384080"/>
           </a:xfrm>
           <a:prstGeom prst="rect">
             <a:avLst/>
@@ -8746,9 +7588,6 @@
           </a:bodyPr>
           <a:p>
             <a:pPr marL="432000" indent="-324000">
-              <a:lnSpc>
-                <a:spcPct val="90000"/>
-              </a:lnSpc>
               <a:spcBef>
                 <a:spcPts val="1417"/>
               </a:spcBef>
@@ -8760,26 +7599,17 @@
               <a:buChar char=""/>
             </a:pPr>
             <a:r>
-              <a:rPr b="0" lang="pt-BR" sz="2800" spc="-1" strike="noStrike">
-                <a:solidFill>
-                  <a:srgbClr val="000000"/>
-                </a:solidFill>
+              <a:rPr b="0" lang="pt-BR" sz="3200" spc="-1" strike="noStrike">
                 <a:latin typeface="Arial"/>
               </a:rPr>
               <a:t>Click to edit the outline text format</a:t>
             </a:r>
-            <a:endParaRPr b="0" lang="pt-BR" sz="2800" spc="-1" strike="noStrike">
-              <a:solidFill>
-                <a:srgbClr val="000000"/>
-              </a:solidFill>
+            <a:endParaRPr b="0" lang="pt-BR" sz="3200" spc="-1" strike="noStrike">
               <a:latin typeface="Arial"/>
             </a:endParaRPr>
           </a:p>
           <a:p>
             <a:pPr lvl="1" marL="864000" indent="-324000">
-              <a:lnSpc>
-                <a:spcPct val="90000"/>
-              </a:lnSpc>
               <a:spcBef>
                 <a:spcPts val="1134"/>
               </a:spcBef>
@@ -8792,25 +7622,16 @@
             </a:pPr>
             <a:r>
               <a:rPr b="0" lang="pt-BR" sz="2800" spc="-1" strike="noStrike">
-                <a:solidFill>
-                  <a:srgbClr val="000000"/>
-                </a:solidFill>
                 <a:latin typeface="Arial"/>
               </a:rPr>
               <a:t>Second Outline Level</a:t>
             </a:r>
             <a:endParaRPr b="0" lang="pt-BR" sz="2800" spc="-1" strike="noStrike">
-              <a:solidFill>
-                <a:srgbClr val="000000"/>
-              </a:solidFill>
               <a:latin typeface="Arial"/>
             </a:endParaRPr>
           </a:p>
           <a:p>
             <a:pPr lvl="2" marL="1296000" indent="-288000">
-              <a:lnSpc>
-                <a:spcPct val="90000"/>
-              </a:lnSpc>
               <a:spcBef>
                 <a:spcPts val="850"/>
               </a:spcBef>
@@ -8822,26 +7643,17 @@
               <a:buChar char=""/>
             </a:pPr>
             <a:r>
-              <a:rPr b="0" lang="pt-BR" sz="2800" spc="-1" strike="noStrike">
-                <a:solidFill>
-                  <a:srgbClr val="000000"/>
-                </a:solidFill>
+              <a:rPr b="0" lang="pt-BR" sz="2400" spc="-1" strike="noStrike">
                 <a:latin typeface="Arial"/>
               </a:rPr>
               <a:t>Third Outline Level</a:t>
             </a:r>
-            <a:endParaRPr b="0" lang="pt-BR" sz="2800" spc="-1" strike="noStrike">
-              <a:solidFill>
-                <a:srgbClr val="000000"/>
-              </a:solidFill>
+            <a:endParaRPr b="0" lang="pt-BR" sz="2400" spc="-1" strike="noStrike">
               <a:latin typeface="Arial"/>
             </a:endParaRPr>
           </a:p>
           <a:p>
             <a:pPr lvl="3" marL="1728000" indent="-216000">
-              <a:lnSpc>
-                <a:spcPct val="90000"/>
-              </a:lnSpc>
               <a:spcBef>
                 <a:spcPts val="567"/>
               </a:spcBef>
@@ -8853,26 +7665,17 @@
               <a:buChar char=""/>
             </a:pPr>
             <a:r>
-              <a:rPr b="0" lang="pt-BR" sz="2800" spc="-1" strike="noStrike">
-                <a:solidFill>
-                  <a:srgbClr val="000000"/>
-                </a:solidFill>
+              <a:rPr b="0" lang="pt-BR" sz="2000" spc="-1" strike="noStrike">
                 <a:latin typeface="Arial"/>
               </a:rPr>
               <a:t>Fourth Outline Level</a:t>
             </a:r>
-            <a:endParaRPr b="0" lang="pt-BR" sz="2800" spc="-1" strike="noStrike">
-              <a:solidFill>
-                <a:srgbClr val="000000"/>
-              </a:solidFill>
+            <a:endParaRPr b="0" lang="pt-BR" sz="2000" spc="-1" strike="noStrike">
               <a:latin typeface="Arial"/>
             </a:endParaRPr>
           </a:p>
           <a:p>
             <a:pPr lvl="4" marL="2160000" indent="-216000">
-              <a:lnSpc>
-                <a:spcPct val="90000"/>
-              </a:lnSpc>
               <a:spcBef>
                 <a:spcPts val="283"/>
               </a:spcBef>
@@ -8884,26 +7687,17 @@
               <a:buChar char=""/>
             </a:pPr>
             <a:r>
-              <a:rPr b="0" lang="pt-BR" sz="2800" spc="-1" strike="noStrike">
-                <a:solidFill>
-                  <a:srgbClr val="000000"/>
-                </a:solidFill>
+              <a:rPr b="0" lang="pt-BR" sz="2000" spc="-1" strike="noStrike">
                 <a:latin typeface="Arial"/>
               </a:rPr>
               <a:t>Fifth Outline Level</a:t>
             </a:r>
-            <a:endParaRPr b="0" lang="pt-BR" sz="2800" spc="-1" strike="noStrike">
-              <a:solidFill>
-                <a:srgbClr val="000000"/>
-              </a:solidFill>
+            <a:endParaRPr b="0" lang="pt-BR" sz="2000" spc="-1" strike="noStrike">
               <a:latin typeface="Arial"/>
             </a:endParaRPr>
           </a:p>
           <a:p>
             <a:pPr lvl="5" marL="2592000" indent="-216000">
-              <a:lnSpc>
-                <a:spcPct val="90000"/>
-              </a:lnSpc>
               <a:spcBef>
                 <a:spcPts val="283"/>
               </a:spcBef>
@@ -8915,26 +7709,17 @@
               <a:buChar char=""/>
             </a:pPr>
             <a:r>
-              <a:rPr b="0" lang="pt-BR" sz="2800" spc="-1" strike="noStrike">
-                <a:solidFill>
-                  <a:srgbClr val="000000"/>
-                </a:solidFill>
+              <a:rPr b="0" lang="pt-BR" sz="2000" spc="-1" strike="noStrike">
                 <a:latin typeface="Arial"/>
               </a:rPr>
               <a:t>Sixth Outline Level</a:t>
             </a:r>
-            <a:endParaRPr b="0" lang="pt-BR" sz="2800" spc="-1" strike="noStrike">
-              <a:solidFill>
-                <a:srgbClr val="000000"/>
-              </a:solidFill>
+            <a:endParaRPr b="0" lang="pt-BR" sz="2000" spc="-1" strike="noStrike">
               <a:latin typeface="Arial"/>
             </a:endParaRPr>
           </a:p>
           <a:p>
             <a:pPr lvl="6" marL="3024000" indent="-216000">
-              <a:lnSpc>
-                <a:spcPct val="90000"/>
-              </a:lnSpc>
               <a:spcBef>
                 <a:spcPts val="283"/>
               </a:spcBef>
@@ -8946,18 +7731,12 @@
               <a:buChar char=""/>
             </a:pPr>
             <a:r>
-              <a:rPr b="0" lang="pt-BR" sz="2800" spc="-1" strike="noStrike">
-                <a:solidFill>
-                  <a:srgbClr val="000000"/>
-                </a:solidFill>
+              <a:rPr b="0" lang="pt-BR" sz="2000" spc="-1" strike="noStrike">
                 <a:latin typeface="Arial"/>
               </a:rPr>
               <a:t>Seventh Outline Level</a:t>
             </a:r>
-            <a:endParaRPr b="0" lang="pt-BR" sz="2800" spc="-1" strike="noStrike">
-              <a:solidFill>
-                <a:srgbClr val="000000"/>
-              </a:solidFill>
+            <a:endParaRPr b="0" lang="pt-BR" sz="2000" spc="-1" strike="noStrike">
               <a:latin typeface="Arial"/>
             </a:endParaRPr>
           </a:p>
@@ -9016,7 +7795,7 @@
         <p:spPr>
           <a:xfrm>
             <a:off x="0" y="180000"/>
-            <a:ext cx="9711720" cy="1251720"/>
+            <a:ext cx="9711360" cy="1251360"/>
           </a:xfrm>
           <a:prstGeom prst="rect">
             <a:avLst/>
@@ -9044,7 +7823,7 @@
         <p:spPr>
           <a:xfrm>
             <a:off x="7560000" y="6840000"/>
-            <a:ext cx="2511720" cy="531720"/>
+            <a:ext cx="2511360" cy="531360"/>
           </a:xfrm>
           <a:prstGeom prst="rect">
             <a:avLst/>
@@ -9072,7 +7851,7 @@
         <p:spPr>
           <a:xfrm>
             <a:off x="900000" y="6840000"/>
-            <a:ext cx="6471720" cy="531720"/>
+            <a:ext cx="6471360" cy="531360"/>
           </a:xfrm>
           <a:prstGeom prst="rect">
             <a:avLst/>
@@ -9100,7 +7879,7 @@
         <p:spPr>
           <a:xfrm>
             <a:off x="180000" y="6840000"/>
-            <a:ext cx="531720" cy="531720"/>
+            <a:ext cx="531360" cy="531360"/>
           </a:xfrm>
           <a:prstGeom prst="rect">
             <a:avLst/>
@@ -9146,18 +7925,12 @@
           </a:bodyPr>
           <a:p>
             <a:r>
-              <a:rPr b="0" lang="pt-BR" sz="4400" spc="-1" strike="noStrike">
-                <a:solidFill>
-                  <a:srgbClr val="000000"/>
-                </a:solidFill>
+              <a:rPr b="0" lang="pt-BR" sz="1800" spc="-1" strike="noStrike">
                 <a:latin typeface="Arial"/>
               </a:rPr>
               <a:t>Click to edit the title text format</a:t>
             </a:r>
-            <a:endParaRPr b="0" lang="pt-BR" sz="4400" spc="-1" strike="noStrike">
-              <a:solidFill>
-                <a:srgbClr val="000000"/>
-              </a:solidFill>
+            <a:endParaRPr b="0" lang="pt-BR" sz="1800" spc="-1" strike="noStrike">
               <a:latin typeface="Arial"/>
             </a:endParaRPr>
           </a:p>
@@ -9176,7 +7949,7 @@
         <p:spPr>
           <a:xfrm>
             <a:off x="504000" y="1768680"/>
-            <a:ext cx="9072000" cy="4384080"/>
+            <a:ext cx="9071640" cy="4383720"/>
           </a:xfrm>
           <a:prstGeom prst="rect">
             <a:avLst/>
@@ -9192,9 +7965,6 @@
           </a:bodyPr>
           <a:p>
             <a:pPr marL="432000" indent="-324000">
-              <a:lnSpc>
-                <a:spcPct val="90000"/>
-              </a:lnSpc>
               <a:spcBef>
                 <a:spcPts val="1417"/>
               </a:spcBef>
@@ -9206,26 +7976,17 @@
               <a:buChar char=""/>
             </a:pPr>
             <a:r>
-              <a:rPr b="0" lang="pt-BR" sz="2800" spc="-1" strike="noStrike">
-                <a:solidFill>
-                  <a:srgbClr val="000000"/>
-                </a:solidFill>
+              <a:rPr b="0" lang="pt-BR" sz="1800" spc="-1" strike="noStrike">
                 <a:latin typeface="Arial"/>
               </a:rPr>
               <a:t>Click to edit the outline text format</a:t>
             </a:r>
-            <a:endParaRPr b="0" lang="pt-BR" sz="2800" spc="-1" strike="noStrike">
-              <a:solidFill>
-                <a:srgbClr val="000000"/>
-              </a:solidFill>
+            <a:endParaRPr b="0" lang="pt-BR" sz="1800" spc="-1" strike="noStrike">
               <a:latin typeface="Arial"/>
             </a:endParaRPr>
           </a:p>
           <a:p>
             <a:pPr lvl="1" marL="864000" indent="-324000">
-              <a:lnSpc>
-                <a:spcPct val="90000"/>
-              </a:lnSpc>
               <a:spcBef>
                 <a:spcPts val="1134"/>
               </a:spcBef>
@@ -9237,26 +7998,17 @@
               <a:buChar char=""/>
             </a:pPr>
             <a:r>
-              <a:rPr b="0" lang="pt-BR" sz="2000" spc="-1" strike="noStrike">
-                <a:solidFill>
-                  <a:srgbClr val="000000"/>
-                </a:solidFill>
+              <a:rPr b="0" lang="pt-BR" sz="1800" spc="-1" strike="noStrike">
                 <a:latin typeface="Arial"/>
               </a:rPr>
               <a:t>Second Outline Level</a:t>
             </a:r>
-            <a:endParaRPr b="0" lang="pt-BR" sz="2000" spc="-1" strike="noStrike">
-              <a:solidFill>
-                <a:srgbClr val="000000"/>
-              </a:solidFill>
+            <a:endParaRPr b="0" lang="pt-BR" sz="1800" spc="-1" strike="noStrike">
               <a:latin typeface="Arial"/>
             </a:endParaRPr>
           </a:p>
           <a:p>
             <a:pPr lvl="2" marL="1296000" indent="-288000">
-              <a:lnSpc>
-                <a:spcPct val="90000"/>
-              </a:lnSpc>
               <a:spcBef>
                 <a:spcPts val="850"/>
               </a:spcBef>
@@ -9269,25 +8021,16 @@
             </a:pPr>
             <a:r>
               <a:rPr b="0" lang="pt-BR" sz="1800" spc="-1" strike="noStrike">
-                <a:solidFill>
-                  <a:srgbClr val="000000"/>
-                </a:solidFill>
                 <a:latin typeface="Arial"/>
               </a:rPr>
               <a:t>Third Outline Level</a:t>
             </a:r>
             <a:endParaRPr b="0" lang="pt-BR" sz="1800" spc="-1" strike="noStrike">
-              <a:solidFill>
-                <a:srgbClr val="000000"/>
-              </a:solidFill>
               <a:latin typeface="Arial"/>
             </a:endParaRPr>
           </a:p>
           <a:p>
             <a:pPr lvl="3" marL="1728000" indent="-216000">
-              <a:lnSpc>
-                <a:spcPct val="90000"/>
-              </a:lnSpc>
               <a:spcBef>
                 <a:spcPts val="567"/>
               </a:spcBef>
@@ -9300,25 +8043,16 @@
             </a:pPr>
             <a:r>
               <a:rPr b="0" lang="pt-BR" sz="1800" spc="-1" strike="noStrike">
-                <a:solidFill>
-                  <a:srgbClr val="000000"/>
-                </a:solidFill>
                 <a:latin typeface="Arial"/>
               </a:rPr>
               <a:t>Fourth Outline Level</a:t>
             </a:r>
             <a:endParaRPr b="0" lang="pt-BR" sz="1800" spc="-1" strike="noStrike">
-              <a:solidFill>
-                <a:srgbClr val="000000"/>
-              </a:solidFill>
               <a:latin typeface="Arial"/>
             </a:endParaRPr>
           </a:p>
           <a:p>
             <a:pPr lvl="4" marL="2160000" indent="-216000">
-              <a:lnSpc>
-                <a:spcPct val="90000"/>
-              </a:lnSpc>
               <a:spcBef>
                 <a:spcPts val="283"/>
               </a:spcBef>
@@ -9330,26 +8064,17 @@
               <a:buChar char=""/>
             </a:pPr>
             <a:r>
-              <a:rPr b="0" lang="pt-BR" sz="2000" spc="-1" strike="noStrike">
-                <a:solidFill>
-                  <a:srgbClr val="000000"/>
-                </a:solidFill>
+              <a:rPr b="0" lang="pt-BR" sz="1800" spc="-1" strike="noStrike">
                 <a:latin typeface="Arial"/>
               </a:rPr>
               <a:t>Fifth Outline Level</a:t>
             </a:r>
-            <a:endParaRPr b="0" lang="pt-BR" sz="2000" spc="-1" strike="noStrike">
-              <a:solidFill>
-                <a:srgbClr val="000000"/>
-              </a:solidFill>
+            <a:endParaRPr b="0" lang="pt-BR" sz="1800" spc="-1" strike="noStrike">
               <a:latin typeface="Arial"/>
             </a:endParaRPr>
           </a:p>
           <a:p>
             <a:pPr lvl="5" marL="2592000" indent="-216000">
-              <a:lnSpc>
-                <a:spcPct val="90000"/>
-              </a:lnSpc>
               <a:spcBef>
                 <a:spcPts val="283"/>
               </a:spcBef>
@@ -9361,26 +8086,17 @@
               <a:buChar char=""/>
             </a:pPr>
             <a:r>
-              <a:rPr b="0" lang="pt-BR" sz="2000" spc="-1" strike="noStrike">
-                <a:solidFill>
-                  <a:srgbClr val="000000"/>
-                </a:solidFill>
+              <a:rPr b="0" lang="pt-BR" sz="1800" spc="-1" strike="noStrike">
                 <a:latin typeface="Arial"/>
               </a:rPr>
               <a:t>Sixth Outline Level</a:t>
             </a:r>
-            <a:endParaRPr b="0" lang="pt-BR" sz="2000" spc="-1" strike="noStrike">
-              <a:solidFill>
-                <a:srgbClr val="000000"/>
-              </a:solidFill>
+            <a:endParaRPr b="0" lang="pt-BR" sz="1800" spc="-1" strike="noStrike">
               <a:latin typeface="Arial"/>
             </a:endParaRPr>
           </a:p>
           <a:p>
             <a:pPr lvl="6" marL="3024000" indent="-216000">
-              <a:lnSpc>
-                <a:spcPct val="90000"/>
-              </a:lnSpc>
               <a:spcBef>
                 <a:spcPts val="283"/>
               </a:spcBef>
@@ -9392,18 +8108,12 @@
               <a:buChar char=""/>
             </a:pPr>
             <a:r>
-              <a:rPr b="0" lang="pt-BR" sz="2000" spc="-1" strike="noStrike">
-                <a:solidFill>
-                  <a:srgbClr val="000000"/>
-                </a:solidFill>
+              <a:rPr b="0" lang="pt-BR" sz="1800" spc="-1" strike="noStrike">
                 <a:latin typeface="Arial"/>
               </a:rPr>
               <a:t>Seventh Outline Level</a:t>
             </a:r>
-            <a:endParaRPr b="0" lang="pt-BR" sz="2000" spc="-1" strike="noStrike">
-              <a:solidFill>
-                <a:srgbClr val="000000"/>
-              </a:solidFill>
+            <a:endParaRPr b="0" lang="pt-BR" sz="1800" spc="-1" strike="noStrike">
               <a:latin typeface="Arial"/>
             </a:endParaRPr>
           </a:p>
@@ -9462,7 +8172,7 @@
         <p:spPr>
           <a:xfrm>
             <a:off x="0" y="180000"/>
-            <a:ext cx="9712080" cy="1252080"/>
+            <a:ext cx="9711720" cy="1251720"/>
           </a:xfrm>
           <a:prstGeom prst="rect">
             <a:avLst/>
@@ -9490,7 +8200,7 @@
         <p:spPr>
           <a:xfrm>
             <a:off x="7560000" y="6840000"/>
-            <a:ext cx="2512080" cy="532080"/>
+            <a:ext cx="2511720" cy="531720"/>
           </a:xfrm>
           <a:prstGeom prst="rect">
             <a:avLst/>
@@ -9518,7 +8228,7 @@
         <p:spPr>
           <a:xfrm>
             <a:off x="900000" y="6840000"/>
-            <a:ext cx="6472080" cy="532080"/>
+            <a:ext cx="6471720" cy="531720"/>
           </a:xfrm>
           <a:prstGeom prst="rect">
             <a:avLst/>
@@ -9546,7 +8256,7 @@
         <p:spPr>
           <a:xfrm>
             <a:off x="180000" y="6840000"/>
-            <a:ext cx="532080" cy="532080"/>
+            <a:ext cx="531720" cy="531720"/>
           </a:xfrm>
           <a:prstGeom prst="rect">
             <a:avLst/>
@@ -9591,19 +8301,16 @@
             <a:noAutofit/>
           </a:bodyPr>
           <a:p>
+            <a:pPr algn="ctr">
+              <a:buNone/>
+            </a:pPr>
             <a:r>
-              <a:rPr b="0" lang="pt-BR" sz="1800" spc="-1" strike="noStrike">
-                <a:solidFill>
-                  <a:srgbClr val="000000"/>
-                </a:solidFill>
+              <a:rPr b="0" lang="pt-BR" sz="4400" spc="-1" strike="noStrike">
                 <a:latin typeface="Arial"/>
               </a:rPr>
               <a:t>Click to edit the title text format</a:t>
             </a:r>
-            <a:endParaRPr b="0" lang="pt-BR" sz="1800" spc="-1" strike="noStrike">
-              <a:solidFill>
-                <a:srgbClr val="000000"/>
-              </a:solidFill>
+            <a:endParaRPr b="0" lang="pt-BR" sz="4400" spc="-1" strike="noStrike">
               <a:latin typeface="Arial"/>
             </a:endParaRPr>
           </a:p>
@@ -9638,9 +8345,6 @@
           </a:bodyPr>
           <a:p>
             <a:pPr marL="432000" indent="-324000">
-              <a:lnSpc>
-                <a:spcPct val="90000"/>
-              </a:lnSpc>
               <a:spcBef>
                 <a:spcPts val="1417"/>
               </a:spcBef>
@@ -9652,26 +8356,17 @@
               <a:buChar char=""/>
             </a:pPr>
             <a:r>
-              <a:rPr b="0" lang="pt-BR" sz="2800" spc="-1" strike="noStrike">
-                <a:solidFill>
-                  <a:srgbClr val="000000"/>
-                </a:solidFill>
+              <a:rPr b="0" lang="pt-BR" sz="3200" spc="-1" strike="noStrike">
                 <a:latin typeface="Arial"/>
               </a:rPr>
               <a:t>Click to edit the outline text format</a:t>
             </a:r>
-            <a:endParaRPr b="0" lang="pt-BR" sz="2800" spc="-1" strike="noStrike">
-              <a:solidFill>
-                <a:srgbClr val="000000"/>
-              </a:solidFill>
+            <a:endParaRPr b="0" lang="pt-BR" sz="3200" spc="-1" strike="noStrike">
               <a:latin typeface="Arial"/>
             </a:endParaRPr>
           </a:p>
           <a:p>
             <a:pPr lvl="1" marL="864000" indent="-324000">
-              <a:lnSpc>
-                <a:spcPct val="90000"/>
-              </a:lnSpc>
               <a:spcBef>
                 <a:spcPts val="1134"/>
               </a:spcBef>
@@ -9683,26 +8378,17 @@
               <a:buChar char=""/>
             </a:pPr>
             <a:r>
-              <a:rPr b="0" lang="pt-BR" sz="2000" spc="-1" strike="noStrike">
-                <a:solidFill>
-                  <a:srgbClr val="000000"/>
-                </a:solidFill>
+              <a:rPr b="0" lang="pt-BR" sz="2800" spc="-1" strike="noStrike">
                 <a:latin typeface="Arial"/>
               </a:rPr>
               <a:t>Second Outline Level</a:t>
             </a:r>
-            <a:endParaRPr b="0" lang="pt-BR" sz="2000" spc="-1" strike="noStrike">
-              <a:solidFill>
-                <a:srgbClr val="000000"/>
-              </a:solidFill>
+            <a:endParaRPr b="0" lang="pt-BR" sz="2800" spc="-1" strike="noStrike">
               <a:latin typeface="Arial"/>
             </a:endParaRPr>
           </a:p>
           <a:p>
             <a:pPr lvl="2" marL="1296000" indent="-288000">
-              <a:lnSpc>
-                <a:spcPct val="90000"/>
-              </a:lnSpc>
               <a:spcBef>
                 <a:spcPts val="850"/>
               </a:spcBef>
@@ -9714,26 +8400,17 @@
               <a:buChar char=""/>
             </a:pPr>
             <a:r>
-              <a:rPr b="0" lang="pt-BR" sz="1800" spc="-1" strike="noStrike">
-                <a:solidFill>
-                  <a:srgbClr val="000000"/>
-                </a:solidFill>
+              <a:rPr b="0" lang="pt-BR" sz="2400" spc="-1" strike="noStrike">
                 <a:latin typeface="Arial"/>
               </a:rPr>
               <a:t>Third Outline Level</a:t>
             </a:r>
-            <a:endParaRPr b="0" lang="pt-BR" sz="1800" spc="-1" strike="noStrike">
-              <a:solidFill>
-                <a:srgbClr val="000000"/>
-              </a:solidFill>
+            <a:endParaRPr b="0" lang="pt-BR" sz="2400" spc="-1" strike="noStrike">
               <a:latin typeface="Arial"/>
             </a:endParaRPr>
           </a:p>
           <a:p>
             <a:pPr lvl="3" marL="1728000" indent="-216000">
-              <a:lnSpc>
-                <a:spcPct val="90000"/>
-              </a:lnSpc>
               <a:spcBef>
                 <a:spcPts val="567"/>
               </a:spcBef>
@@ -9745,26 +8422,17 @@
               <a:buChar char=""/>
             </a:pPr>
             <a:r>
-              <a:rPr b="0" lang="pt-BR" sz="1800" spc="-1" strike="noStrike">
-                <a:solidFill>
-                  <a:srgbClr val="000000"/>
-                </a:solidFill>
+              <a:rPr b="0" lang="pt-BR" sz="2000" spc="-1" strike="noStrike">
                 <a:latin typeface="Arial"/>
               </a:rPr>
               <a:t>Fourth Outline Level</a:t>
             </a:r>
-            <a:endParaRPr b="0" lang="pt-BR" sz="1800" spc="-1" strike="noStrike">
-              <a:solidFill>
-                <a:srgbClr val="000000"/>
-              </a:solidFill>
+            <a:endParaRPr b="0" lang="pt-BR" sz="2000" spc="-1" strike="noStrike">
               <a:latin typeface="Arial"/>
             </a:endParaRPr>
           </a:p>
           <a:p>
             <a:pPr lvl="4" marL="2160000" indent="-216000">
-              <a:lnSpc>
-                <a:spcPct val="90000"/>
-              </a:lnSpc>
               <a:spcBef>
                 <a:spcPts val="283"/>
               </a:spcBef>
@@ -9777,25 +8445,16 @@
             </a:pPr>
             <a:r>
               <a:rPr b="0" lang="pt-BR" sz="2000" spc="-1" strike="noStrike">
-                <a:solidFill>
-                  <a:srgbClr val="000000"/>
-                </a:solidFill>
                 <a:latin typeface="Arial"/>
               </a:rPr>
               <a:t>Fifth Outline Level</a:t>
             </a:r>
             <a:endParaRPr b="0" lang="pt-BR" sz="2000" spc="-1" strike="noStrike">
-              <a:solidFill>
-                <a:srgbClr val="000000"/>
-              </a:solidFill>
               <a:latin typeface="Arial"/>
             </a:endParaRPr>
           </a:p>
           <a:p>
             <a:pPr lvl="5" marL="2592000" indent="-216000">
-              <a:lnSpc>
-                <a:spcPct val="90000"/>
-              </a:lnSpc>
               <a:spcBef>
                 <a:spcPts val="283"/>
               </a:spcBef>
@@ -9808,25 +8467,16 @@
             </a:pPr>
             <a:r>
               <a:rPr b="0" lang="pt-BR" sz="2000" spc="-1" strike="noStrike">
-                <a:solidFill>
-                  <a:srgbClr val="000000"/>
-                </a:solidFill>
                 <a:latin typeface="Arial"/>
               </a:rPr>
               <a:t>Sixth Outline Level</a:t>
             </a:r>
             <a:endParaRPr b="0" lang="pt-BR" sz="2000" spc="-1" strike="noStrike">
-              <a:solidFill>
-                <a:srgbClr val="000000"/>
-              </a:solidFill>
               <a:latin typeface="Arial"/>
             </a:endParaRPr>
           </a:p>
           <a:p>
             <a:pPr lvl="6" marL="3024000" indent="-216000">
-              <a:lnSpc>
-                <a:spcPct val="90000"/>
-              </a:lnSpc>
               <a:spcBef>
                 <a:spcPts val="283"/>
               </a:spcBef>
@@ -9839,17 +8489,11 @@
             </a:pPr>
             <a:r>
               <a:rPr b="0" lang="pt-BR" sz="2000" spc="-1" strike="noStrike">
-                <a:solidFill>
-                  <a:srgbClr val="000000"/>
-                </a:solidFill>
                 <a:latin typeface="Arial"/>
               </a:rPr>
               <a:t>Seventh Outline Level</a:t>
             </a:r>
             <a:endParaRPr b="0" lang="pt-BR" sz="2000" spc="-1" strike="noStrike">
-              <a:solidFill>
-                <a:srgbClr val="000000"/>
-              </a:solidFill>
               <a:latin typeface="Arial"/>
             </a:endParaRPr>
           </a:p>
@@ -9908,7 +8552,7 @@
         <p:spPr>
           <a:xfrm>
             <a:off x="0" y="180000"/>
-            <a:ext cx="9712080" cy="1252080"/>
+            <a:ext cx="9711720" cy="1251720"/>
           </a:xfrm>
           <a:prstGeom prst="rect">
             <a:avLst/>
@@ -9936,7 +8580,7 @@
         <p:spPr>
           <a:xfrm>
             <a:off x="7560000" y="6840000"/>
-            <a:ext cx="2512080" cy="532080"/>
+            <a:ext cx="2511720" cy="531720"/>
           </a:xfrm>
           <a:prstGeom prst="rect">
             <a:avLst/>
@@ -9964,7 +8608,7 @@
         <p:spPr>
           <a:xfrm>
             <a:off x="900000" y="6840000"/>
-            <a:ext cx="6472080" cy="532080"/>
+            <a:ext cx="6471720" cy="531720"/>
           </a:xfrm>
           <a:prstGeom prst="rect">
             <a:avLst/>
@@ -9992,7 +8636,7 @@
         <p:spPr>
           <a:xfrm>
             <a:off x="180000" y="6840000"/>
-            <a:ext cx="532080" cy="532080"/>
+            <a:ext cx="531720" cy="531720"/>
           </a:xfrm>
           <a:prstGeom prst="rect">
             <a:avLst/>
@@ -10037,19 +8681,16 @@
             <a:noAutofit/>
           </a:bodyPr>
           <a:p>
+            <a:pPr algn="ctr">
+              <a:buNone/>
+            </a:pPr>
             <a:r>
-              <a:rPr b="0" lang="pt-BR" sz="1800" spc="-1" strike="noStrike">
-                <a:solidFill>
-                  <a:srgbClr val="000000"/>
-                </a:solidFill>
+              <a:rPr b="0" lang="pt-BR" sz="4400" spc="-1" strike="noStrike">
                 <a:latin typeface="Arial"/>
               </a:rPr>
               <a:t>Click to edit the title text format</a:t>
             </a:r>
-            <a:endParaRPr b="0" lang="pt-BR" sz="1800" spc="-1" strike="noStrike">
-              <a:solidFill>
-                <a:srgbClr val="000000"/>
-              </a:solidFill>
+            <a:endParaRPr b="0" lang="pt-BR" sz="4400" spc="-1" strike="noStrike">
               <a:latin typeface="Arial"/>
             </a:endParaRPr>
           </a:p>
@@ -10084,9 +8725,6 @@
           </a:bodyPr>
           <a:p>
             <a:pPr marL="432000" indent="-324000">
-              <a:lnSpc>
-                <a:spcPct val="90000"/>
-              </a:lnSpc>
               <a:spcBef>
                 <a:spcPts val="1417"/>
               </a:spcBef>
@@ -10098,26 +8736,17 @@
               <a:buChar char=""/>
             </a:pPr>
             <a:r>
-              <a:rPr b="0" lang="pt-BR" sz="2800" spc="-1" strike="noStrike">
-                <a:solidFill>
-                  <a:srgbClr val="000000"/>
-                </a:solidFill>
+              <a:rPr b="0" lang="pt-BR" sz="3200" spc="-1" strike="noStrike">
                 <a:latin typeface="Arial"/>
               </a:rPr>
               <a:t>Click to edit the outline text format</a:t>
             </a:r>
-            <a:endParaRPr b="0" lang="pt-BR" sz="2800" spc="-1" strike="noStrike">
-              <a:solidFill>
-                <a:srgbClr val="000000"/>
-              </a:solidFill>
+            <a:endParaRPr b="0" lang="pt-BR" sz="3200" spc="-1" strike="noStrike">
               <a:latin typeface="Arial"/>
             </a:endParaRPr>
           </a:p>
           <a:p>
             <a:pPr lvl="1" marL="864000" indent="-324000">
-              <a:lnSpc>
-                <a:spcPct val="90000"/>
-              </a:lnSpc>
               <a:spcBef>
                 <a:spcPts val="1134"/>
               </a:spcBef>
@@ -10129,26 +8758,17 @@
               <a:buChar char=""/>
             </a:pPr>
             <a:r>
-              <a:rPr b="0" lang="pt-BR" sz="2000" spc="-1" strike="noStrike">
-                <a:solidFill>
-                  <a:srgbClr val="000000"/>
-                </a:solidFill>
+              <a:rPr b="0" lang="pt-BR" sz="2800" spc="-1" strike="noStrike">
                 <a:latin typeface="Arial"/>
               </a:rPr>
               <a:t>Second Outline Level</a:t>
             </a:r>
-            <a:endParaRPr b="0" lang="pt-BR" sz="2000" spc="-1" strike="noStrike">
-              <a:solidFill>
-                <a:srgbClr val="000000"/>
-              </a:solidFill>
+            <a:endParaRPr b="0" lang="pt-BR" sz="2800" spc="-1" strike="noStrike">
               <a:latin typeface="Arial"/>
             </a:endParaRPr>
           </a:p>
           <a:p>
             <a:pPr lvl="2" marL="1296000" indent="-288000">
-              <a:lnSpc>
-                <a:spcPct val="90000"/>
-              </a:lnSpc>
               <a:spcBef>
                 <a:spcPts val="850"/>
               </a:spcBef>
@@ -10160,26 +8780,17 @@
               <a:buChar char=""/>
             </a:pPr>
             <a:r>
-              <a:rPr b="0" lang="pt-BR" sz="1800" spc="-1" strike="noStrike">
-                <a:solidFill>
-                  <a:srgbClr val="000000"/>
-                </a:solidFill>
+              <a:rPr b="0" lang="pt-BR" sz="2400" spc="-1" strike="noStrike">
                 <a:latin typeface="Arial"/>
               </a:rPr>
               <a:t>Third Outline Level</a:t>
             </a:r>
-            <a:endParaRPr b="0" lang="pt-BR" sz="1800" spc="-1" strike="noStrike">
-              <a:solidFill>
-                <a:srgbClr val="000000"/>
-              </a:solidFill>
+            <a:endParaRPr b="0" lang="pt-BR" sz="2400" spc="-1" strike="noStrike">
               <a:latin typeface="Arial"/>
             </a:endParaRPr>
           </a:p>
           <a:p>
             <a:pPr lvl="3" marL="1728000" indent="-216000">
-              <a:lnSpc>
-                <a:spcPct val="90000"/>
-              </a:lnSpc>
               <a:spcBef>
                 <a:spcPts val="567"/>
               </a:spcBef>
@@ -10191,26 +8802,17 @@
               <a:buChar char=""/>
             </a:pPr>
             <a:r>
-              <a:rPr b="0" lang="pt-BR" sz="1800" spc="-1" strike="noStrike">
-                <a:solidFill>
-                  <a:srgbClr val="000000"/>
-                </a:solidFill>
+              <a:rPr b="0" lang="pt-BR" sz="2000" spc="-1" strike="noStrike">
                 <a:latin typeface="Arial"/>
               </a:rPr>
               <a:t>Fourth Outline Level</a:t>
             </a:r>
-            <a:endParaRPr b="0" lang="pt-BR" sz="1800" spc="-1" strike="noStrike">
-              <a:solidFill>
-                <a:srgbClr val="000000"/>
-              </a:solidFill>
+            <a:endParaRPr b="0" lang="pt-BR" sz="2000" spc="-1" strike="noStrike">
               <a:latin typeface="Arial"/>
             </a:endParaRPr>
           </a:p>
           <a:p>
             <a:pPr lvl="4" marL="2160000" indent="-216000">
-              <a:lnSpc>
-                <a:spcPct val="90000"/>
-              </a:lnSpc>
               <a:spcBef>
                 <a:spcPts val="283"/>
               </a:spcBef>
@@ -10223,25 +8825,16 @@
             </a:pPr>
             <a:r>
               <a:rPr b="0" lang="pt-BR" sz="2000" spc="-1" strike="noStrike">
-                <a:solidFill>
-                  <a:srgbClr val="000000"/>
-                </a:solidFill>
                 <a:latin typeface="Arial"/>
               </a:rPr>
               <a:t>Fifth Outline Level</a:t>
             </a:r>
             <a:endParaRPr b="0" lang="pt-BR" sz="2000" spc="-1" strike="noStrike">
-              <a:solidFill>
-                <a:srgbClr val="000000"/>
-              </a:solidFill>
               <a:latin typeface="Arial"/>
             </a:endParaRPr>
           </a:p>
           <a:p>
             <a:pPr lvl="5" marL="2592000" indent="-216000">
-              <a:lnSpc>
-                <a:spcPct val="90000"/>
-              </a:lnSpc>
               <a:spcBef>
                 <a:spcPts val="283"/>
               </a:spcBef>
@@ -10254,25 +8847,16 @@
             </a:pPr>
             <a:r>
               <a:rPr b="0" lang="pt-BR" sz="2000" spc="-1" strike="noStrike">
-                <a:solidFill>
-                  <a:srgbClr val="000000"/>
-                </a:solidFill>
                 <a:latin typeface="Arial"/>
               </a:rPr>
               <a:t>Sixth Outline Level</a:t>
             </a:r>
             <a:endParaRPr b="0" lang="pt-BR" sz="2000" spc="-1" strike="noStrike">
-              <a:solidFill>
-                <a:srgbClr val="000000"/>
-              </a:solidFill>
               <a:latin typeface="Arial"/>
             </a:endParaRPr>
           </a:p>
           <a:p>
             <a:pPr lvl="6" marL="3024000" indent="-216000">
-              <a:lnSpc>
-                <a:spcPct val="90000"/>
-              </a:lnSpc>
               <a:spcBef>
                 <a:spcPts val="283"/>
               </a:spcBef>
@@ -10285,17 +8869,11 @@
             </a:pPr>
             <a:r>
               <a:rPr b="0" lang="pt-BR" sz="2000" spc="-1" strike="noStrike">
-                <a:solidFill>
-                  <a:srgbClr val="000000"/>
-                </a:solidFill>
                 <a:latin typeface="Arial"/>
               </a:rPr>
               <a:t>Seventh Outline Level</a:t>
             </a:r>
             <a:endParaRPr b="0" lang="pt-BR" sz="2000" spc="-1" strike="noStrike">
-              <a:solidFill>
-                <a:srgbClr val="000000"/>
-              </a:solidFill>
               <a:latin typeface="Arial"/>
             </a:endParaRPr>
           </a:p>
@@ -10347,7 +8925,7 @@
         <p:spPr>
           <a:xfrm>
             <a:off x="360000" y="3330000"/>
-            <a:ext cx="9352080" cy="892080"/>
+            <a:ext cx="9351720" cy="891720"/>
           </a:xfrm>
           <a:prstGeom prst="rect">
             <a:avLst/>
@@ -10399,7 +8977,7 @@
         <p:spPr>
           <a:xfrm>
             <a:off x="540000" y="4660560"/>
-            <a:ext cx="9172080" cy="2512080"/>
+            <a:ext cx="9171720" cy="2511720"/>
           </a:xfrm>
           <a:prstGeom prst="rect">
             <a:avLst/>
@@ -10536,7 +9114,7 @@
         <p:spPr>
           <a:xfrm>
             <a:off x="360000" y="360000"/>
-            <a:ext cx="9351720" cy="891720"/>
+            <a:ext cx="9351360" cy="891360"/>
           </a:xfrm>
           <a:prstGeom prst="rect">
             <a:avLst/>
@@ -10588,7 +9166,7 @@
         <p:spPr>
           <a:xfrm>
             <a:off x="360000" y="1980000"/>
-            <a:ext cx="9171720" cy="4671720"/>
+            <a:ext cx="9171360" cy="4671360"/>
           </a:xfrm>
           <a:prstGeom prst="rect">
             <a:avLst/>
@@ -10720,7 +9298,7 @@
         <p:spPr>
           <a:xfrm>
             <a:off x="897120" y="6886080"/>
-            <a:ext cx="6438960" cy="356760"/>
+            <a:ext cx="6438600" cy="356400"/>
           </a:xfrm>
           <a:prstGeom prst="rect">
             <a:avLst/>
@@ -10772,7 +9350,7 @@
         <p:spPr>
           <a:xfrm>
             <a:off x="7608600" y="6886080"/>
-            <a:ext cx="2277000" cy="356760"/>
+            <a:ext cx="2276640" cy="356400"/>
           </a:xfrm>
           <a:prstGeom prst="rect">
             <a:avLst/>
@@ -10828,7 +9406,7 @@
         <p:spPr>
           <a:xfrm rot="2400">
             <a:off x="2478240" y="3481560"/>
-            <a:ext cx="5267160" cy="1864080"/>
+            <a:ext cx="5266800" cy="1863720"/>
           </a:xfrm>
           <a:prstGeom prst="rect">
             <a:avLst/>
@@ -10847,7 +9425,7 @@
         <p:spPr>
           <a:xfrm>
             <a:off x="4694040" y="5020920"/>
-            <a:ext cx="311760" cy="298080"/>
+            <a:ext cx="311400" cy="297720"/>
           </a:xfrm>
           <a:prstGeom prst="ellipse">
             <a:avLst/>
@@ -10877,7 +9455,7 @@
         <p:spPr>
           <a:xfrm>
             <a:off x="5615280" y="5385960"/>
-            <a:ext cx="155520" cy="285840"/>
+            <a:ext cx="155160" cy="285480"/>
           </a:xfrm>
           <a:custGeom>
             <a:avLst/>
@@ -10936,7 +9514,7 @@
         <p:spPr>
           <a:xfrm>
             <a:off x="4262400" y="5020920"/>
-            <a:ext cx="311760" cy="298080"/>
+            <a:ext cx="311400" cy="297720"/>
           </a:xfrm>
           <a:prstGeom prst="ellipse">
             <a:avLst/>
@@ -10966,7 +9544,7 @@
         <p:spPr>
           <a:xfrm>
             <a:off x="3792240" y="5040000"/>
-            <a:ext cx="311760" cy="298080"/>
+            <a:ext cx="311400" cy="297720"/>
           </a:xfrm>
           <a:prstGeom prst="ellipse">
             <a:avLst/>
@@ -10996,7 +9574,7 @@
         <p:spPr>
           <a:xfrm>
             <a:off x="3360600" y="5040000"/>
-            <a:ext cx="311760" cy="298080"/>
+            <a:ext cx="311400" cy="297720"/>
           </a:xfrm>
           <a:prstGeom prst="ellipse">
             <a:avLst/>
@@ -11026,7 +9604,7 @@
         <p:spPr>
           <a:xfrm>
             <a:off x="2909160" y="5040000"/>
-            <a:ext cx="311760" cy="298080"/>
+            <a:ext cx="311400" cy="297720"/>
           </a:xfrm>
           <a:prstGeom prst="ellipse">
             <a:avLst/>
@@ -11056,7 +9634,7 @@
         <p:spPr>
           <a:xfrm>
             <a:off x="2477520" y="5040000"/>
-            <a:ext cx="311760" cy="298080"/>
+            <a:ext cx="311400" cy="297720"/>
           </a:xfrm>
           <a:prstGeom prst="ellipse">
             <a:avLst/>
@@ -11086,7 +9664,7 @@
         <p:spPr>
           <a:xfrm>
             <a:off x="5543640" y="5013360"/>
-            <a:ext cx="311760" cy="298080"/>
+            <a:ext cx="311400" cy="297720"/>
           </a:xfrm>
           <a:prstGeom prst="ellipse">
             <a:avLst/>
@@ -11116,7 +9694,7 @@
         <p:spPr>
           <a:xfrm>
             <a:off x="5112000" y="5013360"/>
-            <a:ext cx="311760" cy="298080"/>
+            <a:ext cx="311400" cy="297720"/>
           </a:xfrm>
           <a:prstGeom prst="ellipse">
             <a:avLst/>
@@ -11176,7 +9754,7 @@
         <p:spPr>
           <a:xfrm>
             <a:off x="360000" y="360000"/>
-            <a:ext cx="9352080" cy="892080"/>
+            <a:ext cx="9351720" cy="891720"/>
           </a:xfrm>
           <a:prstGeom prst="rect">
             <a:avLst/>
@@ -11228,7 +9806,7 @@
         <p:spPr>
           <a:xfrm>
             <a:off x="897120" y="6886080"/>
-            <a:ext cx="6439320" cy="357120"/>
+            <a:ext cx="6438960" cy="356760"/>
           </a:xfrm>
           <a:prstGeom prst="rect">
             <a:avLst/>
@@ -11280,7 +9858,7 @@
         <p:spPr>
           <a:xfrm>
             <a:off x="7608600" y="6886080"/>
-            <a:ext cx="2277360" cy="357120"/>
+            <a:ext cx="2277000" cy="356760"/>
           </a:xfrm>
           <a:prstGeom prst="rect">
             <a:avLst/>
@@ -11331,8 +9909,8 @@
         </p:nvSpPr>
         <p:spPr>
           <a:xfrm flipH="1" rot="10800000">
-            <a:off x="17998560" y="11128680"/>
-            <a:ext cx="699480" cy="356040"/>
+            <a:off x="17998920" y="11129040"/>
+            <a:ext cx="699120" cy="355680"/>
           </a:xfrm>
           <a:prstGeom prst="bentUpArrow">
             <a:avLst>
@@ -11366,8 +9944,8 @@
         </p:nvSpPr>
         <p:spPr>
           <a:xfrm rot="10800000">
-            <a:off x="16093080" y="11128680"/>
-            <a:ext cx="735840" cy="356040"/>
+            <a:off x="16093440" y="11129040"/>
+            <a:ext cx="735480" cy="355680"/>
           </a:xfrm>
           <a:prstGeom prst="bentUpArrow">
             <a:avLst>
@@ -11407,7 +9985,7 @@
         <p:spPr>
           <a:xfrm>
             <a:off x="2556000" y="2479680"/>
-            <a:ext cx="5052240" cy="2957760"/>
+            <a:ext cx="5051880" cy="2957400"/>
           </a:xfrm>
           <a:prstGeom prst="rect">
             <a:avLst/>
@@ -11456,7 +10034,7 @@
         <p:spPr>
           <a:xfrm>
             <a:off x="360000" y="360000"/>
-            <a:ext cx="9352080" cy="892080"/>
+            <a:ext cx="9351720" cy="891720"/>
           </a:xfrm>
           <a:prstGeom prst="rect">
             <a:avLst/>
@@ -11508,7 +10086,7 @@
         <p:spPr>
           <a:xfrm>
             <a:off x="897120" y="6886080"/>
-            <a:ext cx="6439320" cy="357120"/>
+            <a:ext cx="6438960" cy="356760"/>
           </a:xfrm>
           <a:prstGeom prst="rect">
             <a:avLst/>
@@ -11560,7 +10138,7 @@
         <p:spPr>
           <a:xfrm>
             <a:off x="7608600" y="6886080"/>
-            <a:ext cx="2277360" cy="357120"/>
+            <a:ext cx="2277000" cy="356760"/>
           </a:xfrm>
           <a:prstGeom prst="rect">
             <a:avLst/>
@@ -11611,8 +10189,8 @@
         </p:nvSpPr>
         <p:spPr>
           <a:xfrm flipH="1" rot="10800000">
-            <a:off x="17998560" y="11128680"/>
-            <a:ext cx="699480" cy="356040"/>
+            <a:off x="17998920" y="11129040"/>
+            <a:ext cx="699120" cy="355680"/>
           </a:xfrm>
           <a:prstGeom prst="bentUpArrow">
             <a:avLst>
@@ -11646,8 +10224,8 @@
         </p:nvSpPr>
         <p:spPr>
           <a:xfrm rot="10800000">
-            <a:off x="16093080" y="11128680"/>
-            <a:ext cx="735840" cy="356040"/>
+            <a:off x="16093440" y="11129040"/>
+            <a:ext cx="735480" cy="355680"/>
           </a:xfrm>
           <a:prstGeom prst="bentUpArrow">
             <a:avLst>
@@ -11687,7 +10265,7 @@
         <p:spPr>
           <a:xfrm>
             <a:off x="5008320" y="2076480"/>
-            <a:ext cx="2581920" cy="1511640"/>
+            <a:ext cx="2581560" cy="1511280"/>
           </a:xfrm>
           <a:prstGeom prst="rect">
             <a:avLst/>
@@ -11710,7 +10288,7 @@
         <p:spPr>
           <a:xfrm>
             <a:off x="2341800" y="4175640"/>
-            <a:ext cx="2381400" cy="1780920"/>
+            <a:ext cx="2381040" cy="1780560"/>
           </a:xfrm>
           <a:prstGeom prst="rect">
             <a:avLst/>
@@ -11729,7 +10307,7 @@
         <p:spPr>
           <a:xfrm>
             <a:off x="360000" y="1980000"/>
-            <a:ext cx="9171720" cy="4671720"/>
+            <a:ext cx="9171360" cy="4671360"/>
           </a:xfrm>
           <a:prstGeom prst="rect">
             <a:avLst/>
@@ -11932,8 +10510,8 @@
         </p:nvSpPr>
         <p:spPr>
           <a:xfrm flipH="1" rot="16200000">
-            <a:off x="1191960" y="3930840"/>
-            <a:ext cx="2003760" cy="1702080"/>
+            <a:off x="1191600" y="3930840"/>
+            <a:ext cx="2003400" cy="1701720"/>
           </a:xfrm>
           <a:prstGeom prst="bentConnector3">
             <a:avLst>
@@ -11970,7 +10548,7 @@
         <p:spPr>
           <a:xfrm>
             <a:off x="2811240" y="4542840"/>
-            <a:ext cx="320760" cy="943200"/>
+            <a:ext cx="320400" cy="942840"/>
           </a:xfrm>
           <a:prstGeom prst="leftBrace">
             <a:avLst>
@@ -12006,8 +10584,8 @@
         </p:nvSpPr>
         <p:spPr>
           <a:xfrm flipH="1" rot="16200000">
-            <a:off x="1557000" y="3813480"/>
-            <a:ext cx="1672560" cy="660960"/>
+            <a:off x="1556640" y="3813480"/>
+            <a:ext cx="1672200" cy="660600"/>
           </a:xfrm>
           <a:prstGeom prst="bentConnector3">
             <a:avLst>
@@ -12043,8 +10621,8 @@
         </p:nvSpPr>
         <p:spPr>
           <a:xfrm flipH="1" rot="16200000">
-            <a:off x="2529000" y="3066840"/>
-            <a:ext cx="1302840" cy="914040"/>
+            <a:off x="2529360" y="3066840"/>
+            <a:ext cx="1302480" cy="913680"/>
           </a:xfrm>
           <a:prstGeom prst="bentConnector3">
             <a:avLst>
@@ -12080,8 +10658,8 @@
         </p:nvSpPr>
         <p:spPr>
           <a:xfrm flipH="1" rot="16200000">
-            <a:off x="2002320" y="2928960"/>
-            <a:ext cx="1675080" cy="816840"/>
+            <a:off x="2002680" y="2928960"/>
+            <a:ext cx="1674720" cy="816480"/>
           </a:xfrm>
           <a:prstGeom prst="bentConnector3">
             <a:avLst>
@@ -12148,7 +10726,7 @@
         <p:spPr>
           <a:xfrm>
             <a:off x="360000" y="360000"/>
-            <a:ext cx="9352080" cy="892080"/>
+            <a:ext cx="9351720" cy="891720"/>
           </a:xfrm>
           <a:prstGeom prst="rect">
             <a:avLst/>
@@ -12200,7 +10778,7 @@
         <p:spPr>
           <a:xfrm>
             <a:off x="897120" y="6886080"/>
-            <a:ext cx="6439320" cy="357120"/>
+            <a:ext cx="6438960" cy="356760"/>
           </a:xfrm>
           <a:prstGeom prst="rect">
             <a:avLst/>
@@ -12252,7 +10830,7 @@
         <p:spPr>
           <a:xfrm>
             <a:off x="7608600" y="6886080"/>
-            <a:ext cx="2277360" cy="357120"/>
+            <a:ext cx="2277000" cy="356760"/>
           </a:xfrm>
           <a:prstGeom prst="rect">
             <a:avLst/>
@@ -12303,8 +10881,8 @@
         </p:nvSpPr>
         <p:spPr>
           <a:xfrm flipH="1" rot="10800000">
-            <a:off x="17998560" y="11128680"/>
-            <a:ext cx="699480" cy="356040"/>
+            <a:off x="17998920" y="11129040"/>
+            <a:ext cx="699120" cy="355680"/>
           </a:xfrm>
           <a:prstGeom prst="bentUpArrow">
             <a:avLst>
@@ -12338,8 +10916,8 @@
         </p:nvSpPr>
         <p:spPr>
           <a:xfrm rot="10800000">
-            <a:off x="16093080" y="11128680"/>
-            <a:ext cx="735840" cy="356040"/>
+            <a:off x="16093440" y="11129040"/>
+            <a:ext cx="735480" cy="355680"/>
           </a:xfrm>
           <a:prstGeom prst="bentUpArrow">
             <a:avLst>
@@ -12374,7 +10952,7 @@
         <p:spPr>
           <a:xfrm>
             <a:off x="360000" y="1733400"/>
-            <a:ext cx="9171720" cy="4671720"/>
+            <a:ext cx="9171360" cy="4671360"/>
           </a:xfrm>
           <a:prstGeom prst="rect">
             <a:avLst/>
@@ -12452,7 +11030,7 @@
         <p:spPr>
           <a:xfrm>
             <a:off x="598680" y="2478240"/>
-            <a:ext cx="2305080" cy="3867480"/>
+            <a:ext cx="2304720" cy="3867120"/>
           </a:xfrm>
           <a:prstGeom prst="rect">
             <a:avLst/>
@@ -12475,7 +11053,7 @@
         <p:spPr>
           <a:xfrm>
             <a:off x="5036400" y="2703600"/>
-            <a:ext cx="1429200" cy="1068840"/>
+            <a:ext cx="1428840" cy="1068480"/>
           </a:xfrm>
           <a:prstGeom prst="rect">
             <a:avLst/>
@@ -12494,7 +11072,7 @@
         <p:spPr>
           <a:xfrm>
             <a:off x="3294360" y="3080160"/>
-            <a:ext cx="972360" cy="157680"/>
+            <a:ext cx="972000" cy="157320"/>
           </a:xfrm>
           <a:prstGeom prst="rightArrow">
             <a:avLst>
@@ -12534,8 +11112,8 @@
         </p:nvSpPr>
         <p:spPr>
           <a:xfrm rot="10800000">
-            <a:off x="3294720" y="3321000"/>
-            <a:ext cx="972360" cy="157680"/>
+            <a:off x="3295080" y="3321360"/>
+            <a:ext cx="972000" cy="157320"/>
           </a:xfrm>
           <a:prstGeom prst="rightArrow">
             <a:avLst>
@@ -12576,7 +11154,7 @@
         <p:spPr>
           <a:xfrm>
             <a:off x="3223080" y="5129640"/>
-            <a:ext cx="972360" cy="157680"/>
+            <a:ext cx="972000" cy="157320"/>
           </a:xfrm>
           <a:prstGeom prst="rightArrow">
             <a:avLst>
@@ -12616,8 +11194,8 @@
         </p:nvSpPr>
         <p:spPr>
           <a:xfrm rot="10800000">
-            <a:off x="3223440" y="5370120"/>
-            <a:ext cx="972360" cy="157680"/>
+            <a:off x="3223800" y="5370480"/>
+            <a:ext cx="972000" cy="157320"/>
           </a:xfrm>
           <a:prstGeom prst="rightArrow">
             <a:avLst>
@@ -12662,7 +11240,7 @@
         <p:spPr>
           <a:xfrm>
             <a:off x="5036400" y="4673880"/>
-            <a:ext cx="1429200" cy="1068840"/>
+            <a:ext cx="1428840" cy="1068480"/>
           </a:xfrm>
           <a:prstGeom prst="rect">
             <a:avLst/>
@@ -12711,7 +11289,7 @@
         <p:spPr>
           <a:xfrm>
             <a:off x="360000" y="360000"/>
-            <a:ext cx="9352080" cy="892080"/>
+            <a:ext cx="9351720" cy="891720"/>
           </a:xfrm>
           <a:prstGeom prst="rect">
             <a:avLst/>
@@ -12763,7 +11341,7 @@
         <p:spPr>
           <a:xfrm>
             <a:off x="897120" y="6886080"/>
-            <a:ext cx="6439320" cy="357120"/>
+            <a:ext cx="6438960" cy="356760"/>
           </a:xfrm>
           <a:prstGeom prst="rect">
             <a:avLst/>
@@ -12815,7 +11393,7 @@
         <p:spPr>
           <a:xfrm>
             <a:off x="7608600" y="6886080"/>
-            <a:ext cx="2277360" cy="357120"/>
+            <a:ext cx="2277000" cy="356760"/>
           </a:xfrm>
           <a:prstGeom prst="rect">
             <a:avLst/>
@@ -12866,8 +11444,8 @@
         </p:nvSpPr>
         <p:spPr>
           <a:xfrm flipH="1" rot="10800000">
-            <a:off x="17998560" y="11128680"/>
-            <a:ext cx="699480" cy="356040"/>
+            <a:off x="17998920" y="11129040"/>
+            <a:ext cx="699120" cy="355680"/>
           </a:xfrm>
           <a:prstGeom prst="bentUpArrow">
             <a:avLst>
@@ -12901,8 +11479,8 @@
         </p:nvSpPr>
         <p:spPr>
           <a:xfrm rot="10800000">
-            <a:off x="16093080" y="11128680"/>
-            <a:ext cx="735840" cy="356040"/>
+            <a:off x="16093440" y="11129040"/>
+            <a:ext cx="735480" cy="355680"/>
           </a:xfrm>
           <a:prstGeom prst="bentUpArrow">
             <a:avLst>
@@ -12937,7 +11515,7 @@
         <p:spPr>
           <a:xfrm>
             <a:off x="360000" y="1733400"/>
-            <a:ext cx="9171720" cy="4671720"/>
+            <a:ext cx="9171360" cy="4671360"/>
           </a:xfrm>
           <a:prstGeom prst="rect">
             <a:avLst/>
@@ -12980,77 +11558,7 @@
                 <a:latin typeface="Latin Modern Sans"/>
                 <a:ea typeface="DejaVu Sans"/>
               </a:rPr>
-              <a:t>C</a:t>
-            </a:r>
-            <a:r>
-              <a:rPr b="0" lang="pt-BR" sz="1600" spc="-1" strike="noStrike">
-                <a:solidFill>
-                  <a:srgbClr val="1c1c1c"/>
-                </a:solidFill>
-                <a:latin typeface="Latin Modern Sans"/>
-                <a:ea typeface="DejaVu Sans"/>
-              </a:rPr>
-              <a:t>o</a:t>
-            </a:r>
-            <a:r>
-              <a:rPr b="0" lang="pt-BR" sz="1600" spc="-1" strike="noStrike">
-                <a:solidFill>
-                  <a:srgbClr val="1c1c1c"/>
-                </a:solidFill>
-                <a:latin typeface="Latin Modern Sans"/>
-                <a:ea typeface="DejaVu Sans"/>
-              </a:rPr>
-              <a:t>n</a:t>
-            </a:r>
-            <a:r>
-              <a:rPr b="0" lang="pt-BR" sz="1600" spc="-1" strike="noStrike">
-                <a:solidFill>
-                  <a:srgbClr val="1c1c1c"/>
-                </a:solidFill>
-                <a:latin typeface="Latin Modern Sans"/>
-                <a:ea typeface="DejaVu Sans"/>
-              </a:rPr>
-              <a:t>t</a:t>
-            </a:r>
-            <a:r>
-              <a:rPr b="0" lang="pt-BR" sz="1600" spc="-1" strike="noStrike">
-                <a:solidFill>
-                  <a:srgbClr val="1c1c1c"/>
-                </a:solidFill>
-                <a:latin typeface="Latin Modern Sans"/>
-                <a:ea typeface="DejaVu Sans"/>
-              </a:rPr>
-              <a:t>e</a:t>
-            </a:r>
-            <a:r>
-              <a:rPr b="0" lang="pt-BR" sz="1600" spc="-1" strike="noStrike">
-                <a:solidFill>
-                  <a:srgbClr val="1c1c1c"/>
-                </a:solidFill>
-                <a:latin typeface="Latin Modern Sans"/>
-                <a:ea typeface="DejaVu Sans"/>
-              </a:rPr>
-              <a:t>x</a:t>
-            </a:r>
-            <a:r>
-              <a:rPr b="0" lang="pt-BR" sz="1600" spc="-1" strike="noStrike">
-                <a:solidFill>
-                  <a:srgbClr val="1c1c1c"/>
-                </a:solidFill>
-                <a:latin typeface="Latin Modern Sans"/>
-                <a:ea typeface="DejaVu Sans"/>
-              </a:rPr>
-              <a:t>t</a:t>
-            </a:r>
-            <a:r>
-              <a:rPr b="0" lang="pt-BR" sz="1600" spc="-1" strike="noStrike">
-                <a:solidFill>
-                  <a:srgbClr val="1c1c1c"/>
-                </a:solidFill>
-                <a:latin typeface="Latin Modern Sans"/>
-                <a:ea typeface="DejaVu Sans"/>
-              </a:rPr>
-              <a:t>o</a:t>
+              <a:t>Contexto</a:t>
             </a:r>
             <a:endParaRPr b="0" lang="pt-BR" sz="1600" spc="-1" strike="noStrike">
               <a:latin typeface="Arial"/>
@@ -13079,1207 +11587,7 @@
                 <a:latin typeface="Latin Modern Sans"/>
                 <a:ea typeface="DejaVu Sans"/>
               </a:rPr>
-              <a:t>O</a:t>
-            </a:r>
-            <a:r>
-              <a:rPr b="0" lang="pt-BR" sz="1600" spc="-1" strike="noStrike">
-                <a:solidFill>
-                  <a:srgbClr val="1c1c1c"/>
-                </a:solidFill>
-                <a:latin typeface="Latin Modern Sans"/>
-                <a:ea typeface="DejaVu Sans"/>
-              </a:rPr>
-              <a:t> </a:t>
-            </a:r>
-            <a:r>
-              <a:rPr b="0" lang="pt-BR" sz="1600" spc="-1" strike="noStrike">
-                <a:solidFill>
-                  <a:srgbClr val="1c1c1c"/>
-                </a:solidFill>
-                <a:latin typeface="Latin Modern Sans"/>
-                <a:ea typeface="DejaVu Sans"/>
-              </a:rPr>
-              <a:t>q</a:t>
-            </a:r>
-            <a:r>
-              <a:rPr b="0" lang="pt-BR" sz="1600" spc="-1" strike="noStrike">
-                <a:solidFill>
-                  <a:srgbClr val="1c1c1c"/>
-                </a:solidFill>
-                <a:latin typeface="Latin Modern Sans"/>
-                <a:ea typeface="DejaVu Sans"/>
-              </a:rPr>
-              <a:t>u</a:t>
-            </a:r>
-            <a:r>
-              <a:rPr b="0" lang="pt-BR" sz="1600" spc="-1" strike="noStrike">
-                <a:solidFill>
-                  <a:srgbClr val="1c1c1c"/>
-                </a:solidFill>
-                <a:latin typeface="Latin Modern Sans"/>
-                <a:ea typeface="DejaVu Sans"/>
-              </a:rPr>
-              <a:t>e</a:t>
-            </a:r>
-            <a:r>
-              <a:rPr b="0" lang="pt-BR" sz="1600" spc="-1" strike="noStrike">
-                <a:solidFill>
-                  <a:srgbClr val="1c1c1c"/>
-                </a:solidFill>
-                <a:latin typeface="Latin Modern Sans"/>
-                <a:ea typeface="DejaVu Sans"/>
-              </a:rPr>
-              <a:t> </a:t>
-            </a:r>
-            <a:r>
-              <a:rPr b="0" lang="pt-BR" sz="1600" spc="-1" strike="noStrike">
-                <a:solidFill>
-                  <a:srgbClr val="1c1c1c"/>
-                </a:solidFill>
-                <a:latin typeface="Latin Modern Sans"/>
-                <a:ea typeface="DejaVu Sans"/>
-              </a:rPr>
-              <a:t>o</a:t>
-            </a:r>
-            <a:r>
-              <a:rPr b="0" lang="pt-BR" sz="1600" spc="-1" strike="noStrike">
-                <a:solidFill>
-                  <a:srgbClr val="1c1c1c"/>
-                </a:solidFill>
-                <a:latin typeface="Latin Modern Sans"/>
-                <a:ea typeface="DejaVu Sans"/>
-              </a:rPr>
-              <a:t>c</a:t>
-            </a:r>
-            <a:r>
-              <a:rPr b="0" lang="pt-BR" sz="1600" spc="-1" strike="noStrike">
-                <a:solidFill>
-                  <a:srgbClr val="1c1c1c"/>
-                </a:solidFill>
-                <a:latin typeface="Latin Modern Sans"/>
-                <a:ea typeface="DejaVu Sans"/>
-              </a:rPr>
-              <a:t>o</a:t>
-            </a:r>
-            <a:r>
-              <a:rPr b="0" lang="pt-BR" sz="1600" spc="-1" strike="noStrike">
-                <a:solidFill>
-                  <a:srgbClr val="1c1c1c"/>
-                </a:solidFill>
-                <a:latin typeface="Latin Modern Sans"/>
-                <a:ea typeface="DejaVu Sans"/>
-              </a:rPr>
-              <a:t>r</a:t>
-            </a:r>
-            <a:r>
-              <a:rPr b="0" lang="pt-BR" sz="1600" spc="-1" strike="noStrike">
-                <a:solidFill>
-                  <a:srgbClr val="1c1c1c"/>
-                </a:solidFill>
-                <a:latin typeface="Latin Modern Sans"/>
-                <a:ea typeface="DejaVu Sans"/>
-              </a:rPr>
-              <a:t>r</a:t>
-            </a:r>
-            <a:r>
-              <a:rPr b="0" lang="pt-BR" sz="1600" spc="-1" strike="noStrike">
-                <a:solidFill>
-                  <a:srgbClr val="1c1c1c"/>
-                </a:solidFill>
-                <a:latin typeface="Latin Modern Sans"/>
-                <a:ea typeface="DejaVu Sans"/>
-              </a:rPr>
-              <a:t>e</a:t>
-            </a:r>
-            <a:r>
-              <a:rPr b="0" lang="pt-BR" sz="1600" spc="-1" strike="noStrike">
-                <a:solidFill>
-                  <a:srgbClr val="1c1c1c"/>
-                </a:solidFill>
-                <a:latin typeface="Latin Modern Sans"/>
-                <a:ea typeface="DejaVu Sans"/>
-              </a:rPr>
-              <a:t> </a:t>
-            </a:r>
-            <a:r>
-              <a:rPr b="0" lang="pt-BR" sz="1600" spc="-1" strike="noStrike">
-                <a:solidFill>
-                  <a:srgbClr val="1c1c1c"/>
-                </a:solidFill>
-                <a:latin typeface="Latin Modern Sans"/>
-                <a:ea typeface="DejaVu Sans"/>
-              </a:rPr>
-              <a:t>n</a:t>
-            </a:r>
-            <a:r>
-              <a:rPr b="0" lang="pt-BR" sz="1600" spc="-1" strike="noStrike">
-                <a:solidFill>
-                  <a:srgbClr val="1c1c1c"/>
-                </a:solidFill>
-                <a:latin typeface="Latin Modern Sans"/>
-                <a:ea typeface="DejaVu Sans"/>
-              </a:rPr>
-              <a:t>a</a:t>
-            </a:r>
-            <a:r>
-              <a:rPr b="0" lang="pt-BR" sz="1600" spc="-1" strike="noStrike">
-                <a:solidFill>
-                  <a:srgbClr val="1c1c1c"/>
-                </a:solidFill>
-                <a:latin typeface="Latin Modern Sans"/>
-                <a:ea typeface="DejaVu Sans"/>
-              </a:rPr>
-              <a:t> </a:t>
-            </a:r>
-            <a:r>
-              <a:rPr b="0" lang="pt-BR" sz="1600" spc="-1" strike="noStrike">
-                <a:solidFill>
-                  <a:srgbClr val="1c1c1c"/>
-                </a:solidFill>
-                <a:latin typeface="Latin Modern Sans"/>
-                <a:ea typeface="DejaVu Sans"/>
-              </a:rPr>
-              <a:t>f</a:t>
-            </a:r>
-            <a:r>
-              <a:rPr b="0" lang="pt-BR" sz="1600" spc="-1" strike="noStrike">
-                <a:solidFill>
-                  <a:srgbClr val="1c1c1c"/>
-                </a:solidFill>
-                <a:latin typeface="Latin Modern Sans"/>
-                <a:ea typeface="DejaVu Sans"/>
-              </a:rPr>
-              <a:t>u</a:t>
-            </a:r>
-            <a:r>
-              <a:rPr b="0" lang="pt-BR" sz="1600" spc="-1" strike="noStrike">
-                <a:solidFill>
-                  <a:srgbClr val="1c1c1c"/>
-                </a:solidFill>
-                <a:latin typeface="Latin Modern Sans"/>
-                <a:ea typeface="DejaVu Sans"/>
-              </a:rPr>
-              <a:t>n</a:t>
-            </a:r>
-            <a:r>
-              <a:rPr b="0" lang="pt-BR" sz="1600" spc="-1" strike="noStrike">
-                <a:solidFill>
-                  <a:srgbClr val="1c1c1c"/>
-                </a:solidFill>
-                <a:latin typeface="Latin Modern Sans"/>
-                <a:ea typeface="DejaVu Sans"/>
-              </a:rPr>
-              <a:t>ç</a:t>
-            </a:r>
-            <a:r>
-              <a:rPr b="0" lang="pt-BR" sz="1600" spc="-1" strike="noStrike">
-                <a:solidFill>
-                  <a:srgbClr val="1c1c1c"/>
-                </a:solidFill>
-                <a:latin typeface="Latin Modern Sans"/>
-                <a:ea typeface="DejaVu Sans"/>
-              </a:rPr>
-              <a:t>ã</a:t>
-            </a:r>
-            <a:r>
-              <a:rPr b="0" lang="pt-BR" sz="1600" spc="-1" strike="noStrike">
-                <a:solidFill>
-                  <a:srgbClr val="1c1c1c"/>
-                </a:solidFill>
-                <a:latin typeface="Latin Modern Sans"/>
-                <a:ea typeface="DejaVu Sans"/>
-              </a:rPr>
-              <a:t>o</a:t>
-            </a:r>
-            <a:r>
-              <a:rPr b="0" lang="pt-BR" sz="1600" spc="-1" strike="noStrike">
-                <a:solidFill>
-                  <a:srgbClr val="1c1c1c"/>
-                </a:solidFill>
-                <a:latin typeface="Latin Modern Sans"/>
-                <a:ea typeface="DejaVu Sans"/>
-              </a:rPr>
-              <a:t> </a:t>
-            </a:r>
-            <a:r>
-              <a:rPr b="0" lang="pt-BR" sz="1600" spc="-1" strike="noStrike">
-                <a:solidFill>
-                  <a:srgbClr val="1c1c1c"/>
-                </a:solidFill>
-                <a:latin typeface="Latin Modern Sans"/>
-                <a:ea typeface="DejaVu Sans"/>
-              </a:rPr>
-              <a:t>é</a:t>
-            </a:r>
-            <a:r>
-              <a:rPr b="0" lang="pt-BR" sz="1600" spc="-1" strike="noStrike">
-                <a:solidFill>
-                  <a:srgbClr val="1c1c1c"/>
-                </a:solidFill>
-                <a:latin typeface="Latin Modern Sans"/>
-                <a:ea typeface="DejaVu Sans"/>
-              </a:rPr>
-              <a:t> </a:t>
-            </a:r>
-            <a:r>
-              <a:rPr b="0" lang="pt-BR" sz="1600" spc="-1" strike="noStrike">
-                <a:solidFill>
-                  <a:srgbClr val="1c1c1c"/>
-                </a:solidFill>
-                <a:latin typeface="Latin Modern Sans"/>
-                <a:ea typeface="DejaVu Sans"/>
-              </a:rPr>
-              <a:t>‘</a:t>
-            </a:r>
-            <a:r>
-              <a:rPr b="0" lang="pt-BR" sz="1600" spc="-1" strike="noStrike">
-                <a:solidFill>
-                  <a:srgbClr val="1c1c1c"/>
-                </a:solidFill>
-                <a:latin typeface="Latin Modern Sans"/>
-                <a:ea typeface="DejaVu Sans"/>
-              </a:rPr>
-              <a:t>i</a:t>
-            </a:r>
-            <a:r>
-              <a:rPr b="0" lang="pt-BR" sz="1600" spc="-1" strike="noStrike">
-                <a:solidFill>
-                  <a:srgbClr val="1c1c1c"/>
-                </a:solidFill>
-                <a:latin typeface="Latin Modern Sans"/>
-                <a:ea typeface="DejaVu Sans"/>
-              </a:rPr>
-              <a:t>n</a:t>
-            </a:r>
-            <a:r>
-              <a:rPr b="0" lang="pt-BR" sz="1600" spc="-1" strike="noStrike">
-                <a:solidFill>
-                  <a:srgbClr val="1c1c1c"/>
-                </a:solidFill>
-                <a:latin typeface="Latin Modern Sans"/>
-                <a:ea typeface="DejaVu Sans"/>
-              </a:rPr>
-              <a:t>d</a:t>
-            </a:r>
-            <a:r>
-              <a:rPr b="0" lang="pt-BR" sz="1600" spc="-1" strike="noStrike">
-                <a:solidFill>
-                  <a:srgbClr val="1c1c1c"/>
-                </a:solidFill>
-                <a:latin typeface="Latin Modern Sans"/>
-                <a:ea typeface="DejaVu Sans"/>
-              </a:rPr>
-              <a:t>e</a:t>
-            </a:r>
-            <a:r>
-              <a:rPr b="0" lang="pt-BR" sz="1600" spc="-1" strike="noStrike">
-                <a:solidFill>
-                  <a:srgbClr val="1c1c1c"/>
-                </a:solidFill>
-                <a:latin typeface="Latin Modern Sans"/>
-                <a:ea typeface="DejaVu Sans"/>
-              </a:rPr>
-              <a:t>p</a:t>
-            </a:r>
-            <a:r>
-              <a:rPr b="0" lang="pt-BR" sz="1600" spc="-1" strike="noStrike">
-                <a:solidFill>
-                  <a:srgbClr val="1c1c1c"/>
-                </a:solidFill>
-                <a:latin typeface="Latin Modern Sans"/>
-                <a:ea typeface="DejaVu Sans"/>
-              </a:rPr>
-              <a:t>e</a:t>
-            </a:r>
-            <a:r>
-              <a:rPr b="0" lang="pt-BR" sz="1600" spc="-1" strike="noStrike">
-                <a:solidFill>
-                  <a:srgbClr val="1c1c1c"/>
-                </a:solidFill>
-                <a:latin typeface="Latin Modern Sans"/>
-                <a:ea typeface="DejaVu Sans"/>
-              </a:rPr>
-              <a:t>n</a:t>
-            </a:r>
-            <a:r>
-              <a:rPr b="0" lang="pt-BR" sz="1600" spc="-1" strike="noStrike">
-                <a:solidFill>
-                  <a:srgbClr val="1c1c1c"/>
-                </a:solidFill>
-                <a:latin typeface="Latin Modern Sans"/>
-                <a:ea typeface="DejaVu Sans"/>
-              </a:rPr>
-              <a:t>d</a:t>
-            </a:r>
-            <a:r>
-              <a:rPr b="0" lang="pt-BR" sz="1600" spc="-1" strike="noStrike">
-                <a:solidFill>
-                  <a:srgbClr val="1c1c1c"/>
-                </a:solidFill>
-                <a:latin typeface="Latin Modern Sans"/>
-                <a:ea typeface="DejaVu Sans"/>
-              </a:rPr>
-              <a:t>e</a:t>
-            </a:r>
-            <a:r>
-              <a:rPr b="0" lang="pt-BR" sz="1600" spc="-1" strike="noStrike">
-                <a:solidFill>
-                  <a:srgbClr val="1c1c1c"/>
-                </a:solidFill>
-                <a:latin typeface="Latin Modern Sans"/>
-                <a:ea typeface="DejaVu Sans"/>
-              </a:rPr>
-              <a:t>n</a:t>
-            </a:r>
-            <a:r>
-              <a:rPr b="0" lang="pt-BR" sz="1600" spc="-1" strike="noStrike">
-                <a:solidFill>
-                  <a:srgbClr val="1c1c1c"/>
-                </a:solidFill>
-                <a:latin typeface="Latin Modern Sans"/>
-                <a:ea typeface="DejaVu Sans"/>
-              </a:rPr>
-              <a:t>t</a:t>
-            </a:r>
-            <a:r>
-              <a:rPr b="0" lang="pt-BR" sz="1600" spc="-1" strike="noStrike">
-                <a:solidFill>
-                  <a:srgbClr val="1c1c1c"/>
-                </a:solidFill>
-                <a:latin typeface="Latin Modern Sans"/>
-                <a:ea typeface="DejaVu Sans"/>
-              </a:rPr>
-              <a:t>e</a:t>
-            </a:r>
-            <a:r>
-              <a:rPr b="0" lang="pt-BR" sz="1600" spc="-1" strike="noStrike">
-                <a:solidFill>
-                  <a:srgbClr val="1c1c1c"/>
-                </a:solidFill>
-                <a:latin typeface="Latin Modern Sans"/>
-                <a:ea typeface="DejaVu Sans"/>
-              </a:rPr>
-              <a:t>’</a:t>
-            </a:r>
-            <a:r>
-              <a:rPr b="0" lang="pt-BR" sz="1600" spc="-1" strike="noStrike">
-                <a:solidFill>
-                  <a:srgbClr val="1c1c1c"/>
-                </a:solidFill>
-                <a:latin typeface="Latin Modern Sans"/>
-                <a:ea typeface="DejaVu Sans"/>
-              </a:rPr>
-              <a:t> </a:t>
-            </a:r>
-            <a:r>
-              <a:rPr b="0" lang="pt-BR" sz="1600" spc="-1" strike="noStrike">
-                <a:solidFill>
-                  <a:srgbClr val="1c1c1c"/>
-                </a:solidFill>
-                <a:latin typeface="Latin Modern Sans"/>
-                <a:ea typeface="DejaVu Sans"/>
-              </a:rPr>
-              <a:t>d</a:t>
-            </a:r>
-            <a:r>
-              <a:rPr b="0" lang="pt-BR" sz="1600" spc="-1" strike="noStrike">
-                <a:solidFill>
-                  <a:srgbClr val="1c1c1c"/>
-                </a:solidFill>
-                <a:latin typeface="Latin Modern Sans"/>
-                <a:ea typeface="DejaVu Sans"/>
-              </a:rPr>
-              <a:t>o</a:t>
-            </a:r>
-            <a:r>
-              <a:rPr b="0" lang="pt-BR" sz="1600" spc="-1" strike="noStrike">
-                <a:solidFill>
-                  <a:srgbClr val="1c1c1c"/>
-                </a:solidFill>
-                <a:latin typeface="Latin Modern Sans"/>
-                <a:ea typeface="DejaVu Sans"/>
-              </a:rPr>
-              <a:t> </a:t>
-            </a:r>
-            <a:r>
-              <a:rPr b="0" lang="pt-BR" sz="1600" spc="-1" strike="noStrike">
-                <a:solidFill>
-                  <a:srgbClr val="1c1c1c"/>
-                </a:solidFill>
-                <a:latin typeface="Latin Modern Sans"/>
-                <a:ea typeface="DejaVu Sans"/>
-              </a:rPr>
-              <a:t>q</a:t>
-            </a:r>
-            <a:r>
-              <a:rPr b="0" lang="pt-BR" sz="1600" spc="-1" strike="noStrike">
-                <a:solidFill>
-                  <a:srgbClr val="1c1c1c"/>
-                </a:solidFill>
-                <a:latin typeface="Latin Modern Sans"/>
-                <a:ea typeface="DejaVu Sans"/>
-              </a:rPr>
-              <a:t>u</a:t>
-            </a:r>
-            <a:r>
-              <a:rPr b="0" lang="pt-BR" sz="1600" spc="-1" strike="noStrike">
-                <a:solidFill>
-                  <a:srgbClr val="1c1c1c"/>
-                </a:solidFill>
-                <a:latin typeface="Latin Modern Sans"/>
-                <a:ea typeface="DejaVu Sans"/>
-              </a:rPr>
-              <a:t>e</a:t>
-            </a:r>
-            <a:r>
-              <a:rPr b="0" lang="pt-BR" sz="1600" spc="-1" strike="noStrike">
-                <a:solidFill>
-                  <a:srgbClr val="1c1c1c"/>
-                </a:solidFill>
-                <a:latin typeface="Latin Modern Sans"/>
-                <a:ea typeface="DejaVu Sans"/>
-              </a:rPr>
-              <a:t> </a:t>
-            </a:r>
-            <a:r>
-              <a:rPr b="0" lang="pt-BR" sz="1600" spc="-1" strike="noStrike">
-                <a:solidFill>
-                  <a:srgbClr val="1c1c1c"/>
-                </a:solidFill>
-                <a:latin typeface="Latin Modern Sans"/>
-                <a:ea typeface="DejaVu Sans"/>
-              </a:rPr>
-              <a:t>o</a:t>
-            </a:r>
-            <a:r>
-              <a:rPr b="0" lang="pt-BR" sz="1600" spc="-1" strike="noStrike">
-                <a:solidFill>
-                  <a:srgbClr val="1c1c1c"/>
-                </a:solidFill>
-                <a:latin typeface="Latin Modern Sans"/>
-                <a:ea typeface="DejaVu Sans"/>
-              </a:rPr>
-              <a:t>c</a:t>
-            </a:r>
-            <a:r>
-              <a:rPr b="0" lang="pt-BR" sz="1600" spc="-1" strike="noStrike">
-                <a:solidFill>
-                  <a:srgbClr val="1c1c1c"/>
-                </a:solidFill>
-                <a:latin typeface="Latin Modern Sans"/>
-                <a:ea typeface="DejaVu Sans"/>
-              </a:rPr>
-              <a:t>o</a:t>
-            </a:r>
-            <a:r>
-              <a:rPr b="0" lang="pt-BR" sz="1600" spc="-1" strike="noStrike">
-                <a:solidFill>
-                  <a:srgbClr val="1c1c1c"/>
-                </a:solidFill>
-                <a:latin typeface="Latin Modern Sans"/>
-                <a:ea typeface="DejaVu Sans"/>
-              </a:rPr>
-              <a:t>r</a:t>
-            </a:r>
-            <a:r>
-              <a:rPr b="0" lang="pt-BR" sz="1600" spc="-1" strike="noStrike">
-                <a:solidFill>
-                  <a:srgbClr val="1c1c1c"/>
-                </a:solidFill>
-                <a:latin typeface="Latin Modern Sans"/>
-                <a:ea typeface="DejaVu Sans"/>
-              </a:rPr>
-              <a:t>r</a:t>
-            </a:r>
-            <a:r>
-              <a:rPr b="0" lang="pt-BR" sz="1600" spc="-1" strike="noStrike">
-                <a:solidFill>
-                  <a:srgbClr val="1c1c1c"/>
-                </a:solidFill>
-                <a:latin typeface="Latin Modern Sans"/>
-                <a:ea typeface="DejaVu Sans"/>
-              </a:rPr>
-              <a:t>e</a:t>
-            </a:r>
-            <a:r>
-              <a:rPr b="0" lang="pt-BR" sz="1600" spc="-1" strike="noStrike">
-                <a:solidFill>
-                  <a:srgbClr val="1c1c1c"/>
-                </a:solidFill>
-                <a:latin typeface="Latin Modern Sans"/>
-                <a:ea typeface="DejaVu Sans"/>
-              </a:rPr>
-              <a:t> </a:t>
-            </a:r>
-            <a:r>
-              <a:rPr b="0" lang="pt-BR" sz="1600" spc="-1" strike="noStrike">
-                <a:solidFill>
-                  <a:srgbClr val="1c1c1c"/>
-                </a:solidFill>
-                <a:latin typeface="Latin Modern Sans"/>
-                <a:ea typeface="DejaVu Sans"/>
-              </a:rPr>
-              <a:t>e</a:t>
-            </a:r>
-            <a:r>
-              <a:rPr b="0" lang="pt-BR" sz="1600" spc="-1" strike="noStrike">
-                <a:solidFill>
-                  <a:srgbClr val="1c1c1c"/>
-                </a:solidFill>
-                <a:latin typeface="Latin Modern Sans"/>
-                <a:ea typeface="DejaVu Sans"/>
-              </a:rPr>
-              <a:t>m</a:t>
-            </a:r>
-            <a:r>
-              <a:rPr b="0" lang="pt-BR" sz="1600" spc="-1" strike="noStrike">
-                <a:solidFill>
-                  <a:srgbClr val="1c1c1c"/>
-                </a:solidFill>
-                <a:latin typeface="Latin Modern Sans"/>
-                <a:ea typeface="DejaVu Sans"/>
-              </a:rPr>
-              <a:t> </a:t>
-            </a:r>
-            <a:r>
-              <a:rPr b="0" lang="pt-BR" sz="1600" spc="-1" strike="noStrike">
-                <a:solidFill>
-                  <a:srgbClr val="1c1c1c"/>
-                </a:solidFill>
-                <a:latin typeface="Latin Modern Sans"/>
-                <a:ea typeface="DejaVu Sans"/>
-              </a:rPr>
-              <a:t>o</a:t>
-            </a:r>
-            <a:r>
-              <a:rPr b="0" lang="pt-BR" sz="1600" spc="-1" strike="noStrike">
-                <a:solidFill>
-                  <a:srgbClr val="1c1c1c"/>
-                </a:solidFill>
-                <a:latin typeface="Latin Modern Sans"/>
-                <a:ea typeface="DejaVu Sans"/>
-              </a:rPr>
-              <a:t>u</a:t>
-            </a:r>
-            <a:r>
-              <a:rPr b="0" lang="pt-BR" sz="1600" spc="-1" strike="noStrike">
-                <a:solidFill>
-                  <a:srgbClr val="1c1c1c"/>
-                </a:solidFill>
-                <a:latin typeface="Latin Modern Sans"/>
-                <a:ea typeface="DejaVu Sans"/>
-              </a:rPr>
-              <a:t>t</a:t>
-            </a:r>
-            <a:r>
-              <a:rPr b="0" lang="pt-BR" sz="1600" spc="-1" strike="noStrike">
-                <a:solidFill>
-                  <a:srgbClr val="1c1c1c"/>
-                </a:solidFill>
-                <a:latin typeface="Latin Modern Sans"/>
-                <a:ea typeface="DejaVu Sans"/>
-              </a:rPr>
-              <a:t>r</a:t>
-            </a:r>
-            <a:r>
-              <a:rPr b="0" lang="pt-BR" sz="1600" spc="-1" strike="noStrike">
-                <a:solidFill>
-                  <a:srgbClr val="1c1c1c"/>
-                </a:solidFill>
-                <a:latin typeface="Latin Modern Sans"/>
-                <a:ea typeface="DejaVu Sans"/>
-              </a:rPr>
-              <a:t>a</a:t>
-            </a:r>
-            <a:r>
-              <a:rPr b="0" lang="pt-BR" sz="1600" spc="-1" strike="noStrike">
-                <a:solidFill>
-                  <a:srgbClr val="1c1c1c"/>
-                </a:solidFill>
-                <a:latin typeface="Latin Modern Sans"/>
-                <a:ea typeface="DejaVu Sans"/>
-              </a:rPr>
-              <a:t> </a:t>
-            </a:r>
-            <a:r>
-              <a:rPr b="0" lang="pt-BR" sz="1600" spc="-1" strike="noStrike">
-                <a:solidFill>
-                  <a:srgbClr val="1c1c1c"/>
-                </a:solidFill>
-                <a:latin typeface="Latin Modern Sans"/>
-                <a:ea typeface="DejaVu Sans"/>
-              </a:rPr>
-              <a:t>f</a:t>
-            </a:r>
-            <a:r>
-              <a:rPr b="0" lang="pt-BR" sz="1600" spc="-1" strike="noStrike">
-                <a:solidFill>
-                  <a:srgbClr val="1c1c1c"/>
-                </a:solidFill>
-                <a:latin typeface="Latin Modern Sans"/>
-                <a:ea typeface="DejaVu Sans"/>
-              </a:rPr>
-              <a:t>u</a:t>
-            </a:r>
-            <a:r>
-              <a:rPr b="0" lang="pt-BR" sz="1600" spc="-1" strike="noStrike">
-                <a:solidFill>
-                  <a:srgbClr val="1c1c1c"/>
-                </a:solidFill>
-                <a:latin typeface="Latin Modern Sans"/>
-                <a:ea typeface="DejaVu Sans"/>
-              </a:rPr>
-              <a:t>n</a:t>
-            </a:r>
-            <a:r>
-              <a:rPr b="0" lang="pt-BR" sz="1600" spc="-1" strike="noStrike">
-                <a:solidFill>
-                  <a:srgbClr val="1c1c1c"/>
-                </a:solidFill>
-                <a:latin typeface="Latin Modern Sans"/>
-                <a:ea typeface="DejaVu Sans"/>
-              </a:rPr>
-              <a:t>ç</a:t>
-            </a:r>
-            <a:r>
-              <a:rPr b="0" lang="pt-BR" sz="1600" spc="-1" strike="noStrike">
-                <a:solidFill>
-                  <a:srgbClr val="1c1c1c"/>
-                </a:solidFill>
-                <a:latin typeface="Latin Modern Sans"/>
-                <a:ea typeface="DejaVu Sans"/>
-              </a:rPr>
-              <a:t>ã</a:t>
-            </a:r>
-            <a:r>
-              <a:rPr b="0" lang="pt-BR" sz="1600" spc="-1" strike="noStrike">
-                <a:solidFill>
-                  <a:srgbClr val="1c1c1c"/>
-                </a:solidFill>
-                <a:latin typeface="Latin Modern Sans"/>
-                <a:ea typeface="DejaVu Sans"/>
-              </a:rPr>
-              <a:t>o</a:t>
-            </a:r>
-            <a:r>
-              <a:rPr b="0" lang="pt-BR" sz="1600" spc="-1" strike="noStrike">
-                <a:solidFill>
-                  <a:srgbClr val="1c1c1c"/>
-                </a:solidFill>
-                <a:latin typeface="Latin Modern Sans"/>
-                <a:ea typeface="DejaVu Sans"/>
-              </a:rPr>
-              <a:t>.</a:t>
-            </a:r>
-            <a:r>
-              <a:rPr b="0" lang="pt-BR" sz="1600" spc="-1" strike="noStrike">
-                <a:solidFill>
-                  <a:srgbClr val="1c1c1c"/>
-                </a:solidFill>
-                <a:latin typeface="Latin Modern Sans"/>
-                <a:ea typeface="DejaVu Sans"/>
-              </a:rPr>
-              <a:t> </a:t>
-            </a:r>
-            <a:r>
-              <a:rPr b="0" lang="pt-BR" sz="1600" spc="-1" strike="noStrike">
-                <a:solidFill>
-                  <a:srgbClr val="1c1c1c"/>
-                </a:solidFill>
-                <a:latin typeface="Latin Modern Sans"/>
-                <a:ea typeface="DejaVu Sans"/>
-              </a:rPr>
-              <a:t>A</a:t>
-            </a:r>
-            <a:r>
-              <a:rPr b="0" lang="pt-BR" sz="1600" spc="-1" strike="noStrike">
-                <a:solidFill>
-                  <a:srgbClr val="1c1c1c"/>
-                </a:solidFill>
-                <a:latin typeface="Latin Modern Sans"/>
-                <a:ea typeface="DejaVu Sans"/>
-              </a:rPr>
-              <a:t>i</a:t>
-            </a:r>
-            <a:r>
-              <a:rPr b="0" lang="pt-BR" sz="1600" spc="-1" strike="noStrike">
-                <a:solidFill>
-                  <a:srgbClr val="1c1c1c"/>
-                </a:solidFill>
-                <a:latin typeface="Latin Modern Sans"/>
-                <a:ea typeface="DejaVu Sans"/>
-              </a:rPr>
-              <a:t>n</a:t>
-            </a:r>
-            <a:r>
-              <a:rPr b="0" lang="pt-BR" sz="1600" spc="-1" strike="noStrike">
-                <a:solidFill>
-                  <a:srgbClr val="1c1c1c"/>
-                </a:solidFill>
-                <a:latin typeface="Latin Modern Sans"/>
-                <a:ea typeface="DejaVu Sans"/>
-              </a:rPr>
-              <a:t>d</a:t>
-            </a:r>
-            <a:r>
-              <a:rPr b="0" lang="pt-BR" sz="1600" spc="-1" strike="noStrike">
-                <a:solidFill>
-                  <a:srgbClr val="1c1c1c"/>
-                </a:solidFill>
-                <a:latin typeface="Latin Modern Sans"/>
-                <a:ea typeface="DejaVu Sans"/>
-              </a:rPr>
-              <a:t>a</a:t>
-            </a:r>
-            <a:r>
-              <a:rPr b="0" lang="pt-BR" sz="1600" spc="-1" strike="noStrike">
-                <a:solidFill>
-                  <a:srgbClr val="1c1c1c"/>
-                </a:solidFill>
-                <a:latin typeface="Latin Modern Sans"/>
-                <a:ea typeface="DejaVu Sans"/>
-              </a:rPr>
-              <a:t> </a:t>
-            </a:r>
-            <a:r>
-              <a:rPr b="0" lang="pt-BR" sz="1600" spc="-1" strike="noStrike">
-                <a:solidFill>
-                  <a:srgbClr val="1c1c1c"/>
-                </a:solidFill>
-                <a:latin typeface="Latin Modern Sans"/>
-                <a:ea typeface="DejaVu Sans"/>
-              </a:rPr>
-              <a:t>q</a:t>
-            </a:r>
-            <a:r>
-              <a:rPr b="0" lang="pt-BR" sz="1600" spc="-1" strike="noStrike">
-                <a:solidFill>
-                  <a:srgbClr val="1c1c1c"/>
-                </a:solidFill>
-                <a:latin typeface="Latin Modern Sans"/>
-                <a:ea typeface="DejaVu Sans"/>
-              </a:rPr>
-              <a:t>u</a:t>
-            </a:r>
-            <a:r>
-              <a:rPr b="0" lang="pt-BR" sz="1600" spc="-1" strike="noStrike">
-                <a:solidFill>
-                  <a:srgbClr val="1c1c1c"/>
-                </a:solidFill>
-                <a:latin typeface="Latin Modern Sans"/>
-                <a:ea typeface="DejaVu Sans"/>
-              </a:rPr>
-              <a:t>e</a:t>
-            </a:r>
-            <a:r>
-              <a:rPr b="0" lang="pt-BR" sz="1600" spc="-1" strike="noStrike">
-                <a:solidFill>
-                  <a:srgbClr val="1c1c1c"/>
-                </a:solidFill>
-                <a:latin typeface="Latin Modern Sans"/>
-                <a:ea typeface="DejaVu Sans"/>
-              </a:rPr>
-              <a:t> </a:t>
-            </a:r>
-            <a:r>
-              <a:rPr b="0" lang="pt-BR" sz="1600" spc="-1" strike="noStrike">
-                <a:solidFill>
-                  <a:srgbClr val="1c1c1c"/>
-                </a:solidFill>
-                <a:latin typeface="Latin Modern Sans"/>
-                <a:ea typeface="DejaVu Sans"/>
-              </a:rPr>
-              <a:t>t</a:t>
-            </a:r>
-            <a:r>
-              <a:rPr b="0" lang="pt-BR" sz="1600" spc="-1" strike="noStrike">
-                <a:solidFill>
-                  <a:srgbClr val="1c1c1c"/>
-                </a:solidFill>
-                <a:latin typeface="Latin Modern Sans"/>
-                <a:ea typeface="DejaVu Sans"/>
-              </a:rPr>
-              <a:t>e</a:t>
-            </a:r>
-            <a:r>
-              <a:rPr b="0" lang="pt-BR" sz="1600" spc="-1" strike="noStrike">
-                <a:solidFill>
-                  <a:srgbClr val="1c1c1c"/>
-                </a:solidFill>
-                <a:latin typeface="Latin Modern Sans"/>
-                <a:ea typeface="DejaVu Sans"/>
-              </a:rPr>
-              <a:t>n</a:t>
-            </a:r>
-            <a:r>
-              <a:rPr b="0" lang="pt-BR" sz="1600" spc="-1" strike="noStrike">
-                <a:solidFill>
-                  <a:srgbClr val="1c1c1c"/>
-                </a:solidFill>
-                <a:latin typeface="Latin Modern Sans"/>
-                <a:ea typeface="DejaVu Sans"/>
-              </a:rPr>
-              <a:t>h</a:t>
-            </a:r>
-            <a:r>
-              <a:rPr b="0" lang="pt-BR" sz="1600" spc="-1" strike="noStrike">
-                <a:solidFill>
-                  <a:srgbClr val="1c1c1c"/>
-                </a:solidFill>
-                <a:latin typeface="Latin Modern Sans"/>
-                <a:ea typeface="DejaVu Sans"/>
-              </a:rPr>
-              <a:t>a</a:t>
-            </a:r>
-            <a:r>
-              <a:rPr b="0" lang="pt-BR" sz="1600" spc="-1" strike="noStrike">
-                <a:solidFill>
-                  <a:srgbClr val="1c1c1c"/>
-                </a:solidFill>
-                <a:latin typeface="Latin Modern Sans"/>
-                <a:ea typeface="DejaVu Sans"/>
-              </a:rPr>
-              <a:t>m</a:t>
-            </a:r>
-            <a:r>
-              <a:rPr b="0" lang="pt-BR" sz="1600" spc="-1" strike="noStrike">
-                <a:solidFill>
-                  <a:srgbClr val="1c1c1c"/>
-                </a:solidFill>
-                <a:latin typeface="Latin Modern Sans"/>
-                <a:ea typeface="DejaVu Sans"/>
-              </a:rPr>
-              <a:t> </a:t>
-            </a:r>
-            <a:r>
-              <a:rPr b="0" lang="pt-BR" sz="1600" spc="-1" strike="noStrike">
-                <a:solidFill>
-                  <a:srgbClr val="1c1c1c"/>
-                </a:solidFill>
-                <a:latin typeface="Latin Modern Sans"/>
-                <a:ea typeface="DejaVu Sans"/>
-              </a:rPr>
-              <a:t>a</a:t>
-            </a:r>
-            <a:r>
-              <a:rPr b="0" lang="pt-BR" sz="1600" spc="-1" strike="noStrike">
-                <a:solidFill>
-                  <a:srgbClr val="1c1c1c"/>
-                </a:solidFill>
-                <a:latin typeface="Latin Modern Sans"/>
-                <a:ea typeface="DejaVu Sans"/>
-              </a:rPr>
-              <a:t> </a:t>
-            </a:r>
-            <a:r>
-              <a:rPr b="0" lang="pt-BR" sz="1600" spc="-1" strike="noStrike">
-                <a:solidFill>
-                  <a:srgbClr val="1c1c1c"/>
-                </a:solidFill>
-                <a:latin typeface="Latin Modern Sans"/>
-                <a:ea typeface="DejaVu Sans"/>
-              </a:rPr>
-              <a:t>m</a:t>
-            </a:r>
-            <a:r>
-              <a:rPr b="0" lang="pt-BR" sz="1600" spc="-1" strike="noStrike">
-                <a:solidFill>
-                  <a:srgbClr val="1c1c1c"/>
-                </a:solidFill>
-                <a:latin typeface="Latin Modern Sans"/>
-                <a:ea typeface="DejaVu Sans"/>
-              </a:rPr>
-              <a:t>e</a:t>
-            </a:r>
-            <a:r>
-              <a:rPr b="0" lang="pt-BR" sz="1600" spc="-1" strike="noStrike">
-                <a:solidFill>
-                  <a:srgbClr val="1c1c1c"/>
-                </a:solidFill>
-                <a:latin typeface="Latin Modern Sans"/>
-                <a:ea typeface="DejaVu Sans"/>
-              </a:rPr>
-              <a:t>s</a:t>
-            </a:r>
-            <a:r>
-              <a:rPr b="0" lang="pt-BR" sz="1600" spc="-1" strike="noStrike">
-                <a:solidFill>
-                  <a:srgbClr val="1c1c1c"/>
-                </a:solidFill>
-                <a:latin typeface="Latin Modern Sans"/>
-                <a:ea typeface="DejaVu Sans"/>
-              </a:rPr>
-              <a:t>m</a:t>
-            </a:r>
-            <a:r>
-              <a:rPr b="0" lang="pt-BR" sz="1600" spc="-1" strike="noStrike">
-                <a:solidFill>
-                  <a:srgbClr val="1c1c1c"/>
-                </a:solidFill>
-                <a:latin typeface="Latin Modern Sans"/>
-                <a:ea typeface="DejaVu Sans"/>
-              </a:rPr>
-              <a:t>a</a:t>
-            </a:r>
-            <a:r>
-              <a:rPr b="0" lang="pt-BR" sz="1600" spc="-1" strike="noStrike">
-                <a:solidFill>
-                  <a:srgbClr val="1c1c1c"/>
-                </a:solidFill>
-                <a:latin typeface="Latin Modern Sans"/>
-                <a:ea typeface="DejaVu Sans"/>
-              </a:rPr>
-              <a:t> </a:t>
-            </a:r>
-            <a:r>
-              <a:rPr b="0" lang="pt-BR" sz="1600" spc="-1" strike="noStrike">
-                <a:solidFill>
-                  <a:srgbClr val="1c1c1c"/>
-                </a:solidFill>
-                <a:latin typeface="Latin Modern Sans"/>
-                <a:ea typeface="DejaVu Sans"/>
-              </a:rPr>
-              <a:t>n</a:t>
-            </a:r>
-            <a:r>
-              <a:rPr b="0" lang="pt-BR" sz="1600" spc="-1" strike="noStrike">
-                <a:solidFill>
-                  <a:srgbClr val="1c1c1c"/>
-                </a:solidFill>
-                <a:latin typeface="Latin Modern Sans"/>
-                <a:ea typeface="DejaVu Sans"/>
-              </a:rPr>
-              <a:t>o</a:t>
-            </a:r>
-            <a:r>
-              <a:rPr b="0" lang="pt-BR" sz="1600" spc="-1" strike="noStrike">
-                <a:solidFill>
-                  <a:srgbClr val="1c1c1c"/>
-                </a:solidFill>
-                <a:latin typeface="Latin Modern Sans"/>
-                <a:ea typeface="DejaVu Sans"/>
-              </a:rPr>
-              <a:t>m</a:t>
-            </a:r>
-            <a:r>
-              <a:rPr b="0" lang="pt-BR" sz="1600" spc="-1" strike="noStrike">
-                <a:solidFill>
-                  <a:srgbClr val="1c1c1c"/>
-                </a:solidFill>
-                <a:latin typeface="Latin Modern Sans"/>
-                <a:ea typeface="DejaVu Sans"/>
-              </a:rPr>
-              <a:t>e</a:t>
-            </a:r>
-            <a:r>
-              <a:rPr b="0" lang="pt-BR" sz="1600" spc="-1" strike="noStrike">
-                <a:solidFill>
-                  <a:srgbClr val="1c1c1c"/>
-                </a:solidFill>
-                <a:latin typeface="Latin Modern Sans"/>
-                <a:ea typeface="DejaVu Sans"/>
-              </a:rPr>
-              <a:t>n</a:t>
-            </a:r>
-            <a:r>
-              <a:rPr b="0" lang="pt-BR" sz="1600" spc="-1" strike="noStrike">
-                <a:solidFill>
-                  <a:srgbClr val="1c1c1c"/>
-                </a:solidFill>
-                <a:latin typeface="Latin Modern Sans"/>
-                <a:ea typeface="DejaVu Sans"/>
-              </a:rPr>
-              <a:t>c</a:t>
-            </a:r>
-            <a:r>
-              <a:rPr b="0" lang="pt-BR" sz="1600" spc="-1" strike="noStrike">
-                <a:solidFill>
-                  <a:srgbClr val="1c1c1c"/>
-                </a:solidFill>
-                <a:latin typeface="Latin Modern Sans"/>
-                <a:ea typeface="DejaVu Sans"/>
-              </a:rPr>
-              <a:t>l</a:t>
-            </a:r>
-            <a:r>
-              <a:rPr b="0" lang="pt-BR" sz="1600" spc="-1" strike="noStrike">
-                <a:solidFill>
-                  <a:srgbClr val="1c1c1c"/>
-                </a:solidFill>
-                <a:latin typeface="Latin Modern Sans"/>
-                <a:ea typeface="DejaVu Sans"/>
-              </a:rPr>
-              <a:t>a</a:t>
-            </a:r>
-            <a:r>
-              <a:rPr b="0" lang="pt-BR" sz="1600" spc="-1" strike="noStrike">
-                <a:solidFill>
-                  <a:srgbClr val="1c1c1c"/>
-                </a:solidFill>
-                <a:latin typeface="Latin Modern Sans"/>
-                <a:ea typeface="DejaVu Sans"/>
-              </a:rPr>
-              <a:t>t</a:t>
-            </a:r>
-            <a:r>
-              <a:rPr b="0" lang="pt-BR" sz="1600" spc="-1" strike="noStrike">
-                <a:solidFill>
-                  <a:srgbClr val="1c1c1c"/>
-                </a:solidFill>
-                <a:latin typeface="Latin Modern Sans"/>
-                <a:ea typeface="DejaVu Sans"/>
-              </a:rPr>
-              <a:t>u</a:t>
-            </a:r>
-            <a:r>
-              <a:rPr b="0" lang="pt-BR" sz="1600" spc="-1" strike="noStrike">
-                <a:solidFill>
-                  <a:srgbClr val="1c1c1c"/>
-                </a:solidFill>
-                <a:latin typeface="Latin Modern Sans"/>
-                <a:ea typeface="DejaVu Sans"/>
-              </a:rPr>
-              <a:t>r</a:t>
-            </a:r>
-            <a:r>
-              <a:rPr b="0" lang="pt-BR" sz="1600" spc="-1" strike="noStrike">
-                <a:solidFill>
-                  <a:srgbClr val="1c1c1c"/>
-                </a:solidFill>
-                <a:latin typeface="Latin Modern Sans"/>
-                <a:ea typeface="DejaVu Sans"/>
-              </a:rPr>
-              <a:t>a</a:t>
-            </a:r>
-            <a:r>
-              <a:rPr b="0" lang="pt-BR" sz="1600" spc="-1" strike="noStrike">
-                <a:solidFill>
-                  <a:srgbClr val="1c1c1c"/>
-                </a:solidFill>
-                <a:latin typeface="Latin Modern Sans"/>
-                <a:ea typeface="DejaVu Sans"/>
-              </a:rPr>
-              <a:t> </a:t>
-            </a:r>
-            <a:r>
-              <a:rPr b="0" lang="pt-BR" sz="1600" spc="-1" strike="noStrike">
-                <a:solidFill>
-                  <a:srgbClr val="1c1c1c"/>
-                </a:solidFill>
-                <a:latin typeface="Latin Modern Sans"/>
-                <a:ea typeface="DejaVu Sans"/>
-              </a:rPr>
-              <a:t>d</a:t>
-            </a:r>
-            <a:r>
-              <a:rPr b="0" lang="pt-BR" sz="1600" spc="-1" strike="noStrike">
-                <a:solidFill>
-                  <a:srgbClr val="1c1c1c"/>
-                </a:solidFill>
-                <a:latin typeface="Latin Modern Sans"/>
-                <a:ea typeface="DejaVu Sans"/>
-              </a:rPr>
-              <a:t>e</a:t>
-            </a:r>
-            <a:r>
-              <a:rPr b="0" lang="pt-BR" sz="1600" spc="-1" strike="noStrike">
-                <a:solidFill>
-                  <a:srgbClr val="1c1c1c"/>
-                </a:solidFill>
-                <a:latin typeface="Latin Modern Sans"/>
-                <a:ea typeface="DejaVu Sans"/>
-              </a:rPr>
-              <a:t> </a:t>
-            </a:r>
-            <a:r>
-              <a:rPr b="0" lang="pt-BR" sz="1600" spc="-1" strike="noStrike">
-                <a:solidFill>
-                  <a:srgbClr val="1c1c1c"/>
-                </a:solidFill>
-                <a:latin typeface="Latin Modern Sans"/>
-                <a:ea typeface="DejaVu Sans"/>
-              </a:rPr>
-              <a:t>v</a:t>
-            </a:r>
-            <a:r>
-              <a:rPr b="0" lang="pt-BR" sz="1600" spc="-1" strike="noStrike">
-                <a:solidFill>
-                  <a:srgbClr val="1c1c1c"/>
-                </a:solidFill>
-                <a:latin typeface="Latin Modern Sans"/>
-                <a:ea typeface="DejaVu Sans"/>
-              </a:rPr>
-              <a:t>a</a:t>
-            </a:r>
-            <a:r>
-              <a:rPr b="0" lang="pt-BR" sz="1600" spc="-1" strike="noStrike">
-                <a:solidFill>
-                  <a:srgbClr val="1c1c1c"/>
-                </a:solidFill>
-                <a:latin typeface="Latin Modern Sans"/>
-                <a:ea typeface="DejaVu Sans"/>
-              </a:rPr>
-              <a:t>r</a:t>
-            </a:r>
-            <a:r>
-              <a:rPr b="0" lang="pt-BR" sz="1600" spc="-1" strike="noStrike">
-                <a:solidFill>
-                  <a:srgbClr val="1c1c1c"/>
-                </a:solidFill>
-                <a:latin typeface="Latin Modern Sans"/>
-                <a:ea typeface="DejaVu Sans"/>
-              </a:rPr>
-              <a:t>i</a:t>
-            </a:r>
-            <a:r>
-              <a:rPr b="0" lang="pt-BR" sz="1600" spc="-1" strike="noStrike">
-                <a:solidFill>
-                  <a:srgbClr val="1c1c1c"/>
-                </a:solidFill>
-                <a:latin typeface="Latin Modern Sans"/>
-                <a:ea typeface="DejaVu Sans"/>
-              </a:rPr>
-              <a:t>á</a:t>
-            </a:r>
-            <a:r>
-              <a:rPr b="0" lang="pt-BR" sz="1600" spc="-1" strike="noStrike">
-                <a:solidFill>
-                  <a:srgbClr val="1c1c1c"/>
-                </a:solidFill>
-                <a:latin typeface="Latin Modern Sans"/>
-                <a:ea typeface="DejaVu Sans"/>
-              </a:rPr>
-              <a:t>v</a:t>
-            </a:r>
-            <a:r>
-              <a:rPr b="0" lang="pt-BR" sz="1600" spc="-1" strike="noStrike">
-                <a:solidFill>
-                  <a:srgbClr val="1c1c1c"/>
-                </a:solidFill>
-                <a:latin typeface="Latin Modern Sans"/>
-                <a:ea typeface="DejaVu Sans"/>
-              </a:rPr>
-              <a:t>e</a:t>
-            </a:r>
-            <a:r>
-              <a:rPr b="0" lang="pt-BR" sz="1600" spc="-1" strike="noStrike">
-                <a:solidFill>
-                  <a:srgbClr val="1c1c1c"/>
-                </a:solidFill>
-                <a:latin typeface="Latin Modern Sans"/>
-                <a:ea typeface="DejaVu Sans"/>
-              </a:rPr>
-              <a:t>i</a:t>
-            </a:r>
-            <a:r>
-              <a:rPr b="0" lang="pt-BR" sz="1600" spc="-1" strike="noStrike">
-                <a:solidFill>
-                  <a:srgbClr val="1c1c1c"/>
-                </a:solidFill>
-                <a:latin typeface="Latin Modern Sans"/>
-                <a:ea typeface="DejaVu Sans"/>
-              </a:rPr>
-              <a:t>s</a:t>
+              <a:t>O que ocorre na função é ‘independente’ do que ocorre em outra função. Ainda que tenham a mesma nomenclatura de variáveis</a:t>
             </a:r>
             <a:endParaRPr b="0" lang="pt-BR" sz="1600" spc="-1" strike="noStrike">
               <a:latin typeface="Arial"/>
@@ -14308,858 +11616,22 @@
                 <a:latin typeface="Latin Modern Sans"/>
                 <a:ea typeface="DejaVu Sans"/>
               </a:rPr>
-              <a:t>O</a:t>
+              <a:t>O resultado do que é computado na função, é retornado para quem a chamou pelo ‘return’</a:t>
             </a:r>
-            <a:r>
-              <a:rPr b="0" lang="pt-BR" sz="1600" spc="-1" strike="noStrike">
-                <a:solidFill>
-                  <a:srgbClr val="1c1c1c"/>
-                </a:solidFill>
-                <a:latin typeface="Latin Modern Sans"/>
-                <a:ea typeface="DejaVu Sans"/>
-              </a:rPr>
-              <a:t> </a:t>
-            </a:r>
-            <a:r>
-              <a:rPr b="0" lang="pt-BR" sz="1600" spc="-1" strike="noStrike">
-                <a:solidFill>
-                  <a:srgbClr val="1c1c1c"/>
-                </a:solidFill>
-                <a:latin typeface="Latin Modern Sans"/>
-                <a:ea typeface="DejaVu Sans"/>
-              </a:rPr>
-              <a:t>r</a:t>
-            </a:r>
-            <a:r>
-              <a:rPr b="0" lang="pt-BR" sz="1600" spc="-1" strike="noStrike">
-                <a:solidFill>
-                  <a:srgbClr val="1c1c1c"/>
-                </a:solidFill>
-                <a:latin typeface="Latin Modern Sans"/>
-                <a:ea typeface="DejaVu Sans"/>
-              </a:rPr>
-              <a:t>e</a:t>
-            </a:r>
-            <a:r>
-              <a:rPr b="0" lang="pt-BR" sz="1600" spc="-1" strike="noStrike">
-                <a:solidFill>
-                  <a:srgbClr val="1c1c1c"/>
-                </a:solidFill>
-                <a:latin typeface="Latin Modern Sans"/>
-                <a:ea typeface="DejaVu Sans"/>
-              </a:rPr>
-              <a:t>s</a:t>
-            </a:r>
-            <a:r>
-              <a:rPr b="0" lang="pt-BR" sz="1600" spc="-1" strike="noStrike">
-                <a:solidFill>
-                  <a:srgbClr val="1c1c1c"/>
-                </a:solidFill>
-                <a:latin typeface="Latin Modern Sans"/>
-                <a:ea typeface="DejaVu Sans"/>
-              </a:rPr>
-              <a:t>u</a:t>
-            </a:r>
-            <a:r>
-              <a:rPr b="0" lang="pt-BR" sz="1600" spc="-1" strike="noStrike">
-                <a:solidFill>
-                  <a:srgbClr val="1c1c1c"/>
-                </a:solidFill>
-                <a:latin typeface="Latin Modern Sans"/>
-                <a:ea typeface="DejaVu Sans"/>
-              </a:rPr>
-              <a:t>l</a:t>
-            </a:r>
-            <a:r>
-              <a:rPr b="0" lang="pt-BR" sz="1600" spc="-1" strike="noStrike">
-                <a:solidFill>
-                  <a:srgbClr val="1c1c1c"/>
-                </a:solidFill>
-                <a:latin typeface="Latin Modern Sans"/>
-                <a:ea typeface="DejaVu Sans"/>
-              </a:rPr>
-              <a:t>t</a:t>
-            </a:r>
-            <a:r>
-              <a:rPr b="0" lang="pt-BR" sz="1600" spc="-1" strike="noStrike">
-                <a:solidFill>
-                  <a:srgbClr val="1c1c1c"/>
-                </a:solidFill>
-                <a:latin typeface="Latin Modern Sans"/>
-                <a:ea typeface="DejaVu Sans"/>
-              </a:rPr>
-              <a:t>a</a:t>
-            </a:r>
-            <a:r>
-              <a:rPr b="0" lang="pt-BR" sz="1600" spc="-1" strike="noStrike">
-                <a:solidFill>
-                  <a:srgbClr val="1c1c1c"/>
-                </a:solidFill>
-                <a:latin typeface="Latin Modern Sans"/>
-                <a:ea typeface="DejaVu Sans"/>
-              </a:rPr>
-              <a:t>d</a:t>
-            </a:r>
-            <a:r>
-              <a:rPr b="0" lang="pt-BR" sz="1600" spc="-1" strike="noStrike">
-                <a:solidFill>
-                  <a:srgbClr val="1c1c1c"/>
-                </a:solidFill>
-                <a:latin typeface="Latin Modern Sans"/>
-                <a:ea typeface="DejaVu Sans"/>
-              </a:rPr>
-              <a:t>o</a:t>
-            </a:r>
-            <a:r>
-              <a:rPr b="0" lang="pt-BR" sz="1600" spc="-1" strike="noStrike">
-                <a:solidFill>
-                  <a:srgbClr val="1c1c1c"/>
-                </a:solidFill>
-                <a:latin typeface="Latin Modern Sans"/>
-                <a:ea typeface="DejaVu Sans"/>
-              </a:rPr>
-              <a:t> </a:t>
-            </a:r>
-            <a:r>
-              <a:rPr b="0" lang="pt-BR" sz="1600" spc="-1" strike="noStrike">
-                <a:solidFill>
-                  <a:srgbClr val="1c1c1c"/>
-                </a:solidFill>
-                <a:latin typeface="Latin Modern Sans"/>
-                <a:ea typeface="DejaVu Sans"/>
-              </a:rPr>
-              <a:t>d</a:t>
-            </a:r>
-            <a:r>
-              <a:rPr b="0" lang="pt-BR" sz="1600" spc="-1" strike="noStrike">
-                <a:solidFill>
-                  <a:srgbClr val="1c1c1c"/>
-                </a:solidFill>
-                <a:latin typeface="Latin Modern Sans"/>
-                <a:ea typeface="DejaVu Sans"/>
-              </a:rPr>
-              <a:t>o</a:t>
-            </a:r>
-            <a:r>
-              <a:rPr b="0" lang="pt-BR" sz="1600" spc="-1" strike="noStrike">
-                <a:solidFill>
-                  <a:srgbClr val="1c1c1c"/>
-                </a:solidFill>
-                <a:latin typeface="Latin Modern Sans"/>
-                <a:ea typeface="DejaVu Sans"/>
-              </a:rPr>
-              <a:t> </a:t>
-            </a:r>
-            <a:r>
-              <a:rPr b="0" lang="pt-BR" sz="1600" spc="-1" strike="noStrike">
-                <a:solidFill>
-                  <a:srgbClr val="1c1c1c"/>
-                </a:solidFill>
-                <a:latin typeface="Latin Modern Sans"/>
-                <a:ea typeface="DejaVu Sans"/>
-              </a:rPr>
-              <a:t>q</a:t>
-            </a:r>
-            <a:r>
-              <a:rPr b="0" lang="pt-BR" sz="1600" spc="-1" strike="noStrike">
-                <a:solidFill>
-                  <a:srgbClr val="1c1c1c"/>
-                </a:solidFill>
-                <a:latin typeface="Latin Modern Sans"/>
-                <a:ea typeface="DejaVu Sans"/>
-              </a:rPr>
-              <a:t>u</a:t>
-            </a:r>
-            <a:r>
-              <a:rPr b="0" lang="pt-BR" sz="1600" spc="-1" strike="noStrike">
-                <a:solidFill>
-                  <a:srgbClr val="1c1c1c"/>
-                </a:solidFill>
-                <a:latin typeface="Latin Modern Sans"/>
-                <a:ea typeface="DejaVu Sans"/>
-              </a:rPr>
-              <a:t>e</a:t>
-            </a:r>
-            <a:r>
-              <a:rPr b="0" lang="pt-BR" sz="1600" spc="-1" strike="noStrike">
-                <a:solidFill>
-                  <a:srgbClr val="1c1c1c"/>
-                </a:solidFill>
-                <a:latin typeface="Latin Modern Sans"/>
-                <a:ea typeface="DejaVu Sans"/>
-              </a:rPr>
-              <a:t> </a:t>
-            </a:r>
-            <a:r>
-              <a:rPr b="0" lang="pt-BR" sz="1600" spc="-1" strike="noStrike">
-                <a:solidFill>
-                  <a:srgbClr val="1c1c1c"/>
-                </a:solidFill>
-                <a:latin typeface="Latin Modern Sans"/>
-                <a:ea typeface="DejaVu Sans"/>
-              </a:rPr>
-              <a:t>é</a:t>
-            </a:r>
-            <a:r>
-              <a:rPr b="0" lang="pt-BR" sz="1600" spc="-1" strike="noStrike">
-                <a:solidFill>
-                  <a:srgbClr val="1c1c1c"/>
-                </a:solidFill>
-                <a:latin typeface="Latin Modern Sans"/>
-                <a:ea typeface="DejaVu Sans"/>
-              </a:rPr>
-              <a:t> </a:t>
-            </a:r>
-            <a:r>
-              <a:rPr b="0" lang="pt-BR" sz="1600" spc="-1" strike="noStrike">
-                <a:solidFill>
-                  <a:srgbClr val="1c1c1c"/>
-                </a:solidFill>
-                <a:latin typeface="Latin Modern Sans"/>
-                <a:ea typeface="DejaVu Sans"/>
-              </a:rPr>
-              <a:t>c</a:t>
-            </a:r>
-            <a:r>
-              <a:rPr b="0" lang="pt-BR" sz="1600" spc="-1" strike="noStrike">
-                <a:solidFill>
-                  <a:srgbClr val="1c1c1c"/>
-                </a:solidFill>
-                <a:latin typeface="Latin Modern Sans"/>
-                <a:ea typeface="DejaVu Sans"/>
-              </a:rPr>
-              <a:t>o</a:t>
-            </a:r>
-            <a:r>
-              <a:rPr b="0" lang="pt-BR" sz="1600" spc="-1" strike="noStrike">
-                <a:solidFill>
-                  <a:srgbClr val="1c1c1c"/>
-                </a:solidFill>
-                <a:latin typeface="Latin Modern Sans"/>
-                <a:ea typeface="DejaVu Sans"/>
-              </a:rPr>
-              <a:t>m</a:t>
-            </a:r>
-            <a:r>
-              <a:rPr b="0" lang="pt-BR" sz="1600" spc="-1" strike="noStrike">
-                <a:solidFill>
-                  <a:srgbClr val="1c1c1c"/>
-                </a:solidFill>
-                <a:latin typeface="Latin Modern Sans"/>
-                <a:ea typeface="DejaVu Sans"/>
-              </a:rPr>
-              <a:t>p</a:t>
-            </a:r>
-            <a:r>
-              <a:rPr b="0" lang="pt-BR" sz="1600" spc="-1" strike="noStrike">
-                <a:solidFill>
-                  <a:srgbClr val="1c1c1c"/>
-                </a:solidFill>
-                <a:latin typeface="Latin Modern Sans"/>
-                <a:ea typeface="DejaVu Sans"/>
-              </a:rPr>
-              <a:t>u</a:t>
-            </a:r>
-            <a:r>
-              <a:rPr b="0" lang="pt-BR" sz="1600" spc="-1" strike="noStrike">
-                <a:solidFill>
-                  <a:srgbClr val="1c1c1c"/>
-                </a:solidFill>
-                <a:latin typeface="Latin Modern Sans"/>
-                <a:ea typeface="DejaVu Sans"/>
-              </a:rPr>
-              <a:t>t</a:t>
-            </a:r>
-            <a:r>
-              <a:rPr b="0" lang="pt-BR" sz="1600" spc="-1" strike="noStrike">
-                <a:solidFill>
-                  <a:srgbClr val="1c1c1c"/>
-                </a:solidFill>
-                <a:latin typeface="Latin Modern Sans"/>
-                <a:ea typeface="DejaVu Sans"/>
-              </a:rPr>
-              <a:t>a</a:t>
-            </a:r>
-            <a:r>
-              <a:rPr b="0" lang="pt-BR" sz="1600" spc="-1" strike="noStrike">
-                <a:solidFill>
-                  <a:srgbClr val="1c1c1c"/>
-                </a:solidFill>
-                <a:latin typeface="Latin Modern Sans"/>
-                <a:ea typeface="DejaVu Sans"/>
-              </a:rPr>
-              <a:t>d</a:t>
-            </a:r>
-            <a:r>
-              <a:rPr b="0" lang="pt-BR" sz="1600" spc="-1" strike="noStrike">
-                <a:solidFill>
-                  <a:srgbClr val="1c1c1c"/>
-                </a:solidFill>
-                <a:latin typeface="Latin Modern Sans"/>
-                <a:ea typeface="DejaVu Sans"/>
-              </a:rPr>
-              <a:t>o</a:t>
-            </a:r>
-            <a:r>
-              <a:rPr b="0" lang="pt-BR" sz="1600" spc="-1" strike="noStrike">
-                <a:solidFill>
-                  <a:srgbClr val="1c1c1c"/>
-                </a:solidFill>
-                <a:latin typeface="Latin Modern Sans"/>
-                <a:ea typeface="DejaVu Sans"/>
-              </a:rPr>
-              <a:t> </a:t>
-            </a:r>
-            <a:r>
-              <a:rPr b="0" lang="pt-BR" sz="1600" spc="-1" strike="noStrike">
-                <a:solidFill>
-                  <a:srgbClr val="1c1c1c"/>
-                </a:solidFill>
-                <a:latin typeface="Latin Modern Sans"/>
-                <a:ea typeface="DejaVu Sans"/>
-              </a:rPr>
-              <a:t>n</a:t>
-            </a:r>
-            <a:r>
-              <a:rPr b="0" lang="pt-BR" sz="1600" spc="-1" strike="noStrike">
-                <a:solidFill>
-                  <a:srgbClr val="1c1c1c"/>
-                </a:solidFill>
-                <a:latin typeface="Latin Modern Sans"/>
-                <a:ea typeface="DejaVu Sans"/>
-              </a:rPr>
-              <a:t>a</a:t>
-            </a:r>
-            <a:r>
-              <a:rPr b="0" lang="pt-BR" sz="1600" spc="-1" strike="noStrike">
-                <a:solidFill>
-                  <a:srgbClr val="1c1c1c"/>
-                </a:solidFill>
-                <a:latin typeface="Latin Modern Sans"/>
-                <a:ea typeface="DejaVu Sans"/>
-              </a:rPr>
-              <a:t> </a:t>
-            </a:r>
-            <a:r>
-              <a:rPr b="0" lang="pt-BR" sz="1600" spc="-1" strike="noStrike">
-                <a:solidFill>
-                  <a:srgbClr val="1c1c1c"/>
-                </a:solidFill>
-                <a:latin typeface="Latin Modern Sans"/>
-                <a:ea typeface="DejaVu Sans"/>
-              </a:rPr>
-              <a:t>f</a:t>
-            </a:r>
-            <a:r>
-              <a:rPr b="0" lang="pt-BR" sz="1600" spc="-1" strike="noStrike">
-                <a:solidFill>
-                  <a:srgbClr val="1c1c1c"/>
-                </a:solidFill>
-                <a:latin typeface="Latin Modern Sans"/>
-                <a:ea typeface="DejaVu Sans"/>
-              </a:rPr>
-              <a:t>u</a:t>
-            </a:r>
-            <a:r>
-              <a:rPr b="0" lang="pt-BR" sz="1600" spc="-1" strike="noStrike">
-                <a:solidFill>
-                  <a:srgbClr val="1c1c1c"/>
-                </a:solidFill>
-                <a:latin typeface="Latin Modern Sans"/>
-                <a:ea typeface="DejaVu Sans"/>
-              </a:rPr>
-              <a:t>n</a:t>
-            </a:r>
-            <a:r>
-              <a:rPr b="0" lang="pt-BR" sz="1600" spc="-1" strike="noStrike">
-                <a:solidFill>
-                  <a:srgbClr val="1c1c1c"/>
-                </a:solidFill>
-                <a:latin typeface="Latin Modern Sans"/>
-                <a:ea typeface="DejaVu Sans"/>
-              </a:rPr>
-              <a:t>ç</a:t>
-            </a:r>
-            <a:r>
-              <a:rPr b="0" lang="pt-BR" sz="1600" spc="-1" strike="noStrike">
-                <a:solidFill>
-                  <a:srgbClr val="1c1c1c"/>
-                </a:solidFill>
-                <a:latin typeface="Latin Modern Sans"/>
-                <a:ea typeface="DejaVu Sans"/>
-              </a:rPr>
-              <a:t>ã</a:t>
-            </a:r>
-            <a:r>
-              <a:rPr b="0" lang="pt-BR" sz="1600" spc="-1" strike="noStrike">
-                <a:solidFill>
-                  <a:srgbClr val="1c1c1c"/>
-                </a:solidFill>
-                <a:latin typeface="Latin Modern Sans"/>
-                <a:ea typeface="DejaVu Sans"/>
-              </a:rPr>
-              <a:t>o</a:t>
-            </a:r>
-            <a:r>
-              <a:rPr b="0" lang="pt-BR" sz="1600" spc="-1" strike="noStrike">
-                <a:solidFill>
-                  <a:srgbClr val="1c1c1c"/>
-                </a:solidFill>
-                <a:latin typeface="Latin Modern Sans"/>
-                <a:ea typeface="DejaVu Sans"/>
-              </a:rPr>
-              <a:t>,</a:t>
-            </a:r>
-            <a:r>
-              <a:rPr b="0" lang="pt-BR" sz="1600" spc="-1" strike="noStrike">
-                <a:solidFill>
-                  <a:srgbClr val="1c1c1c"/>
-                </a:solidFill>
-                <a:latin typeface="Latin Modern Sans"/>
-                <a:ea typeface="DejaVu Sans"/>
-              </a:rPr>
-              <a:t> </a:t>
-            </a:r>
-            <a:r>
-              <a:rPr b="0" lang="pt-BR" sz="1600" spc="-1" strike="noStrike">
-                <a:solidFill>
-                  <a:srgbClr val="1c1c1c"/>
-                </a:solidFill>
-                <a:latin typeface="Latin Modern Sans"/>
-                <a:ea typeface="DejaVu Sans"/>
-              </a:rPr>
-              <a:t>é</a:t>
-            </a:r>
-            <a:r>
-              <a:rPr b="0" lang="pt-BR" sz="1600" spc="-1" strike="noStrike">
-                <a:solidFill>
-                  <a:srgbClr val="1c1c1c"/>
-                </a:solidFill>
-                <a:latin typeface="Latin Modern Sans"/>
-                <a:ea typeface="DejaVu Sans"/>
-              </a:rPr>
-              <a:t> </a:t>
-            </a:r>
-            <a:r>
-              <a:rPr b="0" lang="pt-BR" sz="1600" spc="-1" strike="noStrike">
-                <a:solidFill>
-                  <a:srgbClr val="1c1c1c"/>
-                </a:solidFill>
-                <a:latin typeface="Latin Modern Sans"/>
-                <a:ea typeface="DejaVu Sans"/>
-              </a:rPr>
-              <a:t>r</a:t>
-            </a:r>
-            <a:r>
-              <a:rPr b="0" lang="pt-BR" sz="1600" spc="-1" strike="noStrike">
-                <a:solidFill>
-                  <a:srgbClr val="1c1c1c"/>
-                </a:solidFill>
-                <a:latin typeface="Latin Modern Sans"/>
-                <a:ea typeface="DejaVu Sans"/>
-              </a:rPr>
-              <a:t>e</a:t>
-            </a:r>
-            <a:r>
-              <a:rPr b="0" lang="pt-BR" sz="1600" spc="-1" strike="noStrike">
-                <a:solidFill>
-                  <a:srgbClr val="1c1c1c"/>
-                </a:solidFill>
-                <a:latin typeface="Latin Modern Sans"/>
-                <a:ea typeface="DejaVu Sans"/>
-              </a:rPr>
-              <a:t>t</a:t>
-            </a:r>
-            <a:r>
-              <a:rPr b="0" lang="pt-BR" sz="1600" spc="-1" strike="noStrike">
-                <a:solidFill>
-                  <a:srgbClr val="1c1c1c"/>
-                </a:solidFill>
-                <a:latin typeface="Latin Modern Sans"/>
-                <a:ea typeface="DejaVu Sans"/>
-              </a:rPr>
-              <a:t>o</a:t>
-            </a:r>
-            <a:r>
-              <a:rPr b="0" lang="pt-BR" sz="1600" spc="-1" strike="noStrike">
-                <a:solidFill>
-                  <a:srgbClr val="1c1c1c"/>
-                </a:solidFill>
-                <a:latin typeface="Latin Modern Sans"/>
-                <a:ea typeface="DejaVu Sans"/>
-              </a:rPr>
-              <a:t>r</a:t>
-            </a:r>
-            <a:r>
-              <a:rPr b="0" lang="pt-BR" sz="1600" spc="-1" strike="noStrike">
-                <a:solidFill>
-                  <a:srgbClr val="1c1c1c"/>
-                </a:solidFill>
-                <a:latin typeface="Latin Modern Sans"/>
-                <a:ea typeface="DejaVu Sans"/>
-              </a:rPr>
-              <a:t>n</a:t>
-            </a:r>
-            <a:r>
-              <a:rPr b="0" lang="pt-BR" sz="1600" spc="-1" strike="noStrike">
-                <a:solidFill>
-                  <a:srgbClr val="1c1c1c"/>
-                </a:solidFill>
-                <a:latin typeface="Latin Modern Sans"/>
-                <a:ea typeface="DejaVu Sans"/>
-              </a:rPr>
-              <a:t>a</a:t>
-            </a:r>
-            <a:r>
-              <a:rPr b="0" lang="pt-BR" sz="1600" spc="-1" strike="noStrike">
-                <a:solidFill>
-                  <a:srgbClr val="1c1c1c"/>
-                </a:solidFill>
-                <a:latin typeface="Latin Modern Sans"/>
-                <a:ea typeface="DejaVu Sans"/>
-              </a:rPr>
-              <a:t>d</a:t>
-            </a:r>
-            <a:r>
-              <a:rPr b="0" lang="pt-BR" sz="1600" spc="-1" strike="noStrike">
-                <a:solidFill>
-                  <a:srgbClr val="1c1c1c"/>
-                </a:solidFill>
-                <a:latin typeface="Latin Modern Sans"/>
-                <a:ea typeface="DejaVu Sans"/>
-              </a:rPr>
-              <a:t>o</a:t>
-            </a:r>
-            <a:r>
-              <a:rPr b="0" lang="pt-BR" sz="1600" spc="-1" strike="noStrike">
-                <a:solidFill>
-                  <a:srgbClr val="1c1c1c"/>
-                </a:solidFill>
-                <a:latin typeface="Latin Modern Sans"/>
-                <a:ea typeface="DejaVu Sans"/>
-              </a:rPr>
-              <a:t> </a:t>
-            </a:r>
-            <a:r>
-              <a:rPr b="0" lang="pt-BR" sz="1600" spc="-1" strike="noStrike">
-                <a:solidFill>
-                  <a:srgbClr val="1c1c1c"/>
-                </a:solidFill>
-                <a:latin typeface="Latin Modern Sans"/>
-                <a:ea typeface="DejaVu Sans"/>
-              </a:rPr>
-              <a:t>p</a:t>
-            </a:r>
-            <a:r>
-              <a:rPr b="0" lang="pt-BR" sz="1600" spc="-1" strike="noStrike">
-                <a:solidFill>
-                  <a:srgbClr val="1c1c1c"/>
-                </a:solidFill>
-                <a:latin typeface="Latin Modern Sans"/>
-                <a:ea typeface="DejaVu Sans"/>
-              </a:rPr>
-              <a:t>a</a:t>
-            </a:r>
-            <a:r>
-              <a:rPr b="0" lang="pt-BR" sz="1600" spc="-1" strike="noStrike">
-                <a:solidFill>
-                  <a:srgbClr val="1c1c1c"/>
-                </a:solidFill>
-                <a:latin typeface="Latin Modern Sans"/>
-                <a:ea typeface="DejaVu Sans"/>
-              </a:rPr>
-              <a:t>r</a:t>
-            </a:r>
-            <a:r>
-              <a:rPr b="0" lang="pt-BR" sz="1600" spc="-1" strike="noStrike">
-                <a:solidFill>
-                  <a:srgbClr val="1c1c1c"/>
-                </a:solidFill>
-                <a:latin typeface="Latin Modern Sans"/>
-                <a:ea typeface="DejaVu Sans"/>
-              </a:rPr>
-              <a:t>a</a:t>
-            </a:r>
-            <a:r>
-              <a:rPr b="0" lang="pt-BR" sz="1600" spc="-1" strike="noStrike">
-                <a:solidFill>
-                  <a:srgbClr val="1c1c1c"/>
-                </a:solidFill>
-                <a:latin typeface="Latin Modern Sans"/>
-                <a:ea typeface="DejaVu Sans"/>
-              </a:rPr>
-              <a:t> </a:t>
-            </a:r>
-            <a:r>
-              <a:rPr b="0" lang="pt-BR" sz="1600" spc="-1" strike="noStrike">
-                <a:solidFill>
-                  <a:srgbClr val="1c1c1c"/>
-                </a:solidFill>
-                <a:latin typeface="Latin Modern Sans"/>
-                <a:ea typeface="DejaVu Sans"/>
-              </a:rPr>
-              <a:t>q</a:t>
-            </a:r>
-            <a:r>
-              <a:rPr b="0" lang="pt-BR" sz="1600" spc="-1" strike="noStrike">
-                <a:solidFill>
-                  <a:srgbClr val="1c1c1c"/>
-                </a:solidFill>
-                <a:latin typeface="Latin Modern Sans"/>
-                <a:ea typeface="DejaVu Sans"/>
-              </a:rPr>
-              <a:t>u</a:t>
-            </a:r>
-            <a:r>
-              <a:rPr b="0" lang="pt-BR" sz="1600" spc="-1" strike="noStrike">
-                <a:solidFill>
-                  <a:srgbClr val="1c1c1c"/>
-                </a:solidFill>
-                <a:latin typeface="Latin Modern Sans"/>
-                <a:ea typeface="DejaVu Sans"/>
-              </a:rPr>
-              <a:t>e</a:t>
-            </a:r>
-            <a:r>
-              <a:rPr b="0" lang="pt-BR" sz="1600" spc="-1" strike="noStrike">
-                <a:solidFill>
-                  <a:srgbClr val="1c1c1c"/>
-                </a:solidFill>
-                <a:latin typeface="Latin Modern Sans"/>
-                <a:ea typeface="DejaVu Sans"/>
-              </a:rPr>
-              <a:t>m</a:t>
-            </a:r>
-            <a:r>
-              <a:rPr b="0" lang="pt-BR" sz="1600" spc="-1" strike="noStrike">
-                <a:solidFill>
-                  <a:srgbClr val="1c1c1c"/>
-                </a:solidFill>
-                <a:latin typeface="Latin Modern Sans"/>
-                <a:ea typeface="DejaVu Sans"/>
-              </a:rPr>
-              <a:t> </a:t>
-            </a:r>
-            <a:r>
-              <a:rPr b="0" lang="pt-BR" sz="1600" spc="-1" strike="noStrike">
-                <a:solidFill>
-                  <a:srgbClr val="1c1c1c"/>
-                </a:solidFill>
-                <a:latin typeface="Latin Modern Sans"/>
-                <a:ea typeface="DejaVu Sans"/>
-              </a:rPr>
-              <a:t>a</a:t>
-            </a:r>
-            <a:r>
-              <a:rPr b="0" lang="pt-BR" sz="1600" spc="-1" strike="noStrike">
-                <a:solidFill>
-                  <a:srgbClr val="1c1c1c"/>
-                </a:solidFill>
-                <a:latin typeface="Latin Modern Sans"/>
-                <a:ea typeface="DejaVu Sans"/>
-              </a:rPr>
-              <a:t> </a:t>
-            </a:r>
-            <a:r>
-              <a:rPr b="0" lang="pt-BR" sz="1600" spc="-1" strike="noStrike">
-                <a:solidFill>
-                  <a:srgbClr val="1c1c1c"/>
-                </a:solidFill>
-                <a:latin typeface="Latin Modern Sans"/>
-                <a:ea typeface="DejaVu Sans"/>
-              </a:rPr>
-              <a:t>c</a:t>
-            </a:r>
-            <a:r>
-              <a:rPr b="0" lang="pt-BR" sz="1600" spc="-1" strike="noStrike">
-                <a:solidFill>
-                  <a:srgbClr val="1c1c1c"/>
-                </a:solidFill>
-                <a:latin typeface="Latin Modern Sans"/>
-                <a:ea typeface="DejaVu Sans"/>
-              </a:rPr>
-              <a:t>h</a:t>
-            </a:r>
-            <a:r>
-              <a:rPr b="0" lang="pt-BR" sz="1600" spc="-1" strike="noStrike">
-                <a:solidFill>
-                  <a:srgbClr val="1c1c1c"/>
-                </a:solidFill>
-                <a:latin typeface="Latin Modern Sans"/>
-                <a:ea typeface="DejaVu Sans"/>
-              </a:rPr>
-              <a:t>a</a:t>
-            </a:r>
-            <a:r>
-              <a:rPr b="0" lang="pt-BR" sz="1600" spc="-1" strike="noStrike">
-                <a:solidFill>
-                  <a:srgbClr val="1c1c1c"/>
-                </a:solidFill>
-                <a:latin typeface="Latin Modern Sans"/>
-                <a:ea typeface="DejaVu Sans"/>
-              </a:rPr>
-              <a:t>m</a:t>
-            </a:r>
-            <a:r>
-              <a:rPr b="0" lang="pt-BR" sz="1600" spc="-1" strike="noStrike">
-                <a:solidFill>
-                  <a:srgbClr val="1c1c1c"/>
-                </a:solidFill>
-                <a:latin typeface="Latin Modern Sans"/>
-                <a:ea typeface="DejaVu Sans"/>
-              </a:rPr>
-              <a:t>o</a:t>
-            </a:r>
-            <a:r>
-              <a:rPr b="0" lang="pt-BR" sz="1600" spc="-1" strike="noStrike">
-                <a:solidFill>
-                  <a:srgbClr val="1c1c1c"/>
-                </a:solidFill>
-                <a:latin typeface="Latin Modern Sans"/>
-                <a:ea typeface="DejaVu Sans"/>
-              </a:rPr>
-              <a:t>u</a:t>
-            </a:r>
-            <a:r>
-              <a:rPr b="0" lang="pt-BR" sz="1600" spc="-1" strike="noStrike">
-                <a:solidFill>
-                  <a:srgbClr val="1c1c1c"/>
-                </a:solidFill>
-                <a:latin typeface="Latin Modern Sans"/>
-                <a:ea typeface="DejaVu Sans"/>
-              </a:rPr>
-              <a:t> </a:t>
-            </a:r>
-            <a:r>
-              <a:rPr b="0" lang="pt-BR" sz="1600" spc="-1" strike="noStrike">
-                <a:solidFill>
-                  <a:srgbClr val="1c1c1c"/>
-                </a:solidFill>
-                <a:latin typeface="Latin Modern Sans"/>
-                <a:ea typeface="DejaVu Sans"/>
-              </a:rPr>
-              <a:t>p</a:t>
-            </a:r>
-            <a:r>
-              <a:rPr b="0" lang="pt-BR" sz="1600" spc="-1" strike="noStrike">
-                <a:solidFill>
-                  <a:srgbClr val="1c1c1c"/>
-                </a:solidFill>
-                <a:latin typeface="Latin Modern Sans"/>
-                <a:ea typeface="DejaVu Sans"/>
-              </a:rPr>
-              <a:t>e</a:t>
-            </a:r>
-            <a:r>
-              <a:rPr b="0" lang="pt-BR" sz="1600" spc="-1" strike="noStrike">
-                <a:solidFill>
-                  <a:srgbClr val="1c1c1c"/>
-                </a:solidFill>
-                <a:latin typeface="Latin Modern Sans"/>
-                <a:ea typeface="DejaVu Sans"/>
-              </a:rPr>
-              <a:t>l</a:t>
-            </a:r>
-            <a:r>
-              <a:rPr b="0" lang="pt-BR" sz="1600" spc="-1" strike="noStrike">
-                <a:solidFill>
-                  <a:srgbClr val="1c1c1c"/>
-                </a:solidFill>
-                <a:latin typeface="Latin Modern Sans"/>
-                <a:ea typeface="DejaVu Sans"/>
-              </a:rPr>
-              <a:t>o</a:t>
-            </a:r>
-            <a:r>
-              <a:rPr b="0" lang="pt-BR" sz="1600" spc="-1" strike="noStrike">
-                <a:solidFill>
-                  <a:srgbClr val="1c1c1c"/>
-                </a:solidFill>
-                <a:latin typeface="Latin Modern Sans"/>
-                <a:ea typeface="DejaVu Sans"/>
-              </a:rPr>
-              <a:t> </a:t>
-            </a:r>
-            <a:r>
-              <a:rPr b="0" lang="pt-BR" sz="1600" spc="-1" strike="noStrike">
-                <a:solidFill>
-                  <a:srgbClr val="1c1c1c"/>
-                </a:solidFill>
-                <a:latin typeface="Latin Modern Sans"/>
-                <a:ea typeface="DejaVu Sans"/>
-              </a:rPr>
-              <a:t>‘</a:t>
-            </a:r>
-            <a:r>
-              <a:rPr b="0" lang="pt-BR" sz="1600" spc="-1" strike="noStrike">
-                <a:solidFill>
-                  <a:srgbClr val="1c1c1c"/>
-                </a:solidFill>
-                <a:latin typeface="Latin Modern Sans"/>
-                <a:ea typeface="DejaVu Sans"/>
-              </a:rPr>
-              <a:t>r</a:t>
-            </a:r>
-            <a:r>
-              <a:rPr b="0" lang="pt-BR" sz="1600" spc="-1" strike="noStrike">
-                <a:solidFill>
-                  <a:srgbClr val="1c1c1c"/>
-                </a:solidFill>
-                <a:latin typeface="Latin Modern Sans"/>
-                <a:ea typeface="DejaVu Sans"/>
-              </a:rPr>
-              <a:t>e</a:t>
-            </a:r>
-            <a:r>
-              <a:rPr b="0" lang="pt-BR" sz="1600" spc="-1" strike="noStrike">
-                <a:solidFill>
-                  <a:srgbClr val="1c1c1c"/>
-                </a:solidFill>
-                <a:latin typeface="Latin Modern Sans"/>
-                <a:ea typeface="DejaVu Sans"/>
-              </a:rPr>
-              <a:t>t</a:t>
-            </a:r>
-            <a:r>
-              <a:rPr b="0" lang="pt-BR" sz="1600" spc="-1" strike="noStrike">
-                <a:solidFill>
-                  <a:srgbClr val="1c1c1c"/>
-                </a:solidFill>
-                <a:latin typeface="Latin Modern Sans"/>
-                <a:ea typeface="DejaVu Sans"/>
-              </a:rPr>
-              <a:t>u</a:t>
-            </a:r>
-            <a:r>
-              <a:rPr b="0" lang="pt-BR" sz="1600" spc="-1" strike="noStrike">
-                <a:solidFill>
-                  <a:srgbClr val="1c1c1c"/>
-                </a:solidFill>
-                <a:latin typeface="Latin Modern Sans"/>
-                <a:ea typeface="DejaVu Sans"/>
-              </a:rPr>
-              <a:t>r</a:t>
-            </a:r>
-            <a:r>
-              <a:rPr b="0" lang="pt-BR" sz="1600" spc="-1" strike="noStrike">
-                <a:solidFill>
-                  <a:srgbClr val="1c1c1c"/>
-                </a:solidFill>
-                <a:latin typeface="Latin Modern Sans"/>
-                <a:ea typeface="DejaVu Sans"/>
-              </a:rPr>
-              <a:t>n</a:t>
-            </a:r>
-            <a:r>
-              <a:rPr b="0" lang="pt-BR" sz="1600" spc="-1" strike="noStrike">
-                <a:solidFill>
-                  <a:srgbClr val="1c1c1c"/>
-                </a:solidFill>
-                <a:latin typeface="Latin Modern Sans"/>
-                <a:ea typeface="DejaVu Sans"/>
-              </a:rPr>
-              <a:t>’</a:t>
-            </a:r>
+            <a:endParaRPr b="0" lang="pt-BR" sz="1600" spc="-1" strike="noStrike">
+              <a:latin typeface="Arial"/>
+            </a:endParaRPr>
+          </a:p>
+          <a:p>
+            <a:pPr>
+              <a:lnSpc>
+                <a:spcPct val="100000"/>
+              </a:lnSpc>
+              <a:spcAft>
+                <a:spcPts val="1140"/>
+              </a:spcAft>
+              <a:buNone/>
+            </a:pPr>
             <a:endParaRPr b="0" lang="pt-BR" sz="1600" spc="-1" strike="noStrike">
               <a:latin typeface="Arial"/>
             </a:endParaRPr>
@@ -15179,25 +11651,6 @@
               <a:buFont typeface="Wingdings" charset="2"/>
               <a:buChar char=""/>
             </a:pPr>
-            <a:endParaRPr b="0" lang="pt-BR" sz="1600" spc="-1" strike="noStrike">
-              <a:latin typeface="Arial"/>
-            </a:endParaRPr>
-          </a:p>
-          <a:p>
-            <a:pPr lvl="1" marL="432000" indent="-216000">
-              <a:lnSpc>
-                <a:spcPct val="100000"/>
-              </a:lnSpc>
-              <a:spcAft>
-                <a:spcPts val="1140"/>
-              </a:spcAft>
-              <a:buClr>
-                <a:srgbClr val="000000"/>
-              </a:buClr>
-              <a:buSzPct val="45000"/>
-              <a:buFont typeface="Wingdings" charset="2"/>
-              <a:buChar char=""/>
-            </a:pPr>
             <a:r>
               <a:rPr b="0" lang="pt-BR" sz="1600" spc="-1" strike="noStrike">
                 <a:solidFill>
@@ -15241,7 +11694,7 @@
         <p:spPr>
           <a:xfrm>
             <a:off x="1996200" y="3420000"/>
-            <a:ext cx="2431800" cy="2985120"/>
+            <a:ext cx="2431440" cy="2984760"/>
           </a:xfrm>
           <a:prstGeom prst="rect">
             <a:avLst/>
@@ -15264,7 +11717,7 @@
         <p:spPr>
           <a:xfrm>
             <a:off x="5549760" y="3439080"/>
-            <a:ext cx="2550240" cy="2860920"/>
+            <a:ext cx="2549880" cy="2860560"/>
           </a:xfrm>
           <a:prstGeom prst="rect">
             <a:avLst/>
@@ -15313,7 +11766,7 @@
         <p:spPr>
           <a:xfrm>
             <a:off x="360000" y="360000"/>
-            <a:ext cx="9352080" cy="892080"/>
+            <a:ext cx="9351720" cy="891720"/>
           </a:xfrm>
           <a:prstGeom prst="rect">
             <a:avLst/>
@@ -15339,7 +11792,7 @@
         <p:spPr>
           <a:xfrm>
             <a:off x="897120" y="6886080"/>
-            <a:ext cx="6439320" cy="357120"/>
+            <a:ext cx="6438960" cy="356760"/>
           </a:xfrm>
           <a:prstGeom prst="rect">
             <a:avLst/>
@@ -15391,7 +11844,7 @@
         <p:spPr>
           <a:xfrm>
             <a:off x="7608600" y="6886080"/>
-            <a:ext cx="2277360" cy="357120"/>
+            <a:ext cx="2277000" cy="356760"/>
           </a:xfrm>
           <a:prstGeom prst="rect">
             <a:avLst/>
@@ -15442,8 +11895,8 @@
         </p:nvSpPr>
         <p:spPr>
           <a:xfrm flipH="1" rot="10800000">
-            <a:off x="17998560" y="11128680"/>
-            <a:ext cx="699480" cy="356040"/>
+            <a:off x="17998920" y="11129040"/>
+            <a:ext cx="699120" cy="355680"/>
           </a:xfrm>
           <a:prstGeom prst="bentUpArrow">
             <a:avLst>
@@ -15477,8 +11930,8 @@
         </p:nvSpPr>
         <p:spPr>
           <a:xfrm rot="10800000">
-            <a:off x="16093080" y="11128680"/>
-            <a:ext cx="735840" cy="356040"/>
+            <a:off x="16093440" y="11129040"/>
+            <a:ext cx="735480" cy="355680"/>
           </a:xfrm>
           <a:prstGeom prst="bentUpArrow">
             <a:avLst>
@@ -15513,7 +11966,7 @@
         <p:spPr>
           <a:xfrm>
             <a:off x="360000" y="1705680"/>
-            <a:ext cx="9172080" cy="4672080"/>
+            <a:ext cx="9171720" cy="4671720"/>
           </a:xfrm>
           <a:prstGeom prst="rect">
             <a:avLst/>
@@ -15539,7 +11992,7 @@
         <p:spPr>
           <a:xfrm>
             <a:off x="512280" y="512280"/>
-            <a:ext cx="9352080" cy="892080"/>
+            <a:ext cx="9351720" cy="891720"/>
           </a:xfrm>
           <a:prstGeom prst="rect">
             <a:avLst/>
@@ -15591,7 +12044,7 @@
         <p:spPr>
           <a:xfrm>
             <a:off x="512280" y="1857960"/>
-            <a:ext cx="9172080" cy="4672080"/>
+            <a:ext cx="9171720" cy="4671720"/>
           </a:xfrm>
           <a:prstGeom prst="rect">
             <a:avLst/>
@@ -15742,7 +12195,7 @@
             </a:endParaRPr>
           </a:p>
           <a:p>
-            <a:pPr>
+            <a:pPr marL="7560">
               <a:lnSpc>
                 <a:spcPct val="100000"/>
               </a:lnSpc>
@@ -15810,7 +12263,7 @@
         <p:spPr>
           <a:xfrm>
             <a:off x="360000" y="360000"/>
-            <a:ext cx="9352080" cy="892080"/>
+            <a:ext cx="9351720" cy="891720"/>
           </a:xfrm>
           <a:prstGeom prst="rect">
             <a:avLst/>
@@ -15836,7 +12289,7 @@
         <p:spPr>
           <a:xfrm>
             <a:off x="897120" y="6886080"/>
-            <a:ext cx="6439320" cy="357120"/>
+            <a:ext cx="6438960" cy="356760"/>
           </a:xfrm>
           <a:prstGeom prst="rect">
             <a:avLst/>
@@ -15888,7 +12341,7 @@
         <p:spPr>
           <a:xfrm>
             <a:off x="7608600" y="6886080"/>
-            <a:ext cx="2277360" cy="357120"/>
+            <a:ext cx="2277000" cy="356760"/>
           </a:xfrm>
           <a:prstGeom prst="rect">
             <a:avLst/>
@@ -15939,8 +12392,8 @@
         </p:nvSpPr>
         <p:spPr>
           <a:xfrm flipH="1" rot="10800000">
-            <a:off x="17998560" y="11128680"/>
-            <a:ext cx="699480" cy="356040"/>
+            <a:off x="17998920" y="11129040"/>
+            <a:ext cx="699120" cy="355680"/>
           </a:xfrm>
           <a:prstGeom prst="bentUpArrow">
             <a:avLst>
@@ -15974,8 +12427,8 @@
         </p:nvSpPr>
         <p:spPr>
           <a:xfrm rot="10800000">
-            <a:off x="16093080" y="11128680"/>
-            <a:ext cx="735840" cy="356040"/>
+            <a:off x="16093440" y="11129040"/>
+            <a:ext cx="735480" cy="355680"/>
           </a:xfrm>
           <a:prstGeom prst="bentUpArrow">
             <a:avLst>
@@ -16010,7 +12463,7 @@
         <p:spPr>
           <a:xfrm>
             <a:off x="360000" y="1705680"/>
-            <a:ext cx="9172080" cy="4672080"/>
+            <a:ext cx="9171720" cy="4671720"/>
           </a:xfrm>
           <a:prstGeom prst="rect">
             <a:avLst/>
@@ -16036,7 +12489,7 @@
         <p:spPr>
           <a:xfrm>
             <a:off x="512280" y="512280"/>
-            <a:ext cx="9352080" cy="892080"/>
+            <a:ext cx="9351720" cy="891720"/>
           </a:xfrm>
           <a:prstGeom prst="rect">
             <a:avLst/>
@@ -16088,7 +12541,7 @@
         <p:spPr>
           <a:xfrm>
             <a:off x="512280" y="1857960"/>
-            <a:ext cx="9172080" cy="4672080"/>
+            <a:ext cx="9171720" cy="4671720"/>
           </a:xfrm>
           <a:prstGeom prst="rect">
             <a:avLst/>
@@ -16244,7 +12697,7 @@
                 <a:ea typeface="DejaVu Sans"/>
                 <a:hlinkClick r:id="rId1"/>
               </a:rPr>
-              <a:t>Lista 06 – Funções</a:t>
+              <a:t>Tópico 08 – Funções</a:t>
             </a:r>
             <a:endParaRPr b="0" lang="pt-BR" sz="1600" spc="-1" strike="noStrike">
               <a:latin typeface="Arial"/>
@@ -16265,19 +12718,14 @@
             </a:endParaRPr>
           </a:p>
           <a:p>
-            <a:pPr marL="293400" indent="-285840">
+            <a:pPr>
               <a:lnSpc>
                 <a:spcPct val="100000"/>
               </a:lnSpc>
               <a:spcAft>
                 <a:spcPts val="1140"/>
               </a:spcAft>
-              <a:buClr>
-                <a:srgbClr val="000000"/>
-              </a:buClr>
-              <a:buSzPct val="45000"/>
-              <a:buFont typeface="Arial"/>
-              <a:buChar char="•"/>
+              <a:buNone/>
             </a:pPr>
             <a:r>
               <a:rPr b="0" lang="pt-BR" sz="1600" spc="-1" strike="noStrike">
@@ -16294,19 +12742,14 @@
             </a:endParaRPr>
           </a:p>
           <a:p>
-            <a:pPr lvl="1" marL="750600" indent="-285840">
+            <a:pPr>
               <a:lnSpc>
                 <a:spcPct val="100000"/>
               </a:lnSpc>
               <a:spcAft>
                 <a:spcPts val="1140"/>
               </a:spcAft>
-              <a:buClr>
-                <a:srgbClr val="000000"/>
-              </a:buClr>
-              <a:buSzPct val="45000"/>
-              <a:buFont typeface="Arial"/>
-              <a:buChar char="•"/>
+              <a:buNone/>
             </a:pPr>
             <a:r>
               <a:rPr b="0" lang="pt-BR" sz="1600" spc="-1" strike="noStrike" u="sng">
@@ -16325,19 +12768,14 @@
             </a:endParaRPr>
           </a:p>
           <a:p>
-            <a:pPr lvl="1" marL="750600" indent="-285840">
+            <a:pPr>
               <a:lnSpc>
                 <a:spcPct val="100000"/>
               </a:lnSpc>
               <a:spcAft>
                 <a:spcPts val="1140"/>
               </a:spcAft>
-              <a:buClr>
-                <a:srgbClr val="000000"/>
-              </a:buClr>
-              <a:buSzPct val="45000"/>
-              <a:buFont typeface="Arial"/>
-              <a:buChar char="•"/>
+              <a:buNone/>
             </a:pPr>
             <a:r>
               <a:rPr b="0" lang="pt-BR" sz="1600" spc="-1" strike="noStrike" u="sng">
@@ -16365,7 +12803,7 @@
               </a:spcAft>
               <a:buNone/>
             </a:pPr>
-            <a:endParaRPr b="0" lang="pt-BR" sz="1600" spc="-1" strike="noStrike">
+            <a:endParaRPr b="0" lang="pt-BR" sz="1800" spc="-1" strike="noStrike">
               <a:latin typeface="Arial"/>
             </a:endParaRPr>
           </a:p>
@@ -16412,20 +12850,6 @@
             </a:endParaRPr>
           </a:p>
           <a:p>
-            <a:pPr>
-              <a:lnSpc>
-                <a:spcPct val="100000"/>
-              </a:lnSpc>
-              <a:spcAft>
-                <a:spcPts val="1140"/>
-              </a:spcAft>
-              <a:buNone/>
-            </a:pPr>
-            <a:endParaRPr b="0" lang="pt-BR" sz="1800" spc="-1" strike="noStrike">
-              <a:latin typeface="Arial"/>
-            </a:endParaRPr>
-          </a:p>
-          <a:p>
             <a:pPr marL="7560">
               <a:lnSpc>
                 <a:spcPct val="100000"/>
@@ -16435,7 +12859,21 @@
               </a:spcAft>
               <a:buNone/>
             </a:pPr>
-            <a:endParaRPr b="0" lang="pt-BR" sz="1600" spc="-1" strike="noStrike">
+            <a:endParaRPr b="0" lang="pt-BR" sz="1800" spc="-1" strike="noStrike">
+              <a:latin typeface="Arial"/>
+            </a:endParaRPr>
+          </a:p>
+          <a:p>
+            <a:pPr marL="7560">
+              <a:lnSpc>
+                <a:spcPct val="100000"/>
+              </a:lnSpc>
+              <a:spcAft>
+                <a:spcPts val="1140"/>
+              </a:spcAft>
+              <a:buNone/>
+            </a:pPr>
+            <a:endParaRPr b="0" lang="pt-BR" sz="1800" spc="-1" strike="noStrike">
               <a:latin typeface="Arial"/>
             </a:endParaRPr>
           </a:p>
